--- a/宣道詩/(宣道詩211B)神聖純愛.pptx
+++ b/宣道詩/(宣道詩211B)神聖純愛.pptx
@@ -5,16 +5,29 @@
     <p:sldMasterId id="2147483672" r:id="rId1"/>
   </p:sldMasterIdLst>
   <p:notesMasterIdLst>
-    <p:notesMasterId r:id="rId6"/>
+    <p:notesMasterId r:id="rId19"/>
   </p:notesMasterIdLst>
   <p:handoutMasterIdLst>
-    <p:handoutMasterId r:id="rId7"/>
+    <p:handoutMasterId r:id="rId20"/>
   </p:handoutMasterIdLst>
   <p:sldIdLst>
-    <p:sldId id="1603" r:id="rId2"/>
-    <p:sldId id="1604" r:id="rId3"/>
-    <p:sldId id="1605" r:id="rId4"/>
-    <p:sldId id="1606" r:id="rId5"/>
+    <p:sldId id="1607" r:id="rId2"/>
+    <p:sldId id="1608" r:id="rId3"/>
+    <p:sldId id="1609" r:id="rId4"/>
+    <p:sldId id="1610" r:id="rId5"/>
+    <p:sldId id="1611" r:id="rId6"/>
+    <p:sldId id="1612" r:id="rId7"/>
+    <p:sldId id="1613" r:id="rId8"/>
+    <p:sldId id="1614" r:id="rId9"/>
+    <p:sldId id="1615" r:id="rId10"/>
+    <p:sldId id="1616" r:id="rId11"/>
+    <p:sldId id="1617" r:id="rId12"/>
+    <p:sldId id="1618" r:id="rId13"/>
+    <p:sldId id="1619" r:id="rId14"/>
+    <p:sldId id="1620" r:id="rId15"/>
+    <p:sldId id="1621" r:id="rId16"/>
+    <p:sldId id="1622" r:id="rId17"/>
+    <p:sldId id="1623" r:id="rId18"/>
   </p:sldIdLst>
   <p:sldSz cx="12192000" cy="6858000"/>
   <p:notesSz cx="6858000" cy="9144000"/>
@@ -3720,285 +3733,140 @@
       </p:grpSpPr>
       <p:sp>
         <p:nvSpPr>
-          <p:cNvPr id="4" name="Title 3"/>
+          <p:cNvPr id="4" name="標題 3"/>
           <p:cNvSpPr>
             <a:spLocks noGrp="1"/>
           </p:cNvSpPr>
           <p:nvPr>
             <p:ph type="title"/>
           </p:nvPr>
-        </p:nvSpPr>
-        <p:spPr/>
-        <p:txBody>
-          <a:bodyPr>
-            <a:normAutofit/>
-          </a:bodyPr>
-          <a:lstStyle/>
-          <a:p>
-            <a:r>
-              <a:rPr lang="en-US" altLang="zh-CN" sz="4800" b="1" dirty="0">
-                <a:solidFill>
-                  <a:srgbClr val="002060"/>
-                </a:solidFill>
-                <a:latin typeface="Microsoft JhengHei" panose="020B0604030504040204" pitchFamily="34" charset="-120"/>
-                <a:ea typeface="Microsoft JhengHei" panose="020B0604030504040204" pitchFamily="34" charset="-120"/>
-              </a:rPr>
-              <a:t>【</a:t>
-            </a:r>
-            <a:r>
-              <a:rPr lang="zh-CN" altLang="en-US" sz="4800" b="1" dirty="0">
-                <a:solidFill>
-                  <a:srgbClr val="002060"/>
-                </a:solidFill>
-                <a:latin typeface="Microsoft JhengHei" panose="020B0604030504040204" pitchFamily="34" charset="-120"/>
-                <a:ea typeface="Microsoft JhengHei" panose="020B0604030504040204" pitchFamily="34" charset="-120"/>
-              </a:rPr>
-              <a:t>神聖純愛</a:t>
-            </a:r>
-            <a:r>
-              <a:rPr lang="en-US" altLang="zh-CN" sz="4800" b="1" dirty="0">
-                <a:solidFill>
-                  <a:srgbClr val="002060"/>
-                </a:solidFill>
-                <a:latin typeface="Microsoft JhengHei" panose="020B0604030504040204" pitchFamily="34" charset="-120"/>
-                <a:ea typeface="Microsoft JhengHei" panose="020B0604030504040204" pitchFamily="34" charset="-120"/>
-              </a:rPr>
-              <a:t>】</a:t>
-            </a:r>
-          </a:p>
-        </p:txBody>
-      </p:sp>
-      <p:sp>
-        <p:nvSpPr>
-          <p:cNvPr id="5" name="Content Placeholder 4"/>
-          <p:cNvSpPr>
-            <a:spLocks noGrp="1"/>
-          </p:cNvSpPr>
-          <p:nvPr>
-            <p:ph idx="1"/>
-          </p:nvPr>
-        </p:nvSpPr>
-        <p:spPr/>
-        <p:txBody>
-          <a:bodyPr>
-            <a:normAutofit/>
-          </a:bodyPr>
-          <a:lstStyle/>
-          <a:p>
-            <a:pPr marL="0" indent="0" algn="ctr">
-              <a:buNone/>
-            </a:pPr>
-            <a:r>
-              <a:rPr lang="zh-TW" altLang="en-US" sz="5400" b="1" dirty="0">
-                <a:solidFill>
-                  <a:srgbClr val="002060"/>
-                </a:solidFill>
-                <a:latin typeface="Microsoft JhengHei" panose="020B0604030504040204" pitchFamily="34" charset="-120"/>
-                <a:ea typeface="Microsoft JhengHei" panose="020B0604030504040204" pitchFamily="34" charset="-120"/>
-              </a:rPr>
-              <a:t>神聖純愛超乎萬</a:t>
-            </a:r>
-            <a:r>
-              <a:rPr lang="zh-TW" altLang="en-US" sz="5400" b="1" dirty="0">
-                <a:solidFill>
-                  <a:srgbClr val="002060"/>
-                </a:solidFill>
-                <a:latin typeface="Microsoft JhengHei" panose="020B0604030504040204" pitchFamily="34" charset="-120"/>
-                <a:ea typeface="Microsoft JhengHei" panose="020B0604030504040204" pitchFamily="34" charset="-120"/>
-              </a:rPr>
-              <a:t>愛  天</a:t>
-            </a:r>
-            <a:r>
-              <a:rPr lang="zh-TW" altLang="en-US" sz="5400" b="1" dirty="0">
-                <a:solidFill>
-                  <a:srgbClr val="002060"/>
-                </a:solidFill>
-                <a:latin typeface="Microsoft JhengHei" panose="020B0604030504040204" pitchFamily="34" charset="-120"/>
-                <a:ea typeface="Microsoft JhengHei" panose="020B0604030504040204" pitchFamily="34" charset="-120"/>
-              </a:rPr>
-              <a:t>上歡樂降人間</a:t>
-            </a:r>
-          </a:p>
-          <a:p>
-            <a:pPr marL="0" indent="0" algn="ctr">
-              <a:buNone/>
-            </a:pPr>
-            <a:r>
-              <a:rPr lang="zh-TW" altLang="en-US" sz="5400" b="1" dirty="0">
-                <a:solidFill>
-                  <a:srgbClr val="002060"/>
-                </a:solidFill>
-                <a:latin typeface="Microsoft JhengHei" panose="020B0604030504040204" pitchFamily="34" charset="-120"/>
-                <a:ea typeface="Microsoft JhengHei" panose="020B0604030504040204" pitchFamily="34" charset="-120"/>
-              </a:rPr>
-              <a:t>懇求屈尊居我心</a:t>
-            </a:r>
-            <a:r>
-              <a:rPr lang="zh-TW" altLang="en-US" sz="5400" b="1" dirty="0">
-                <a:solidFill>
-                  <a:srgbClr val="002060"/>
-                </a:solidFill>
-                <a:latin typeface="Microsoft JhengHei" panose="020B0604030504040204" pitchFamily="34" charset="-120"/>
-                <a:ea typeface="Microsoft JhengHei" panose="020B0604030504040204" pitchFamily="34" charset="-120"/>
-              </a:rPr>
-              <a:t>中  超</a:t>
-            </a:r>
-            <a:r>
-              <a:rPr lang="zh-TW" altLang="en-US" sz="5400" b="1" dirty="0">
-                <a:solidFill>
-                  <a:srgbClr val="002060"/>
-                </a:solidFill>
-                <a:latin typeface="Microsoft JhengHei" panose="020B0604030504040204" pitchFamily="34" charset="-120"/>
-                <a:ea typeface="Microsoft JhengHei" panose="020B0604030504040204" pitchFamily="34" charset="-120"/>
-              </a:rPr>
-              <a:t>過尋常恩萬</a:t>
-            </a:r>
-            <a:r>
-              <a:rPr lang="zh-TW" altLang="en-US" sz="5400" b="1" dirty="0">
-                <a:solidFill>
-                  <a:srgbClr val="002060"/>
-                </a:solidFill>
-                <a:latin typeface="Microsoft JhengHei" panose="020B0604030504040204" pitchFamily="34" charset="-120"/>
-                <a:ea typeface="Microsoft JhengHei" panose="020B0604030504040204" pitchFamily="34" charset="-120"/>
-              </a:rPr>
-              <a:t>般</a:t>
-            </a:r>
-            <a:endParaRPr lang="en-US" altLang="zh-TW" sz="5400" b="1" dirty="0">
-              <a:solidFill>
-                <a:srgbClr val="002060"/>
-              </a:solidFill>
-              <a:latin typeface="Microsoft JhengHei" panose="020B0604030504040204" pitchFamily="34" charset="-120"/>
-              <a:ea typeface="Microsoft JhengHei" panose="020B0604030504040204" pitchFamily="34" charset="-120"/>
-            </a:endParaRPr>
-          </a:p>
-          <a:p>
-            <a:pPr marL="0" indent="0" algn="ctr">
-              <a:buNone/>
-            </a:pPr>
-            <a:r>
-              <a:rPr lang="zh-TW" altLang="en-US" sz="5400" b="1" dirty="0">
-                <a:solidFill>
-                  <a:srgbClr val="002060"/>
-                </a:solidFill>
-                <a:latin typeface="Microsoft JhengHei" panose="020B0604030504040204" pitchFamily="34" charset="-120"/>
-                <a:ea typeface="Microsoft JhengHei" panose="020B0604030504040204" pitchFamily="34" charset="-120"/>
-              </a:rPr>
-              <a:t>耶穌主是萬愛結</a:t>
-            </a:r>
-            <a:r>
-              <a:rPr lang="zh-TW" altLang="en-US" sz="5400" b="1" dirty="0">
-                <a:solidFill>
-                  <a:srgbClr val="002060"/>
-                </a:solidFill>
-                <a:latin typeface="Microsoft JhengHei" panose="020B0604030504040204" pitchFamily="34" charset="-120"/>
-                <a:ea typeface="Microsoft JhengHei" panose="020B0604030504040204" pitchFamily="34" charset="-120"/>
-              </a:rPr>
-              <a:t>晶  憐</a:t>
-            </a:r>
-            <a:r>
-              <a:rPr lang="zh-TW" altLang="en-US" sz="5400" b="1" dirty="0">
-                <a:solidFill>
-                  <a:srgbClr val="002060"/>
-                </a:solidFill>
-                <a:latin typeface="Microsoft JhengHei" panose="020B0604030504040204" pitchFamily="34" charset="-120"/>
-                <a:ea typeface="Microsoft JhengHei" panose="020B0604030504040204" pitchFamily="34" charset="-120"/>
-              </a:rPr>
-              <a:t>憫慈悲集大成</a:t>
-            </a:r>
-          </a:p>
-          <a:p>
-            <a:pPr marL="0" indent="0" algn="ctr">
-              <a:buNone/>
-            </a:pPr>
-            <a:r>
-              <a:rPr lang="zh-TW" altLang="en-US" sz="5400" b="1" dirty="0">
-                <a:solidFill>
-                  <a:srgbClr val="002060"/>
-                </a:solidFill>
-                <a:latin typeface="Microsoft JhengHei" panose="020B0604030504040204" pitchFamily="34" charset="-120"/>
-                <a:ea typeface="Microsoft JhengHei" panose="020B0604030504040204" pitchFamily="34" charset="-120"/>
-              </a:rPr>
-              <a:t>救攜救恩惠然來</a:t>
-            </a:r>
-            <a:r>
-              <a:rPr lang="zh-TW" altLang="en-US" sz="5400" b="1" dirty="0">
-                <a:solidFill>
-                  <a:srgbClr val="002060"/>
-                </a:solidFill>
-                <a:latin typeface="Microsoft JhengHei" panose="020B0604030504040204" pitchFamily="34" charset="-120"/>
-                <a:ea typeface="Microsoft JhengHei" panose="020B0604030504040204" pitchFamily="34" charset="-120"/>
-              </a:rPr>
-              <a:t>臨  進</a:t>
-            </a:r>
-            <a:r>
-              <a:rPr lang="zh-TW" altLang="en-US" sz="5400" b="1" dirty="0">
-                <a:solidFill>
-                  <a:srgbClr val="002060"/>
-                </a:solidFill>
-                <a:latin typeface="Microsoft JhengHei" panose="020B0604030504040204" pitchFamily="34" charset="-120"/>
-                <a:ea typeface="Microsoft JhengHei" panose="020B0604030504040204" pitchFamily="34" charset="-120"/>
-              </a:rPr>
-              <a:t>入顆顆戰慄</a:t>
-            </a:r>
-            <a:r>
-              <a:rPr lang="zh-TW" altLang="en-US" sz="5400" b="1" dirty="0">
-                <a:solidFill>
-                  <a:srgbClr val="002060"/>
-                </a:solidFill>
-                <a:latin typeface="Microsoft JhengHei" panose="020B0604030504040204" pitchFamily="34" charset="-120"/>
-                <a:ea typeface="Microsoft JhengHei" panose="020B0604030504040204" pitchFamily="34" charset="-120"/>
-              </a:rPr>
-              <a:t>心</a:t>
-            </a:r>
-            <a:endParaRPr lang="zh-TW" altLang="en-US" sz="5400" b="1" dirty="0">
-              <a:solidFill>
-                <a:srgbClr val="002060"/>
-              </a:solidFill>
-              <a:latin typeface="Microsoft JhengHei" panose="020B0604030504040204" pitchFamily="34" charset="-120"/>
-              <a:ea typeface="Microsoft JhengHei" panose="020B0604030504040204" pitchFamily="34" charset="-120"/>
-            </a:endParaRPr>
-          </a:p>
-        </p:txBody>
-      </p:sp>
-      <p:sp>
-        <p:nvSpPr>
-          <p:cNvPr id="6" name="Text Box 1"/>
-          <p:cNvSpPr txBox="1"/>
-          <p:nvPr/>
         </p:nvSpPr>
         <p:spPr>
           <a:xfrm>
-            <a:off x="0" y="15142"/>
-            <a:ext cx="1019552" cy="830997"/>
+            <a:off x="0" y="2660915"/>
+            <a:ext cx="12192000" cy="1143000"/>
           </a:xfrm>
-          <a:prstGeom prst="rect">
-            <a:avLst/>
-          </a:prstGeom>
-          <a:noFill/>
-          <a:ln w="9525">
-            <a:noFill/>
-            <a:miter lim="800000"/>
-          </a:ln>
         </p:spPr>
         <p:txBody>
-          <a:bodyPr wrap="square">
-            <a:spAutoFit/>
+          <a:bodyPr>
+            <a:noAutofit/>
           </a:bodyPr>
           <a:lstStyle/>
           <a:p>
-            <a:pPr algn="ctr"/>
-            <a:r>
-              <a:rPr lang="en-US" sz="4800" b="1" dirty="0" smtClean="0">
-                <a:solidFill>
-                  <a:srgbClr val="002060"/>
-                </a:solidFill>
-              </a:rPr>
-              <a:t>1</a:t>
-            </a:r>
-            <a:endParaRPr lang="en-US" sz="4800" b="1" dirty="0">
+            <a:r>
+              <a:rPr lang="zh-CN" altLang="en-US" sz="5333" b="1" u="sng" dirty="0">
+                <a:solidFill>
+                  <a:srgbClr val="000066"/>
+                </a:solidFill>
+                <a:effectLst>
+                  <a:outerShdw blurRad="38100" dist="38100" dir="2700000" algn="tl">
+                    <a:srgbClr val="000000">
+                      <a:alpha val="43137"/>
+                    </a:srgbClr>
+                  </a:outerShdw>
+                </a:effectLst>
+                <a:latin typeface="微軟正黑體" pitchFamily="34" charset="-120"/>
+                <a:ea typeface="微軟正黑體" pitchFamily="34" charset="-120"/>
+              </a:rPr>
+              <a:t>宣道詩 </a:t>
+            </a:r>
+            <a:r>
+              <a:rPr lang="en-US" altLang="zh-CN" sz="5333" b="1" u="sng" dirty="0">
+                <a:solidFill>
+                  <a:srgbClr val="000066"/>
+                </a:solidFill>
+                <a:effectLst>
+                  <a:outerShdw blurRad="38100" dist="38100" dir="2700000" algn="tl">
+                    <a:srgbClr val="000000">
+                      <a:alpha val="43137"/>
+                    </a:srgbClr>
+                  </a:outerShdw>
+                </a:effectLst>
+                <a:latin typeface="微軟正黑體" pitchFamily="34" charset="-120"/>
+                <a:ea typeface="微軟正黑體" pitchFamily="34" charset="-120"/>
+              </a:rPr>
+              <a:t>211B</a:t>
+            </a:r>
+            <a:r>
+              <a:rPr lang="en-US" altLang="zh-CN" sz="7200" b="1" i="1" dirty="0">
+                <a:solidFill>
+                  <a:srgbClr val="660033"/>
+                </a:solidFill>
+                <a:effectLst>
+                  <a:outerShdw blurRad="38100" dist="38100" dir="2700000" algn="tl">
+                    <a:srgbClr val="000000">
+                      <a:alpha val="43137"/>
+                    </a:srgbClr>
+                  </a:outerShdw>
+                </a:effectLst>
+                <a:latin typeface="微軟正黑體" pitchFamily="34" charset="-120"/>
+                <a:ea typeface="微軟正黑體" pitchFamily="34" charset="-120"/>
+              </a:rPr>
+              <a:t/>
+            </a:r>
+            <a:br>
+              <a:rPr lang="en-US" altLang="zh-CN" sz="7200" b="1" i="1" dirty="0">
+                <a:solidFill>
+                  <a:srgbClr val="660033"/>
+                </a:solidFill>
+                <a:effectLst>
+                  <a:outerShdw blurRad="38100" dist="38100" dir="2700000" algn="tl">
+                    <a:srgbClr val="000000">
+                      <a:alpha val="43137"/>
+                    </a:srgbClr>
+                  </a:outerShdw>
+                </a:effectLst>
+                <a:latin typeface="微軟正黑體" pitchFamily="34" charset="-120"/>
+                <a:ea typeface="微軟正黑體" pitchFamily="34" charset="-120"/>
+              </a:rPr>
+            </a:br>
+            <a:r>
+              <a:rPr lang="zh-CN" altLang="en-US" sz="8000" b="1" dirty="0">
+                <a:solidFill>
+                  <a:srgbClr val="660033"/>
+                </a:solidFill>
+                <a:effectLst>
+                  <a:outerShdw blurRad="38100" dist="38100" dir="2700000" algn="tl">
+                    <a:srgbClr val="000000">
+                      <a:alpha val="43137"/>
+                    </a:srgbClr>
+                  </a:outerShdw>
+                </a:effectLst>
+                <a:latin typeface="微軟正黑體" pitchFamily="34" charset="-120"/>
+                <a:ea typeface="微軟正黑體" pitchFamily="34" charset="-120"/>
+              </a:rPr>
+              <a:t>神</a:t>
+            </a:r>
+            <a:r>
+              <a:rPr lang="zh-CN" altLang="en-US" sz="8000" b="1" dirty="0">
+                <a:solidFill>
+                  <a:srgbClr val="660033"/>
+                </a:solidFill>
+                <a:effectLst>
+                  <a:outerShdw blurRad="38100" dist="38100" dir="2700000" algn="tl">
+                    <a:srgbClr val="000000">
+                      <a:alpha val="43137"/>
+                    </a:srgbClr>
+                  </a:outerShdw>
+                </a:effectLst>
+                <a:latin typeface="微軟正黑體" pitchFamily="34" charset="-120"/>
+                <a:ea typeface="微軟正黑體" pitchFamily="34" charset="-120"/>
+              </a:rPr>
+              <a:t>聖純愛</a:t>
+            </a:r>
+            <a:endParaRPr lang="zh-TW" altLang="en-US" sz="8000" b="1" dirty="0">
               <a:solidFill>
-                <a:srgbClr val="002060"/>
+                <a:srgbClr val="660033"/>
               </a:solidFill>
+              <a:effectLst>
+                <a:outerShdw blurRad="38100" dist="38100" dir="2700000" algn="tl">
+                  <a:srgbClr val="000000">
+                    <a:alpha val="43137"/>
+                  </a:srgbClr>
+                </a:outerShdw>
+              </a:effectLst>
+              <a:latin typeface="微軟正黑體" pitchFamily="34" charset="-120"/>
+              <a:ea typeface="微軟正黑體" pitchFamily="34" charset="-120"/>
             </a:endParaRPr>
           </a:p>
         </p:txBody>
@@ -4006,13 +3874,1322 @@
     </p:spTree>
     <p:extLst>
       <p:ext uri="{BB962C8B-B14F-4D97-AF65-F5344CB8AC3E}">
-        <p14:creationId xmlns:p14="http://schemas.microsoft.com/office/powerpoint/2010/main" val="3113591578"/>
+        <p14:creationId xmlns:p14="http://schemas.microsoft.com/office/powerpoint/2010/main" val="3650434837"/>
       </p:ext>
     </p:extLst>
   </p:cSld>
   <p:clrMapOvr>
     <a:masterClrMapping/>
   </p:clrMapOvr>
+  <p:timing>
+    <p:tnLst>
+      <p:par>
+        <p:cTn id="1" dur="indefinite" restart="never" nodeType="tmRoot"/>
+      </p:par>
+    </p:tnLst>
+  </p:timing>
+</p:sld>
+</file>
+
+<file path=ppt/slides/slide10.xml><?xml version="1.0" encoding="utf-8"?>
+<p:sld xmlns:a="http://schemas.openxmlformats.org/drawingml/2006/main" xmlns:r="http://schemas.openxmlformats.org/officeDocument/2006/relationships" xmlns:p="http://schemas.openxmlformats.org/presentationml/2006/main">
+  <p:cSld>
+    <p:spTree>
+      <p:nvGrpSpPr>
+        <p:cNvPr id="1" name=""/>
+        <p:cNvGrpSpPr/>
+        <p:nvPr/>
+      </p:nvGrpSpPr>
+      <p:grpSpPr>
+        <a:xfrm>
+          <a:off x="0" y="0"/>
+          <a:ext cx="0" cy="0"/>
+          <a:chOff x="0" y="0"/>
+          <a:chExt cx="0" cy="0"/>
+        </a:xfrm>
+      </p:grpSpPr>
+      <p:sp>
+        <p:nvSpPr>
+          <p:cNvPr id="5" name="內容版面配置區 4"/>
+          <p:cNvSpPr>
+            <a:spLocks noGrp="1"/>
+          </p:cNvSpPr>
+          <p:nvPr>
+            <p:ph idx="1"/>
+          </p:nvPr>
+        </p:nvSpPr>
+        <p:spPr>
+          <a:xfrm>
+            <a:off x="0" y="2084851"/>
+            <a:ext cx="12192000" cy="2404863"/>
+          </a:xfrm>
+        </p:spPr>
+        <p:txBody>
+          <a:bodyPr anchor="ctr">
+            <a:normAutofit/>
+          </a:bodyPr>
+          <a:lstStyle/>
+          <a:p>
+            <a:pPr marL="0" indent="0" algn="ctr">
+              <a:buNone/>
+            </a:pPr>
+            <a:r>
+              <a:rPr lang="zh-TW" altLang="en-US" sz="6400" b="1" dirty="0">
+                <a:solidFill>
+                  <a:srgbClr val="660033"/>
+                </a:solidFill>
+                <a:latin typeface="Microsoft JhengHei" panose="020B0604030504040204" pitchFamily="34" charset="-120"/>
+                <a:ea typeface="Microsoft JhengHei" panose="020B0604030504040204" pitchFamily="34" charset="-120"/>
+              </a:rPr>
+              <a:t>全能神阿求來救</a:t>
+            </a:r>
+            <a:r>
+              <a:rPr lang="zh-TW" altLang="en-US" sz="6400" b="1" dirty="0">
+                <a:solidFill>
+                  <a:srgbClr val="660033"/>
+                </a:solidFill>
+                <a:latin typeface="Microsoft JhengHei" panose="020B0604030504040204" pitchFamily="34" charset="-120"/>
+                <a:ea typeface="Microsoft JhengHei" panose="020B0604030504040204" pitchFamily="34" charset="-120"/>
+              </a:rPr>
+              <a:t>拯</a:t>
+            </a:r>
+            <a:endParaRPr lang="en-US" altLang="zh-TW" sz="6400" b="1" dirty="0">
+              <a:solidFill>
+                <a:srgbClr val="660033"/>
+              </a:solidFill>
+              <a:latin typeface="Microsoft JhengHei" panose="020B0604030504040204" pitchFamily="34" charset="-120"/>
+              <a:ea typeface="Microsoft JhengHei" panose="020B0604030504040204" pitchFamily="34" charset="-120"/>
+            </a:endParaRPr>
+          </a:p>
+          <a:p>
+            <a:pPr marL="0" indent="0" algn="ctr">
+              <a:buNone/>
+            </a:pPr>
+            <a:r>
+              <a:rPr lang="zh-TW" altLang="en-US" sz="6400" b="1" dirty="0">
+                <a:solidFill>
+                  <a:srgbClr val="660033"/>
+                </a:solidFill>
+                <a:latin typeface="Microsoft JhengHei" panose="020B0604030504040204" pitchFamily="34" charset="-120"/>
+                <a:ea typeface="Microsoft JhengHei" panose="020B0604030504040204" pitchFamily="34" charset="-120"/>
+              </a:rPr>
+              <a:t>容</a:t>
+            </a:r>
+            <a:r>
+              <a:rPr lang="zh-TW" altLang="en-US" sz="6400" b="1" dirty="0">
+                <a:solidFill>
+                  <a:srgbClr val="660033"/>
+                </a:solidFill>
+                <a:latin typeface="Microsoft JhengHei" panose="020B0604030504040204" pitchFamily="34" charset="-120"/>
+                <a:ea typeface="Microsoft JhengHei" panose="020B0604030504040204" pitchFamily="34" charset="-120"/>
+              </a:rPr>
+              <a:t>我接受主生命</a:t>
+            </a:r>
+          </a:p>
+        </p:txBody>
+      </p:sp>
+      <p:sp>
+        <p:nvSpPr>
+          <p:cNvPr id="3" name="TextBox 2"/>
+          <p:cNvSpPr txBox="1"/>
+          <p:nvPr/>
+        </p:nvSpPr>
+        <p:spPr>
+          <a:xfrm>
+            <a:off x="0" y="5061182"/>
+            <a:ext cx="12192000" cy="830997"/>
+          </a:xfrm>
+          <a:prstGeom prst="rect">
+            <a:avLst/>
+          </a:prstGeom>
+          <a:noFill/>
+        </p:spPr>
+        <p:txBody>
+          <a:bodyPr wrap="square" rtlCol="0">
+            <a:spAutoFit/>
+          </a:bodyPr>
+          <a:lstStyle/>
+          <a:p>
+            <a:pPr algn="ctr"/>
+            <a:r>
+              <a:rPr lang="en-US" sz="4800" b="1" dirty="0">
+                <a:solidFill>
+                  <a:srgbClr val="660033"/>
+                </a:solidFill>
+              </a:rPr>
+              <a:t>( 3 / 4 )</a:t>
+            </a:r>
+            <a:endParaRPr lang="vi-VN" sz="4800" b="1" dirty="0">
+              <a:solidFill>
+                <a:srgbClr val="660033"/>
+              </a:solidFill>
+            </a:endParaRPr>
+          </a:p>
+        </p:txBody>
+      </p:sp>
+    </p:spTree>
+    <p:extLst>
+      <p:ext uri="{BB962C8B-B14F-4D97-AF65-F5344CB8AC3E}">
+        <p14:creationId xmlns:p14="http://schemas.microsoft.com/office/powerpoint/2010/main" val="1994181089"/>
+      </p:ext>
+    </p:extLst>
+  </p:cSld>
+  <p:clrMapOvr>
+    <a:masterClrMapping/>
+  </p:clrMapOvr>
+  <p:timing>
+    <p:tnLst>
+      <p:par>
+        <p:cTn id="1" dur="indefinite" restart="never" nodeType="tmRoot"/>
+      </p:par>
+    </p:tnLst>
+  </p:timing>
+</p:sld>
+</file>
+
+<file path=ppt/slides/slide11.xml><?xml version="1.0" encoding="utf-8"?>
+<p:sld xmlns:a="http://schemas.openxmlformats.org/drawingml/2006/main" xmlns:r="http://schemas.openxmlformats.org/officeDocument/2006/relationships" xmlns:p="http://schemas.openxmlformats.org/presentationml/2006/main">
+  <p:cSld>
+    <p:spTree>
+      <p:nvGrpSpPr>
+        <p:cNvPr id="1" name=""/>
+        <p:cNvGrpSpPr/>
+        <p:nvPr/>
+      </p:nvGrpSpPr>
+      <p:grpSpPr>
+        <a:xfrm>
+          <a:off x="0" y="0"/>
+          <a:ext cx="0" cy="0"/>
+          <a:chOff x="0" y="0"/>
+          <a:chExt cx="0" cy="0"/>
+        </a:xfrm>
+      </p:grpSpPr>
+      <p:sp>
+        <p:nvSpPr>
+          <p:cNvPr id="5" name="內容版面配置區 4"/>
+          <p:cNvSpPr>
+            <a:spLocks noGrp="1"/>
+          </p:cNvSpPr>
+          <p:nvPr>
+            <p:ph idx="1"/>
+          </p:nvPr>
+        </p:nvSpPr>
+        <p:spPr>
+          <a:xfrm>
+            <a:off x="0" y="2084851"/>
+            <a:ext cx="12192000" cy="2404863"/>
+          </a:xfrm>
+        </p:spPr>
+        <p:txBody>
+          <a:bodyPr anchor="ctr">
+            <a:normAutofit/>
+          </a:bodyPr>
+          <a:lstStyle/>
+          <a:p>
+            <a:pPr marL="0" indent="0" algn="ctr">
+              <a:buNone/>
+            </a:pPr>
+            <a:r>
+              <a:rPr lang="zh-TW" altLang="en-US" sz="6400" b="1" dirty="0">
+                <a:solidFill>
+                  <a:srgbClr val="660033"/>
+                </a:solidFill>
+                <a:latin typeface="Microsoft JhengHei" panose="020B0604030504040204" pitchFamily="34" charset="-120"/>
+                <a:ea typeface="Microsoft JhengHei" panose="020B0604030504040204" pitchFamily="34" charset="-120"/>
+              </a:rPr>
+              <a:t>我心主殿願主忽</a:t>
+            </a:r>
+            <a:r>
+              <a:rPr lang="zh-TW" altLang="en-US" sz="6400" b="1" dirty="0">
+                <a:solidFill>
+                  <a:srgbClr val="660033"/>
+                </a:solidFill>
+                <a:latin typeface="Microsoft JhengHei" panose="020B0604030504040204" pitchFamily="34" charset="-120"/>
+                <a:ea typeface="Microsoft JhengHei" panose="020B0604030504040204" pitchFamily="34" charset="-120"/>
+              </a:rPr>
+              <a:t>臨</a:t>
+            </a:r>
+            <a:endParaRPr lang="en-US" altLang="zh-TW" sz="6400" b="1" dirty="0">
+              <a:solidFill>
+                <a:srgbClr val="660033"/>
+              </a:solidFill>
+              <a:latin typeface="Microsoft JhengHei" panose="020B0604030504040204" pitchFamily="34" charset="-120"/>
+              <a:ea typeface="Microsoft JhengHei" panose="020B0604030504040204" pitchFamily="34" charset="-120"/>
+            </a:endParaRPr>
+          </a:p>
+          <a:p>
+            <a:pPr marL="0" indent="0" algn="ctr">
+              <a:buNone/>
+            </a:pPr>
+            <a:r>
+              <a:rPr lang="zh-TW" altLang="en-US" sz="6400" b="1" dirty="0">
+                <a:solidFill>
+                  <a:srgbClr val="660033"/>
+                </a:solidFill>
+                <a:latin typeface="Microsoft JhengHei" panose="020B0604030504040204" pitchFamily="34" charset="-120"/>
+                <a:ea typeface="Microsoft JhengHei" panose="020B0604030504040204" pitchFamily="34" charset="-120"/>
+              </a:rPr>
+              <a:t>永</a:t>
+            </a:r>
+            <a:r>
+              <a:rPr lang="zh-TW" altLang="en-US" sz="6400" b="1" dirty="0">
+                <a:solidFill>
+                  <a:srgbClr val="660033"/>
+                </a:solidFill>
+                <a:latin typeface="Microsoft JhengHei" panose="020B0604030504040204" pitchFamily="34" charset="-120"/>
+                <a:ea typeface="Microsoft JhengHei" panose="020B0604030504040204" pitchFamily="34" charset="-120"/>
+              </a:rPr>
+              <a:t>不永不離我心</a:t>
+            </a:r>
+            <a:endParaRPr lang="en-US" altLang="zh-TW" sz="6400" b="1" dirty="0">
+              <a:solidFill>
+                <a:srgbClr val="660033"/>
+              </a:solidFill>
+              <a:latin typeface="Microsoft JhengHei" panose="020B0604030504040204" pitchFamily="34" charset="-120"/>
+              <a:ea typeface="Microsoft JhengHei" panose="020B0604030504040204" pitchFamily="34" charset="-120"/>
+            </a:endParaRPr>
+          </a:p>
+        </p:txBody>
+      </p:sp>
+      <p:sp>
+        <p:nvSpPr>
+          <p:cNvPr id="3" name="TextBox 2"/>
+          <p:cNvSpPr txBox="1"/>
+          <p:nvPr/>
+        </p:nvSpPr>
+        <p:spPr>
+          <a:xfrm>
+            <a:off x="0" y="5061182"/>
+            <a:ext cx="12192000" cy="830997"/>
+          </a:xfrm>
+          <a:prstGeom prst="rect">
+            <a:avLst/>
+          </a:prstGeom>
+          <a:noFill/>
+        </p:spPr>
+        <p:txBody>
+          <a:bodyPr wrap="square" rtlCol="0">
+            <a:spAutoFit/>
+          </a:bodyPr>
+          <a:lstStyle/>
+          <a:p>
+            <a:pPr algn="ctr"/>
+            <a:r>
+              <a:rPr lang="en-US" sz="4800" b="1" dirty="0">
+                <a:solidFill>
+                  <a:srgbClr val="660033"/>
+                </a:solidFill>
+              </a:rPr>
+              <a:t>( 3 / 4 )</a:t>
+            </a:r>
+            <a:endParaRPr lang="vi-VN" sz="4800" b="1" dirty="0">
+              <a:solidFill>
+                <a:srgbClr val="660033"/>
+              </a:solidFill>
+            </a:endParaRPr>
+          </a:p>
+        </p:txBody>
+      </p:sp>
+    </p:spTree>
+    <p:extLst>
+      <p:ext uri="{BB962C8B-B14F-4D97-AF65-F5344CB8AC3E}">
+        <p14:creationId xmlns:p14="http://schemas.microsoft.com/office/powerpoint/2010/main" val="1883341988"/>
+      </p:ext>
+    </p:extLst>
+  </p:cSld>
+  <p:clrMapOvr>
+    <a:masterClrMapping/>
+  </p:clrMapOvr>
+  <p:timing>
+    <p:tnLst>
+      <p:par>
+        <p:cTn id="1" dur="indefinite" restart="never" nodeType="tmRoot"/>
+      </p:par>
+    </p:tnLst>
+  </p:timing>
+</p:sld>
+</file>
+
+<file path=ppt/slides/slide12.xml><?xml version="1.0" encoding="utf-8"?>
+<p:sld xmlns:a="http://schemas.openxmlformats.org/drawingml/2006/main" xmlns:r="http://schemas.openxmlformats.org/officeDocument/2006/relationships" xmlns:p="http://schemas.openxmlformats.org/presentationml/2006/main">
+  <p:cSld>
+    <p:spTree>
+      <p:nvGrpSpPr>
+        <p:cNvPr id="1" name=""/>
+        <p:cNvGrpSpPr/>
+        <p:nvPr/>
+      </p:nvGrpSpPr>
+      <p:grpSpPr>
+        <a:xfrm>
+          <a:off x="0" y="0"/>
+          <a:ext cx="0" cy="0"/>
+          <a:chOff x="0" y="0"/>
+          <a:chExt cx="0" cy="0"/>
+        </a:xfrm>
+      </p:grpSpPr>
+      <p:sp>
+        <p:nvSpPr>
+          <p:cNvPr id="5" name="內容版面配置區 4"/>
+          <p:cNvSpPr>
+            <a:spLocks noGrp="1"/>
+          </p:cNvSpPr>
+          <p:nvPr>
+            <p:ph idx="1"/>
+          </p:nvPr>
+        </p:nvSpPr>
+        <p:spPr>
+          <a:xfrm>
+            <a:off x="0" y="2084851"/>
+            <a:ext cx="12192000" cy="2404863"/>
+          </a:xfrm>
+        </p:spPr>
+        <p:txBody>
+          <a:bodyPr anchor="ctr">
+            <a:normAutofit/>
+          </a:bodyPr>
+          <a:lstStyle/>
+          <a:p>
+            <a:pPr marL="0" indent="0" algn="ctr">
+              <a:buNone/>
+            </a:pPr>
+            <a:r>
+              <a:rPr lang="zh-TW" altLang="en-US" sz="6400" b="1" dirty="0">
+                <a:solidFill>
+                  <a:srgbClr val="660033"/>
+                </a:solidFill>
+                <a:latin typeface="Microsoft JhengHei" panose="020B0604030504040204" pitchFamily="34" charset="-120"/>
+                <a:ea typeface="Microsoft JhengHei" panose="020B0604030504040204" pitchFamily="34" charset="-120"/>
+              </a:rPr>
+              <a:t>但願時常頌主事</a:t>
+            </a:r>
+            <a:r>
+              <a:rPr lang="zh-TW" altLang="en-US" sz="6400" b="1" dirty="0">
+                <a:solidFill>
+                  <a:srgbClr val="660033"/>
+                </a:solidFill>
+                <a:latin typeface="Microsoft JhengHei" panose="020B0604030504040204" pitchFamily="34" charset="-120"/>
+                <a:ea typeface="Microsoft JhengHei" panose="020B0604030504040204" pitchFamily="34" charset="-120"/>
+              </a:rPr>
+              <a:t>主</a:t>
+            </a:r>
+            <a:endParaRPr lang="en-US" altLang="zh-TW" sz="6400" b="1" dirty="0">
+              <a:solidFill>
+                <a:srgbClr val="660033"/>
+              </a:solidFill>
+              <a:latin typeface="Microsoft JhengHei" panose="020B0604030504040204" pitchFamily="34" charset="-120"/>
+              <a:ea typeface="Microsoft JhengHei" panose="020B0604030504040204" pitchFamily="34" charset="-120"/>
+            </a:endParaRPr>
+          </a:p>
+          <a:p>
+            <a:pPr marL="0" indent="0" algn="ctr">
+              <a:buNone/>
+            </a:pPr>
+            <a:r>
+              <a:rPr lang="zh-TW" altLang="en-US" sz="6400" b="1" dirty="0">
+                <a:solidFill>
+                  <a:srgbClr val="660033"/>
+                </a:solidFill>
+                <a:latin typeface="Microsoft JhengHei" panose="020B0604030504040204" pitchFamily="34" charset="-120"/>
+                <a:ea typeface="Microsoft JhengHei" panose="020B0604030504040204" pitchFamily="34" charset="-120"/>
+              </a:rPr>
+              <a:t>猶</a:t>
+            </a:r>
+            <a:r>
+              <a:rPr lang="zh-TW" altLang="en-US" sz="6400" b="1" dirty="0">
+                <a:solidFill>
+                  <a:srgbClr val="660033"/>
+                </a:solidFill>
+                <a:latin typeface="Microsoft JhengHei" panose="020B0604030504040204" pitchFamily="34" charset="-120"/>
+                <a:ea typeface="Microsoft JhengHei" panose="020B0604030504040204" pitchFamily="34" charset="-120"/>
+              </a:rPr>
+              <a:t>如天上眾天軍</a:t>
+            </a:r>
+          </a:p>
+        </p:txBody>
+      </p:sp>
+      <p:sp>
+        <p:nvSpPr>
+          <p:cNvPr id="3" name="TextBox 2"/>
+          <p:cNvSpPr txBox="1"/>
+          <p:nvPr/>
+        </p:nvSpPr>
+        <p:spPr>
+          <a:xfrm>
+            <a:off x="0" y="5061182"/>
+            <a:ext cx="12192000" cy="830997"/>
+          </a:xfrm>
+          <a:prstGeom prst="rect">
+            <a:avLst/>
+          </a:prstGeom>
+          <a:noFill/>
+        </p:spPr>
+        <p:txBody>
+          <a:bodyPr wrap="square" rtlCol="0">
+            <a:spAutoFit/>
+          </a:bodyPr>
+          <a:lstStyle/>
+          <a:p>
+            <a:pPr algn="ctr"/>
+            <a:r>
+              <a:rPr lang="en-US" sz="4800" b="1" dirty="0">
+                <a:solidFill>
+                  <a:srgbClr val="660033"/>
+                </a:solidFill>
+              </a:rPr>
+              <a:t>( 3 / 4 )</a:t>
+            </a:r>
+            <a:endParaRPr lang="vi-VN" sz="4800" b="1" dirty="0">
+              <a:solidFill>
+                <a:srgbClr val="660033"/>
+              </a:solidFill>
+            </a:endParaRPr>
+          </a:p>
+        </p:txBody>
+      </p:sp>
+    </p:spTree>
+    <p:extLst>
+      <p:ext uri="{BB962C8B-B14F-4D97-AF65-F5344CB8AC3E}">
+        <p14:creationId xmlns:p14="http://schemas.microsoft.com/office/powerpoint/2010/main" val="805302574"/>
+      </p:ext>
+    </p:extLst>
+  </p:cSld>
+  <p:clrMapOvr>
+    <a:masterClrMapping/>
+  </p:clrMapOvr>
+  <p:timing>
+    <p:tnLst>
+      <p:par>
+        <p:cTn id="1" dur="indefinite" restart="never" nodeType="tmRoot"/>
+      </p:par>
+    </p:tnLst>
+  </p:timing>
+</p:sld>
+</file>
+
+<file path=ppt/slides/slide13.xml><?xml version="1.0" encoding="utf-8"?>
+<p:sld xmlns:a="http://schemas.openxmlformats.org/drawingml/2006/main" xmlns:r="http://schemas.openxmlformats.org/officeDocument/2006/relationships" xmlns:p="http://schemas.openxmlformats.org/presentationml/2006/main">
+  <p:cSld>
+    <p:spTree>
+      <p:nvGrpSpPr>
+        <p:cNvPr id="1" name=""/>
+        <p:cNvGrpSpPr/>
+        <p:nvPr/>
+      </p:nvGrpSpPr>
+      <p:grpSpPr>
+        <a:xfrm>
+          <a:off x="0" y="0"/>
+          <a:ext cx="0" cy="0"/>
+          <a:chOff x="0" y="0"/>
+          <a:chExt cx="0" cy="0"/>
+        </a:xfrm>
+      </p:grpSpPr>
+      <p:sp>
+        <p:nvSpPr>
+          <p:cNvPr id="5" name="內容版面配置區 4"/>
+          <p:cNvSpPr>
+            <a:spLocks noGrp="1"/>
+          </p:cNvSpPr>
+          <p:nvPr>
+            <p:ph idx="1"/>
+          </p:nvPr>
+        </p:nvSpPr>
+        <p:spPr>
+          <a:xfrm>
+            <a:off x="0" y="2084851"/>
+            <a:ext cx="12192000" cy="2404863"/>
+          </a:xfrm>
+        </p:spPr>
+        <p:txBody>
+          <a:bodyPr anchor="ctr">
+            <a:normAutofit/>
+          </a:bodyPr>
+          <a:lstStyle/>
+          <a:p>
+            <a:pPr marL="0" indent="0" algn="ctr">
+              <a:buNone/>
+            </a:pPr>
+            <a:r>
+              <a:rPr lang="zh-TW" altLang="en-US" sz="6400" b="1" dirty="0">
+                <a:solidFill>
+                  <a:srgbClr val="660033"/>
+                </a:solidFill>
+                <a:latin typeface="Microsoft JhengHei" panose="020B0604030504040204" pitchFamily="34" charset="-120"/>
+                <a:ea typeface="Microsoft JhengHei" panose="020B0604030504040204" pitchFamily="34" charset="-120"/>
+              </a:rPr>
+              <a:t>祈禱</a:t>
+            </a:r>
+            <a:r>
+              <a:rPr lang="zh-CN" altLang="zh-TW" sz="6400" b="1" dirty="0">
+                <a:solidFill>
+                  <a:srgbClr val="660033"/>
+                </a:solidFill>
+                <a:latin typeface="Microsoft JhengHei" panose="020B0604030504040204" pitchFamily="34" charset="-120"/>
+                <a:ea typeface="Microsoft JhengHei" panose="020B0604030504040204" pitchFamily="34" charset="-120"/>
+              </a:rPr>
+              <a:t>讚</a:t>
+            </a:r>
+            <a:r>
+              <a:rPr lang="zh-TW" altLang="en-US" sz="6400" b="1" dirty="0">
+                <a:solidFill>
+                  <a:srgbClr val="660033"/>
+                </a:solidFill>
+                <a:latin typeface="Microsoft JhengHei" panose="020B0604030504040204" pitchFamily="34" charset="-120"/>
+                <a:ea typeface="Microsoft JhengHei" panose="020B0604030504040204" pitchFamily="34" charset="-120"/>
+              </a:rPr>
+              <a:t>揚永無停</a:t>
+            </a:r>
+            <a:r>
+              <a:rPr lang="zh-TW" altLang="en-US" sz="6400" b="1" dirty="0">
+                <a:solidFill>
+                  <a:srgbClr val="660033"/>
+                </a:solidFill>
+                <a:latin typeface="Microsoft JhengHei" panose="020B0604030504040204" pitchFamily="34" charset="-120"/>
+                <a:ea typeface="Microsoft JhengHei" panose="020B0604030504040204" pitchFamily="34" charset="-120"/>
+              </a:rPr>
+              <a:t>止</a:t>
+            </a:r>
+            <a:endParaRPr lang="en-US" altLang="zh-TW" sz="6400" b="1" dirty="0">
+              <a:solidFill>
+                <a:srgbClr val="660033"/>
+              </a:solidFill>
+              <a:latin typeface="Microsoft JhengHei" panose="020B0604030504040204" pitchFamily="34" charset="-120"/>
+              <a:ea typeface="Microsoft JhengHei" panose="020B0604030504040204" pitchFamily="34" charset="-120"/>
+            </a:endParaRPr>
+          </a:p>
+          <a:p>
+            <a:pPr marL="0" indent="0" algn="ctr">
+              <a:buNone/>
+            </a:pPr>
+            <a:r>
+              <a:rPr lang="zh-TW" altLang="en-US" sz="6400" b="1" dirty="0">
+                <a:solidFill>
+                  <a:srgbClr val="660033"/>
+                </a:solidFill>
+                <a:latin typeface="Microsoft JhengHei" panose="020B0604030504040204" pitchFamily="34" charset="-120"/>
+                <a:ea typeface="Microsoft JhengHei" panose="020B0604030504040204" pitchFamily="34" charset="-120"/>
+              </a:rPr>
+              <a:t>完</a:t>
+            </a:r>
+            <a:r>
+              <a:rPr lang="zh-TW" altLang="en-US" sz="6400" b="1" dirty="0">
+                <a:solidFill>
+                  <a:srgbClr val="660033"/>
+                </a:solidFill>
+                <a:latin typeface="Microsoft JhengHei" panose="020B0604030504040204" pitchFamily="34" charset="-120"/>
+                <a:ea typeface="Microsoft JhengHei" panose="020B0604030504040204" pitchFamily="34" charset="-120"/>
+              </a:rPr>
+              <a:t>全愛裏永歡欣</a:t>
+            </a:r>
+          </a:p>
+        </p:txBody>
+      </p:sp>
+      <p:sp>
+        <p:nvSpPr>
+          <p:cNvPr id="3" name="TextBox 2"/>
+          <p:cNvSpPr txBox="1"/>
+          <p:nvPr/>
+        </p:nvSpPr>
+        <p:spPr>
+          <a:xfrm>
+            <a:off x="0" y="5061182"/>
+            <a:ext cx="12192000" cy="830997"/>
+          </a:xfrm>
+          <a:prstGeom prst="rect">
+            <a:avLst/>
+          </a:prstGeom>
+          <a:noFill/>
+        </p:spPr>
+        <p:txBody>
+          <a:bodyPr wrap="square" rtlCol="0">
+            <a:spAutoFit/>
+          </a:bodyPr>
+          <a:lstStyle/>
+          <a:p>
+            <a:pPr algn="ctr"/>
+            <a:r>
+              <a:rPr lang="en-US" sz="4800" b="1" dirty="0">
+                <a:solidFill>
+                  <a:srgbClr val="660033"/>
+                </a:solidFill>
+              </a:rPr>
+              <a:t>( 3 / 4 )</a:t>
+            </a:r>
+            <a:endParaRPr lang="vi-VN" sz="4800" b="1" dirty="0">
+              <a:solidFill>
+                <a:srgbClr val="660033"/>
+              </a:solidFill>
+            </a:endParaRPr>
+          </a:p>
+        </p:txBody>
+      </p:sp>
+    </p:spTree>
+    <p:extLst>
+      <p:ext uri="{BB962C8B-B14F-4D97-AF65-F5344CB8AC3E}">
+        <p14:creationId xmlns:p14="http://schemas.microsoft.com/office/powerpoint/2010/main" val="662970587"/>
+      </p:ext>
+    </p:extLst>
+  </p:cSld>
+  <p:clrMapOvr>
+    <a:masterClrMapping/>
+  </p:clrMapOvr>
+  <p:timing>
+    <p:tnLst>
+      <p:par>
+        <p:cTn id="1" dur="indefinite" restart="never" nodeType="tmRoot"/>
+      </p:par>
+    </p:tnLst>
+  </p:timing>
+</p:sld>
+</file>
+
+<file path=ppt/slides/slide14.xml><?xml version="1.0" encoding="utf-8"?>
+<p:sld xmlns:a="http://schemas.openxmlformats.org/drawingml/2006/main" xmlns:r="http://schemas.openxmlformats.org/officeDocument/2006/relationships" xmlns:p="http://schemas.openxmlformats.org/presentationml/2006/main">
+  <p:cSld>
+    <p:spTree>
+      <p:nvGrpSpPr>
+        <p:cNvPr id="1" name=""/>
+        <p:cNvGrpSpPr/>
+        <p:nvPr/>
+      </p:nvGrpSpPr>
+      <p:grpSpPr>
+        <a:xfrm>
+          <a:off x="0" y="0"/>
+          <a:ext cx="0" cy="0"/>
+          <a:chOff x="0" y="0"/>
+          <a:chExt cx="0" cy="0"/>
+        </a:xfrm>
+      </p:grpSpPr>
+      <p:sp>
+        <p:nvSpPr>
+          <p:cNvPr id="5" name="內容版面配置區 4"/>
+          <p:cNvSpPr>
+            <a:spLocks noGrp="1"/>
+          </p:cNvSpPr>
+          <p:nvPr>
+            <p:ph idx="1"/>
+          </p:nvPr>
+        </p:nvSpPr>
+        <p:spPr>
+          <a:xfrm>
+            <a:off x="0" y="2084851"/>
+            <a:ext cx="12192000" cy="2404863"/>
+          </a:xfrm>
+        </p:spPr>
+        <p:txBody>
+          <a:bodyPr anchor="ctr">
+            <a:normAutofit/>
+          </a:bodyPr>
+          <a:lstStyle/>
+          <a:p>
+            <a:pPr marL="0" indent="0" algn="ctr">
+              <a:buNone/>
+            </a:pPr>
+            <a:r>
+              <a:rPr lang="zh-TW" altLang="en-US" sz="6400" b="1" dirty="0">
+                <a:solidFill>
+                  <a:srgbClr val="660033"/>
+                </a:solidFill>
+                <a:latin typeface="Microsoft JhengHei" panose="020B0604030504040204" pitchFamily="34" charset="-120"/>
+                <a:ea typeface="Microsoft JhengHei" panose="020B0604030504040204" pitchFamily="34" charset="-120"/>
+              </a:rPr>
+              <a:t>求主完成再造深</a:t>
+            </a:r>
+            <a:r>
+              <a:rPr lang="zh-TW" altLang="en-US" sz="6400" b="1" dirty="0">
+                <a:solidFill>
+                  <a:srgbClr val="660033"/>
+                </a:solidFill>
+                <a:latin typeface="Microsoft JhengHei" panose="020B0604030504040204" pitchFamily="34" charset="-120"/>
+                <a:ea typeface="Microsoft JhengHei" panose="020B0604030504040204" pitchFamily="34" charset="-120"/>
+              </a:rPr>
+              <a:t>恩</a:t>
+            </a:r>
+            <a:endParaRPr lang="en-US" altLang="zh-TW" sz="6400" b="1" dirty="0">
+              <a:solidFill>
+                <a:srgbClr val="660033"/>
+              </a:solidFill>
+              <a:latin typeface="Microsoft JhengHei" panose="020B0604030504040204" pitchFamily="34" charset="-120"/>
+              <a:ea typeface="Microsoft JhengHei" panose="020B0604030504040204" pitchFamily="34" charset="-120"/>
+            </a:endParaRPr>
+          </a:p>
+          <a:p>
+            <a:pPr marL="0" indent="0" algn="ctr">
+              <a:buNone/>
+            </a:pPr>
+            <a:r>
+              <a:rPr lang="zh-TW" altLang="en-US" sz="6400" b="1" dirty="0">
+                <a:solidFill>
+                  <a:srgbClr val="660033"/>
+                </a:solidFill>
+                <a:latin typeface="Microsoft JhengHei" panose="020B0604030504040204" pitchFamily="34" charset="-120"/>
+                <a:ea typeface="Microsoft JhengHei" panose="020B0604030504040204" pitchFamily="34" charset="-120"/>
+              </a:rPr>
+              <a:t>使</a:t>
+            </a:r>
+            <a:r>
+              <a:rPr lang="zh-TW" altLang="en-US" sz="6400" b="1" dirty="0">
+                <a:solidFill>
+                  <a:srgbClr val="660033"/>
+                </a:solidFill>
+                <a:latin typeface="Microsoft JhengHei" panose="020B0604030504040204" pitchFamily="34" charset="-120"/>
+                <a:ea typeface="Microsoft JhengHei" panose="020B0604030504040204" pitchFamily="34" charset="-120"/>
+              </a:rPr>
+              <a:t>我潔清無瑕疵</a:t>
+            </a:r>
+          </a:p>
+        </p:txBody>
+      </p:sp>
+      <p:sp>
+        <p:nvSpPr>
+          <p:cNvPr id="3" name="TextBox 2"/>
+          <p:cNvSpPr txBox="1"/>
+          <p:nvPr/>
+        </p:nvSpPr>
+        <p:spPr>
+          <a:xfrm>
+            <a:off x="0" y="5061182"/>
+            <a:ext cx="12192000" cy="830997"/>
+          </a:xfrm>
+          <a:prstGeom prst="rect">
+            <a:avLst/>
+          </a:prstGeom>
+          <a:noFill/>
+        </p:spPr>
+        <p:txBody>
+          <a:bodyPr wrap="square" rtlCol="0">
+            <a:spAutoFit/>
+          </a:bodyPr>
+          <a:lstStyle/>
+          <a:p>
+            <a:pPr algn="ctr"/>
+            <a:r>
+              <a:rPr lang="en-US" sz="4800" b="1" dirty="0">
+                <a:solidFill>
+                  <a:srgbClr val="660033"/>
+                </a:solidFill>
+              </a:rPr>
+              <a:t>( 4 / 4 )</a:t>
+            </a:r>
+            <a:endParaRPr lang="vi-VN" sz="4800" b="1" dirty="0">
+              <a:solidFill>
+                <a:srgbClr val="660033"/>
+              </a:solidFill>
+            </a:endParaRPr>
+          </a:p>
+        </p:txBody>
+      </p:sp>
+    </p:spTree>
+    <p:extLst>
+      <p:ext uri="{BB962C8B-B14F-4D97-AF65-F5344CB8AC3E}">
+        <p14:creationId xmlns:p14="http://schemas.microsoft.com/office/powerpoint/2010/main" val="1266670077"/>
+      </p:ext>
+    </p:extLst>
+  </p:cSld>
+  <p:clrMapOvr>
+    <a:masterClrMapping/>
+  </p:clrMapOvr>
+  <p:timing>
+    <p:tnLst>
+      <p:par>
+        <p:cTn id="1" dur="indefinite" restart="never" nodeType="tmRoot"/>
+      </p:par>
+    </p:tnLst>
+  </p:timing>
+</p:sld>
+</file>
+
+<file path=ppt/slides/slide15.xml><?xml version="1.0" encoding="utf-8"?>
+<p:sld xmlns:a="http://schemas.openxmlformats.org/drawingml/2006/main" xmlns:r="http://schemas.openxmlformats.org/officeDocument/2006/relationships" xmlns:p="http://schemas.openxmlformats.org/presentationml/2006/main">
+  <p:cSld>
+    <p:spTree>
+      <p:nvGrpSpPr>
+        <p:cNvPr id="1" name=""/>
+        <p:cNvGrpSpPr/>
+        <p:nvPr/>
+      </p:nvGrpSpPr>
+      <p:grpSpPr>
+        <a:xfrm>
+          <a:off x="0" y="0"/>
+          <a:ext cx="0" cy="0"/>
+          <a:chOff x="0" y="0"/>
+          <a:chExt cx="0" cy="0"/>
+        </a:xfrm>
+      </p:grpSpPr>
+      <p:sp>
+        <p:nvSpPr>
+          <p:cNvPr id="5" name="內容版面配置區 4"/>
+          <p:cNvSpPr>
+            <a:spLocks noGrp="1"/>
+          </p:cNvSpPr>
+          <p:nvPr>
+            <p:ph idx="1"/>
+          </p:nvPr>
+        </p:nvSpPr>
+        <p:spPr>
+          <a:xfrm>
+            <a:off x="0" y="2084851"/>
+            <a:ext cx="12192000" cy="2404863"/>
+          </a:xfrm>
+        </p:spPr>
+        <p:txBody>
+          <a:bodyPr anchor="ctr">
+            <a:normAutofit/>
+          </a:bodyPr>
+          <a:lstStyle/>
+          <a:p>
+            <a:pPr marL="0" indent="0" algn="ctr">
+              <a:buNone/>
+            </a:pPr>
+            <a:r>
+              <a:rPr lang="zh-TW" altLang="en-US" sz="6400" b="1" dirty="0">
+                <a:solidFill>
+                  <a:srgbClr val="660033"/>
+                </a:solidFill>
+                <a:latin typeface="Microsoft JhengHei" panose="020B0604030504040204" pitchFamily="34" charset="-120"/>
+                <a:ea typeface="Microsoft JhengHei" panose="020B0604030504040204" pitchFamily="34" charset="-120"/>
+              </a:rPr>
+              <a:t>使我能見宏大救</a:t>
+            </a:r>
+            <a:r>
+              <a:rPr lang="zh-TW" altLang="en-US" sz="6400" b="1" dirty="0">
+                <a:solidFill>
+                  <a:srgbClr val="660033"/>
+                </a:solidFill>
+                <a:latin typeface="Microsoft JhengHei" panose="020B0604030504040204" pitchFamily="34" charset="-120"/>
+                <a:ea typeface="Microsoft JhengHei" panose="020B0604030504040204" pitchFamily="34" charset="-120"/>
+              </a:rPr>
+              <a:t>恩</a:t>
+            </a:r>
+            <a:endParaRPr lang="en-US" altLang="zh-TW" sz="6400" b="1" dirty="0">
+              <a:solidFill>
+                <a:srgbClr val="660033"/>
+              </a:solidFill>
+              <a:latin typeface="Microsoft JhengHei" panose="020B0604030504040204" pitchFamily="34" charset="-120"/>
+              <a:ea typeface="Microsoft JhengHei" panose="020B0604030504040204" pitchFamily="34" charset="-120"/>
+            </a:endParaRPr>
+          </a:p>
+          <a:p>
+            <a:pPr marL="0" indent="0" algn="ctr">
+              <a:buNone/>
+            </a:pPr>
+            <a:r>
+              <a:rPr lang="zh-TW" altLang="en-US" sz="6400" b="1" dirty="0">
+                <a:solidFill>
+                  <a:srgbClr val="660033"/>
+                </a:solidFill>
+                <a:latin typeface="Microsoft JhengHei" panose="020B0604030504040204" pitchFamily="34" charset="-120"/>
+                <a:ea typeface="Microsoft JhengHei" panose="020B0604030504040204" pitchFamily="34" charset="-120"/>
+              </a:rPr>
+              <a:t>再</a:t>
+            </a:r>
+            <a:r>
+              <a:rPr lang="zh-TW" altLang="en-US" sz="6400" b="1" dirty="0">
+                <a:solidFill>
+                  <a:srgbClr val="660033"/>
+                </a:solidFill>
+                <a:latin typeface="Microsoft JhengHei" panose="020B0604030504040204" pitchFamily="34" charset="-120"/>
+                <a:ea typeface="Microsoft JhengHei" panose="020B0604030504040204" pitchFamily="34" charset="-120"/>
+              </a:rPr>
+              <a:t>得歸</a:t>
+            </a:r>
+            <a:r>
+              <a:rPr lang="zh-CN" altLang="zh-TW" sz="6400" b="1" dirty="0">
+                <a:solidFill>
+                  <a:srgbClr val="660033"/>
+                </a:solidFill>
+                <a:latin typeface="Microsoft JhengHei" panose="020B0604030504040204" pitchFamily="34" charset="-120"/>
+                <a:ea typeface="Microsoft JhengHei" panose="020B0604030504040204" pitchFamily="34" charset="-120"/>
+              </a:rPr>
+              <a:t>回</a:t>
+            </a:r>
+            <a:r>
+              <a:rPr lang="zh-TW" altLang="en-US" sz="6400" b="1" dirty="0">
+                <a:solidFill>
+                  <a:srgbClr val="660033"/>
+                </a:solidFill>
+                <a:latin typeface="Microsoft JhengHei" panose="020B0604030504040204" pitchFamily="34" charset="-120"/>
+                <a:ea typeface="Microsoft JhengHei" panose="020B0604030504040204" pitchFamily="34" charset="-120"/>
+              </a:rPr>
+              <a:t>主愛裏</a:t>
+            </a:r>
+            <a:endParaRPr lang="en-US" altLang="zh-TW" sz="6400" b="1" dirty="0">
+              <a:solidFill>
+                <a:srgbClr val="660033"/>
+              </a:solidFill>
+              <a:latin typeface="Microsoft JhengHei" panose="020B0604030504040204" pitchFamily="34" charset="-120"/>
+              <a:ea typeface="Microsoft JhengHei" panose="020B0604030504040204" pitchFamily="34" charset="-120"/>
+            </a:endParaRPr>
+          </a:p>
+        </p:txBody>
+      </p:sp>
+      <p:sp>
+        <p:nvSpPr>
+          <p:cNvPr id="3" name="TextBox 2"/>
+          <p:cNvSpPr txBox="1"/>
+          <p:nvPr/>
+        </p:nvSpPr>
+        <p:spPr>
+          <a:xfrm>
+            <a:off x="0" y="5061182"/>
+            <a:ext cx="12192000" cy="830997"/>
+          </a:xfrm>
+          <a:prstGeom prst="rect">
+            <a:avLst/>
+          </a:prstGeom>
+          <a:noFill/>
+        </p:spPr>
+        <p:txBody>
+          <a:bodyPr wrap="square" rtlCol="0">
+            <a:spAutoFit/>
+          </a:bodyPr>
+          <a:lstStyle/>
+          <a:p>
+            <a:pPr algn="ctr"/>
+            <a:r>
+              <a:rPr lang="en-US" sz="4800" b="1" dirty="0">
+                <a:solidFill>
+                  <a:srgbClr val="660033"/>
+                </a:solidFill>
+              </a:rPr>
+              <a:t>( 4 / 4 )</a:t>
+            </a:r>
+            <a:endParaRPr lang="vi-VN" sz="4800" b="1" dirty="0">
+              <a:solidFill>
+                <a:srgbClr val="660033"/>
+              </a:solidFill>
+            </a:endParaRPr>
+          </a:p>
+        </p:txBody>
+      </p:sp>
+    </p:spTree>
+    <p:extLst>
+      <p:ext uri="{BB962C8B-B14F-4D97-AF65-F5344CB8AC3E}">
+        <p14:creationId xmlns:p14="http://schemas.microsoft.com/office/powerpoint/2010/main" val="848563998"/>
+      </p:ext>
+    </p:extLst>
+  </p:cSld>
+  <p:clrMapOvr>
+    <a:masterClrMapping/>
+  </p:clrMapOvr>
+  <p:timing>
+    <p:tnLst>
+      <p:par>
+        <p:cTn id="1" dur="indefinite" restart="never" nodeType="tmRoot"/>
+      </p:par>
+    </p:tnLst>
+  </p:timing>
+</p:sld>
+</file>
+
+<file path=ppt/slides/slide16.xml><?xml version="1.0" encoding="utf-8"?>
+<p:sld xmlns:a="http://schemas.openxmlformats.org/drawingml/2006/main" xmlns:r="http://schemas.openxmlformats.org/officeDocument/2006/relationships" xmlns:p="http://schemas.openxmlformats.org/presentationml/2006/main">
+  <p:cSld>
+    <p:spTree>
+      <p:nvGrpSpPr>
+        <p:cNvPr id="1" name=""/>
+        <p:cNvGrpSpPr/>
+        <p:nvPr/>
+      </p:nvGrpSpPr>
+      <p:grpSpPr>
+        <a:xfrm>
+          <a:off x="0" y="0"/>
+          <a:ext cx="0" cy="0"/>
+          <a:chOff x="0" y="0"/>
+          <a:chExt cx="0" cy="0"/>
+        </a:xfrm>
+      </p:grpSpPr>
+      <p:sp>
+        <p:nvSpPr>
+          <p:cNvPr id="5" name="內容版面配置區 4"/>
+          <p:cNvSpPr>
+            <a:spLocks noGrp="1"/>
+          </p:cNvSpPr>
+          <p:nvPr>
+            <p:ph idx="1"/>
+          </p:nvPr>
+        </p:nvSpPr>
+        <p:spPr>
+          <a:xfrm>
+            <a:off x="0" y="2084851"/>
+            <a:ext cx="12192000" cy="2404863"/>
+          </a:xfrm>
+        </p:spPr>
+        <p:txBody>
+          <a:bodyPr anchor="ctr">
+            <a:normAutofit/>
+          </a:bodyPr>
+          <a:lstStyle/>
+          <a:p>
+            <a:pPr marL="0" indent="0" algn="ctr">
+              <a:buNone/>
+            </a:pPr>
+            <a:r>
+              <a:rPr lang="zh-TW" altLang="en-US" sz="6400" b="1" dirty="0">
+                <a:solidFill>
+                  <a:srgbClr val="660033"/>
+                </a:solidFill>
+                <a:latin typeface="Microsoft JhengHei" panose="020B0604030504040204" pitchFamily="34" charset="-120"/>
+                <a:ea typeface="Microsoft JhengHei" panose="020B0604030504040204" pitchFamily="34" charset="-120"/>
+              </a:rPr>
+              <a:t>願從光榮再進光</a:t>
+            </a:r>
+            <a:r>
+              <a:rPr lang="zh-TW" altLang="en-US" sz="6400" b="1" dirty="0">
+                <a:solidFill>
+                  <a:srgbClr val="660033"/>
+                </a:solidFill>
+                <a:latin typeface="Microsoft JhengHei" panose="020B0604030504040204" pitchFamily="34" charset="-120"/>
+                <a:ea typeface="Microsoft JhengHei" panose="020B0604030504040204" pitchFamily="34" charset="-120"/>
+              </a:rPr>
+              <a:t>榮</a:t>
+            </a:r>
+            <a:endParaRPr lang="en-US" altLang="zh-TW" sz="6400" b="1" dirty="0">
+              <a:solidFill>
+                <a:srgbClr val="660033"/>
+              </a:solidFill>
+              <a:latin typeface="Microsoft JhengHei" panose="020B0604030504040204" pitchFamily="34" charset="-120"/>
+              <a:ea typeface="Microsoft JhengHei" panose="020B0604030504040204" pitchFamily="34" charset="-120"/>
+            </a:endParaRPr>
+          </a:p>
+          <a:p>
+            <a:pPr marL="0" indent="0" algn="ctr">
+              <a:buNone/>
+            </a:pPr>
+            <a:r>
+              <a:rPr lang="zh-TW" altLang="en-US" sz="6400" b="1" dirty="0">
+                <a:solidFill>
+                  <a:srgbClr val="660033"/>
+                </a:solidFill>
+                <a:latin typeface="Microsoft JhengHei" panose="020B0604030504040204" pitchFamily="34" charset="-120"/>
+                <a:ea typeface="Microsoft JhengHei" panose="020B0604030504040204" pitchFamily="34" charset="-120"/>
+              </a:rPr>
+              <a:t>身</a:t>
+            </a:r>
+            <a:r>
+              <a:rPr lang="zh-TW" altLang="en-US" sz="6400" b="1" dirty="0">
+                <a:solidFill>
+                  <a:srgbClr val="660033"/>
+                </a:solidFill>
+                <a:latin typeface="Microsoft JhengHei" panose="020B0604030504040204" pitchFamily="34" charset="-120"/>
+                <a:ea typeface="Microsoft JhengHei" panose="020B0604030504040204" pitchFamily="34" charset="-120"/>
+              </a:rPr>
+              <a:t>列天班長供奉</a:t>
+            </a:r>
+          </a:p>
+        </p:txBody>
+      </p:sp>
+      <p:sp>
+        <p:nvSpPr>
+          <p:cNvPr id="3" name="TextBox 2"/>
+          <p:cNvSpPr txBox="1"/>
+          <p:nvPr/>
+        </p:nvSpPr>
+        <p:spPr>
+          <a:xfrm>
+            <a:off x="0" y="5061182"/>
+            <a:ext cx="12192000" cy="830997"/>
+          </a:xfrm>
+          <a:prstGeom prst="rect">
+            <a:avLst/>
+          </a:prstGeom>
+          <a:noFill/>
+        </p:spPr>
+        <p:txBody>
+          <a:bodyPr wrap="square" rtlCol="0">
+            <a:spAutoFit/>
+          </a:bodyPr>
+          <a:lstStyle/>
+          <a:p>
+            <a:pPr algn="ctr"/>
+            <a:r>
+              <a:rPr lang="en-US" sz="4800" b="1" dirty="0">
+                <a:solidFill>
+                  <a:srgbClr val="660033"/>
+                </a:solidFill>
+              </a:rPr>
+              <a:t>( 4 / 4 )</a:t>
+            </a:r>
+            <a:endParaRPr lang="vi-VN" sz="4800" b="1" dirty="0">
+              <a:solidFill>
+                <a:srgbClr val="660033"/>
+              </a:solidFill>
+            </a:endParaRPr>
+          </a:p>
+        </p:txBody>
+      </p:sp>
+    </p:spTree>
+    <p:extLst>
+      <p:ext uri="{BB962C8B-B14F-4D97-AF65-F5344CB8AC3E}">
+        <p14:creationId xmlns:p14="http://schemas.microsoft.com/office/powerpoint/2010/main" val="2050916347"/>
+      </p:ext>
+    </p:extLst>
+  </p:cSld>
+  <p:clrMapOvr>
+    <a:masterClrMapping/>
+  </p:clrMapOvr>
+  <p:timing>
+    <p:tnLst>
+      <p:par>
+        <p:cTn id="1" dur="indefinite" restart="never" nodeType="tmRoot"/>
+      </p:par>
+    </p:tnLst>
+  </p:timing>
+</p:sld>
+</file>
+
+<file path=ppt/slides/slide17.xml><?xml version="1.0" encoding="utf-8"?>
+<p:sld xmlns:a="http://schemas.openxmlformats.org/drawingml/2006/main" xmlns:r="http://schemas.openxmlformats.org/officeDocument/2006/relationships" xmlns:p="http://schemas.openxmlformats.org/presentationml/2006/main">
+  <p:cSld>
+    <p:spTree>
+      <p:nvGrpSpPr>
+        <p:cNvPr id="1" name=""/>
+        <p:cNvGrpSpPr/>
+        <p:nvPr/>
+      </p:nvGrpSpPr>
+      <p:grpSpPr>
+        <a:xfrm>
+          <a:off x="0" y="0"/>
+          <a:ext cx="0" cy="0"/>
+          <a:chOff x="0" y="0"/>
+          <a:chExt cx="0" cy="0"/>
+        </a:xfrm>
+      </p:grpSpPr>
+      <p:sp>
+        <p:nvSpPr>
+          <p:cNvPr id="5" name="內容版面配置區 4"/>
+          <p:cNvSpPr>
+            <a:spLocks noGrp="1"/>
+          </p:cNvSpPr>
+          <p:nvPr>
+            <p:ph idx="1"/>
+          </p:nvPr>
+        </p:nvSpPr>
+        <p:spPr>
+          <a:xfrm>
+            <a:off x="0" y="2084851"/>
+            <a:ext cx="12192000" cy="2404863"/>
+          </a:xfrm>
+        </p:spPr>
+        <p:txBody>
+          <a:bodyPr anchor="ctr">
+            <a:normAutofit/>
+          </a:bodyPr>
+          <a:lstStyle/>
+          <a:p>
+            <a:pPr marL="0" indent="0" algn="ctr">
+              <a:buNone/>
+            </a:pPr>
+            <a:r>
+              <a:rPr lang="zh-TW" altLang="en-US" sz="6400" b="1" dirty="0">
+                <a:solidFill>
+                  <a:srgbClr val="660033"/>
+                </a:solidFill>
+                <a:latin typeface="Microsoft JhengHei" panose="020B0604030504040204" pitchFamily="34" charset="-120"/>
+                <a:ea typeface="Microsoft JhengHei" panose="020B0604030504040204" pitchFamily="34" charset="-120"/>
+              </a:rPr>
+              <a:t>到時冠冕主前拋</a:t>
+            </a:r>
+            <a:r>
+              <a:rPr lang="zh-TW" altLang="en-US" sz="6400" b="1" dirty="0">
+                <a:solidFill>
+                  <a:srgbClr val="660033"/>
+                </a:solidFill>
+                <a:latin typeface="Microsoft JhengHei" panose="020B0604030504040204" pitchFamily="34" charset="-120"/>
+                <a:ea typeface="Microsoft JhengHei" panose="020B0604030504040204" pitchFamily="34" charset="-120"/>
+              </a:rPr>
+              <a:t>擲</a:t>
+            </a:r>
+            <a:endParaRPr lang="en-US" altLang="zh-TW" sz="6400" b="1" dirty="0">
+              <a:solidFill>
+                <a:srgbClr val="660033"/>
+              </a:solidFill>
+              <a:latin typeface="Microsoft JhengHei" panose="020B0604030504040204" pitchFamily="34" charset="-120"/>
+              <a:ea typeface="Microsoft JhengHei" panose="020B0604030504040204" pitchFamily="34" charset="-120"/>
+            </a:endParaRPr>
+          </a:p>
+          <a:p>
+            <a:pPr marL="0" indent="0" algn="ctr">
+              <a:buNone/>
+            </a:pPr>
+            <a:r>
+              <a:rPr lang="zh-TW" altLang="en-US" sz="6400" b="1" dirty="0">
+                <a:solidFill>
+                  <a:srgbClr val="660033"/>
+                </a:solidFill>
+                <a:latin typeface="Microsoft JhengHei" panose="020B0604030504040204" pitchFamily="34" charset="-120"/>
+                <a:ea typeface="Microsoft JhengHei" panose="020B0604030504040204" pitchFamily="34" charset="-120"/>
+              </a:rPr>
+              <a:t>忘</a:t>
+            </a:r>
+            <a:r>
+              <a:rPr lang="zh-TW" altLang="en-US" sz="6400" b="1" dirty="0">
+                <a:solidFill>
+                  <a:srgbClr val="660033"/>
+                </a:solidFill>
+                <a:latin typeface="Microsoft JhengHei" panose="020B0604030504040204" pitchFamily="34" charset="-120"/>
+                <a:ea typeface="Microsoft JhengHei" panose="020B0604030504040204" pitchFamily="34" charset="-120"/>
+              </a:rPr>
+              <a:t>形愛頌驚奇中</a:t>
+            </a:r>
+          </a:p>
+        </p:txBody>
+      </p:sp>
+      <p:sp>
+        <p:nvSpPr>
+          <p:cNvPr id="3" name="TextBox 2"/>
+          <p:cNvSpPr txBox="1"/>
+          <p:nvPr/>
+        </p:nvSpPr>
+        <p:spPr>
+          <a:xfrm>
+            <a:off x="0" y="5061182"/>
+            <a:ext cx="12192000" cy="830997"/>
+          </a:xfrm>
+          <a:prstGeom prst="rect">
+            <a:avLst/>
+          </a:prstGeom>
+          <a:noFill/>
+        </p:spPr>
+        <p:txBody>
+          <a:bodyPr wrap="square" rtlCol="0">
+            <a:spAutoFit/>
+          </a:bodyPr>
+          <a:lstStyle/>
+          <a:p>
+            <a:pPr algn="ctr"/>
+            <a:r>
+              <a:rPr lang="en-US" sz="4800" b="1" dirty="0">
+                <a:solidFill>
+                  <a:srgbClr val="660033"/>
+                </a:solidFill>
+              </a:rPr>
+              <a:t>( 4 / 4 )</a:t>
+            </a:r>
+            <a:endParaRPr lang="vi-VN" sz="4800" b="1" dirty="0">
+              <a:solidFill>
+                <a:srgbClr val="660033"/>
+              </a:solidFill>
+            </a:endParaRPr>
+          </a:p>
+        </p:txBody>
+      </p:sp>
+    </p:spTree>
+    <p:extLst>
+      <p:ext uri="{BB962C8B-B14F-4D97-AF65-F5344CB8AC3E}">
+        <p14:creationId xmlns:p14="http://schemas.microsoft.com/office/powerpoint/2010/main" val="3870303223"/>
+      </p:ext>
+    </p:extLst>
+  </p:cSld>
+  <p:clrMapOvr>
+    <a:masterClrMapping/>
+  </p:clrMapOvr>
+  <p:timing>
+    <p:tnLst>
+      <p:par>
+        <p:cTn id="1" dur="indefinite" restart="never" nodeType="tmRoot"/>
+      </p:par>
+    </p:tnLst>
+  </p:timing>
 </p:sld>
 </file>
 
@@ -4035,152 +5212,42 @@
       </p:grpSpPr>
       <p:sp>
         <p:nvSpPr>
-          <p:cNvPr id="4" name="Title 3"/>
-          <p:cNvSpPr>
-            <a:spLocks noGrp="1"/>
-          </p:cNvSpPr>
-          <p:nvPr>
-            <p:ph type="title"/>
-          </p:nvPr>
-        </p:nvSpPr>
-        <p:spPr/>
-        <p:txBody>
-          <a:bodyPr>
+          <p:cNvPr id="5" name="內容版面配置區 4"/>
+          <p:cNvSpPr>
+            <a:spLocks noGrp="1"/>
+          </p:cNvSpPr>
+          <p:nvPr>
+            <p:ph idx="1"/>
+          </p:nvPr>
+        </p:nvSpPr>
+        <p:spPr>
+          <a:xfrm>
+            <a:off x="0" y="2084851"/>
+            <a:ext cx="12192000" cy="2404863"/>
+          </a:xfrm>
+        </p:spPr>
+        <p:txBody>
+          <a:bodyPr anchor="ctr">
             <a:normAutofit/>
           </a:bodyPr>
           <a:lstStyle/>
           <a:p>
-            <a:r>
-              <a:rPr lang="en-US" altLang="zh-CN" sz="4800" b="1" dirty="0">
-                <a:solidFill>
-                  <a:srgbClr val="002060"/>
+            <a:pPr marL="0" indent="0" algn="ctr">
+              <a:buNone/>
+            </a:pPr>
+            <a:r>
+              <a:rPr lang="zh-TW" altLang="en-US" sz="6400" b="1" dirty="0">
+                <a:solidFill>
+                  <a:srgbClr val="660033"/>
                 </a:solidFill>
                 <a:latin typeface="Microsoft JhengHei" panose="020B0604030504040204" pitchFamily="34" charset="-120"/>
                 <a:ea typeface="Microsoft JhengHei" panose="020B0604030504040204" pitchFamily="34" charset="-120"/>
               </a:rPr>
-              <a:t>【</a:t>
-            </a:r>
-            <a:r>
-              <a:rPr lang="zh-CN" altLang="en-US" sz="4800" b="1" dirty="0">
-                <a:solidFill>
-                  <a:srgbClr val="002060"/>
-                </a:solidFill>
-                <a:latin typeface="Microsoft JhengHei" panose="020B0604030504040204" pitchFamily="34" charset="-120"/>
-                <a:ea typeface="Microsoft JhengHei" panose="020B0604030504040204" pitchFamily="34" charset="-120"/>
-              </a:rPr>
-              <a:t>神聖純愛</a:t>
-            </a:r>
-            <a:r>
-              <a:rPr lang="en-US" altLang="zh-CN" sz="4800" b="1" dirty="0">
-                <a:solidFill>
-                  <a:srgbClr val="002060"/>
-                </a:solidFill>
-                <a:latin typeface="Microsoft JhengHei" panose="020B0604030504040204" pitchFamily="34" charset="-120"/>
-                <a:ea typeface="Microsoft JhengHei" panose="020B0604030504040204" pitchFamily="34" charset="-120"/>
-              </a:rPr>
-              <a:t>】</a:t>
-            </a:r>
-          </a:p>
-        </p:txBody>
-      </p:sp>
-      <p:sp>
-        <p:nvSpPr>
-          <p:cNvPr id="5" name="Content Placeholder 4"/>
-          <p:cNvSpPr>
-            <a:spLocks noGrp="1"/>
-          </p:cNvSpPr>
-          <p:nvPr>
-            <p:ph idx="1"/>
-          </p:nvPr>
-        </p:nvSpPr>
-        <p:spPr/>
-        <p:txBody>
-          <a:bodyPr>
-            <a:normAutofit/>
-          </a:bodyPr>
-          <a:lstStyle/>
-          <a:p>
-            <a:pPr marL="0" indent="0" algn="ctr">
-              <a:buNone/>
-            </a:pPr>
-            <a:r>
-              <a:rPr lang="zh-TW" altLang="en-US" sz="5400" b="1" dirty="0">
-                <a:solidFill>
-                  <a:srgbClr val="002060"/>
-                </a:solidFill>
-                <a:latin typeface="Microsoft JhengHei" panose="020B0604030504040204" pitchFamily="34" charset="-120"/>
-                <a:ea typeface="Microsoft JhengHei" panose="020B0604030504040204" pitchFamily="34" charset="-120"/>
-              </a:rPr>
-              <a:t>懇求主將愛的精</a:t>
-            </a:r>
-            <a:r>
-              <a:rPr lang="zh-TW" altLang="en-US" sz="5400" b="1" dirty="0">
-                <a:solidFill>
-                  <a:srgbClr val="002060"/>
-                </a:solidFill>
-                <a:latin typeface="Microsoft JhengHei" panose="020B0604030504040204" pitchFamily="34" charset="-120"/>
-                <a:ea typeface="Microsoft JhengHei" panose="020B0604030504040204" pitchFamily="34" charset="-120"/>
-              </a:rPr>
-              <a:t>神  吹</a:t>
-            </a:r>
-            <a:r>
-              <a:rPr lang="zh-TW" altLang="en-US" sz="5400" b="1" dirty="0">
-                <a:solidFill>
-                  <a:srgbClr val="002060"/>
-                </a:solidFill>
-                <a:latin typeface="Microsoft JhengHei" panose="020B0604030504040204" pitchFamily="34" charset="-120"/>
-                <a:ea typeface="Microsoft JhengHei" panose="020B0604030504040204" pitchFamily="34" charset="-120"/>
-              </a:rPr>
-              <a:t>入每顆煩惱心</a:t>
-            </a:r>
-          </a:p>
-          <a:p>
-            <a:pPr marL="0" indent="0" algn="ctr">
-              <a:buNone/>
-            </a:pPr>
-            <a:r>
-              <a:rPr lang="zh-TW" altLang="en-US" sz="5400" b="1" dirty="0">
-                <a:solidFill>
-                  <a:srgbClr val="002060"/>
-                </a:solidFill>
-                <a:latin typeface="Microsoft JhengHei" panose="020B0604030504040204" pitchFamily="34" charset="-120"/>
-                <a:ea typeface="Microsoft JhengHei" panose="020B0604030504040204" pitchFamily="34" charset="-120"/>
-              </a:rPr>
-              <a:t>主所應許甜蜜安</a:t>
-            </a:r>
-            <a:r>
-              <a:rPr lang="zh-TW" altLang="en-US" sz="5400" b="1" dirty="0">
-                <a:solidFill>
-                  <a:srgbClr val="002060"/>
-                </a:solidFill>
-                <a:latin typeface="Microsoft JhengHei" panose="020B0604030504040204" pitchFamily="34" charset="-120"/>
-                <a:ea typeface="Microsoft JhengHei" panose="020B0604030504040204" pitchFamily="34" charset="-120"/>
-              </a:rPr>
-              <a:t>息  但</a:t>
-            </a:r>
-            <a:r>
-              <a:rPr lang="zh-TW" altLang="en-US" sz="5400" b="1" dirty="0">
-                <a:solidFill>
-                  <a:srgbClr val="002060"/>
-                </a:solidFill>
-                <a:latin typeface="Microsoft JhengHei" panose="020B0604030504040204" pitchFamily="34" charset="-120"/>
-                <a:ea typeface="Microsoft JhengHei" panose="020B0604030504040204" pitchFamily="34" charset="-120"/>
-              </a:rPr>
-              <a:t>願人人得繼</a:t>
-            </a:r>
-            <a:r>
-              <a:rPr lang="zh-TW" altLang="en-US" sz="5400" b="1" dirty="0">
-                <a:solidFill>
-                  <a:srgbClr val="002060"/>
-                </a:solidFill>
-                <a:latin typeface="Microsoft JhengHei" panose="020B0604030504040204" pitchFamily="34" charset="-120"/>
-                <a:ea typeface="Microsoft JhengHei" panose="020B0604030504040204" pitchFamily="34" charset="-120"/>
-              </a:rPr>
-              <a:t>承</a:t>
-            </a:r>
-            <a:endParaRPr lang="en-US" altLang="zh-TW" sz="5400" b="1" dirty="0">
+              <a:t>神聖純愛超乎萬愛</a:t>
+            </a:r>
+            <a:endParaRPr lang="en-US" altLang="zh-TW" sz="6400" b="1" dirty="0">
               <a:solidFill>
-                <a:srgbClr val="002060"/>
+                <a:srgbClr val="660033"/>
               </a:solidFill>
               <a:latin typeface="Microsoft JhengHei" panose="020B0604030504040204" pitchFamily="34" charset="-120"/>
               <a:ea typeface="Microsoft JhengHei" panose="020B0604030504040204" pitchFamily="34" charset="-120"/>
@@ -4191,83 +5258,18 @@
               <a:buNone/>
             </a:pPr>
             <a:r>
-              <a:rPr lang="zh-TW" altLang="en-US" sz="5400" b="1" dirty="0">
-                <a:solidFill>
-                  <a:srgbClr val="002060"/>
+              <a:rPr lang="zh-TW" altLang="en-US" sz="6400" b="1" dirty="0">
+                <a:solidFill>
+                  <a:srgbClr val="660033"/>
                 </a:solidFill>
                 <a:latin typeface="Microsoft JhengHei" panose="020B0604030504040204" pitchFamily="34" charset="-120"/>
                 <a:ea typeface="Microsoft JhengHei" panose="020B0604030504040204" pitchFamily="34" charset="-120"/>
               </a:rPr>
-              <a:t>懇求去掉愛罪心</a:t>
-            </a:r>
-            <a:r>
-              <a:rPr lang="zh-TW" altLang="en-US" sz="5400" b="1" dirty="0">
-                <a:solidFill>
-                  <a:srgbClr val="002060"/>
-                </a:solidFill>
-                <a:latin typeface="Microsoft JhengHei" panose="020B0604030504040204" pitchFamily="34" charset="-120"/>
-                <a:ea typeface="Microsoft JhengHei" panose="020B0604030504040204" pitchFamily="34" charset="-120"/>
-              </a:rPr>
-              <a:t>懷  成</a:t>
-            </a:r>
-            <a:r>
-              <a:rPr lang="zh-TW" altLang="en-US" sz="5400" b="1" dirty="0">
-                <a:solidFill>
-                  <a:srgbClr val="002060"/>
-                </a:solidFill>
-                <a:latin typeface="Microsoft JhengHei" panose="020B0604030504040204" pitchFamily="34" charset="-120"/>
-                <a:ea typeface="Microsoft JhengHei" panose="020B0604030504040204" pitchFamily="34" charset="-120"/>
-              </a:rPr>
-              <a:t>全我靈始與終</a:t>
-            </a:r>
-          </a:p>
-          <a:p>
-            <a:pPr marL="0" indent="0" algn="ctr">
-              <a:buNone/>
-            </a:pPr>
-            <a:r>
-              <a:rPr lang="zh-TW" altLang="en-US" sz="5400" b="1" dirty="0">
-                <a:solidFill>
-                  <a:srgbClr val="002060"/>
-                </a:solidFill>
-                <a:latin typeface="Microsoft JhengHei" panose="020B0604030504040204" pitchFamily="34" charset="-120"/>
-                <a:ea typeface="Microsoft JhengHei" panose="020B0604030504040204" pitchFamily="34" charset="-120"/>
-              </a:rPr>
-              <a:t>信的結果美如開</a:t>
-            </a:r>
-            <a:r>
-              <a:rPr lang="zh-TW" altLang="en-US" sz="5400" b="1" dirty="0">
-                <a:solidFill>
-                  <a:srgbClr val="002060"/>
-                </a:solidFill>
-                <a:latin typeface="Microsoft JhengHei" panose="020B0604030504040204" pitchFamily="34" charset="-120"/>
-                <a:ea typeface="Microsoft JhengHei" panose="020B0604030504040204" pitchFamily="34" charset="-120"/>
-              </a:rPr>
-              <a:t>端  自</a:t>
-            </a:r>
-            <a:r>
-              <a:rPr lang="zh-TW" altLang="en-US" sz="5400" b="1" dirty="0">
-                <a:solidFill>
-                  <a:srgbClr val="002060"/>
-                </a:solidFill>
-                <a:latin typeface="Microsoft JhengHei" panose="020B0604030504040204" pitchFamily="34" charset="-120"/>
-                <a:ea typeface="Microsoft JhengHei" panose="020B0604030504040204" pitchFamily="34" charset="-120"/>
-              </a:rPr>
-              <a:t>由釋放我心</a:t>
-            </a:r>
-            <a:r>
-              <a:rPr lang="zh-TW" altLang="en-US" sz="5400" b="1" dirty="0">
-                <a:solidFill>
-                  <a:srgbClr val="002060"/>
-                </a:solidFill>
-                <a:latin typeface="Microsoft JhengHei" panose="020B0604030504040204" pitchFamily="34" charset="-120"/>
-                <a:ea typeface="Microsoft JhengHei" panose="020B0604030504040204" pitchFamily="34" charset="-120"/>
-              </a:rPr>
-              <a:t>衷</a:t>
-            </a:r>
-            <a:endParaRPr lang="zh-TW" altLang="en-US" sz="5400" b="1" dirty="0">
+              <a:t>天上歡樂降人間</a:t>
+            </a:r>
+            <a:endParaRPr lang="zh-TW" altLang="en-US" sz="6400" b="1" dirty="0">
               <a:solidFill>
-                <a:srgbClr val="002060"/>
+                <a:srgbClr val="660033"/>
               </a:solidFill>
               <a:latin typeface="Microsoft JhengHei" panose="020B0604030504040204" pitchFamily="34" charset="-120"/>
               <a:ea typeface="Microsoft JhengHei" panose="020B0604030504040204" pitchFamily="34" charset="-120"/>
@@ -4277,26 +5279,22 @@
       </p:sp>
       <p:sp>
         <p:nvSpPr>
-          <p:cNvPr id="6" name="Text Box 1"/>
+          <p:cNvPr id="3" name="TextBox 2"/>
           <p:cNvSpPr txBox="1"/>
           <p:nvPr/>
         </p:nvSpPr>
         <p:spPr>
           <a:xfrm>
-            <a:off x="0" y="15142"/>
-            <a:ext cx="1019552" cy="830997"/>
+            <a:off x="0" y="5061182"/>
+            <a:ext cx="12192000" cy="830997"/>
           </a:xfrm>
           <a:prstGeom prst="rect">
             <a:avLst/>
           </a:prstGeom>
           <a:noFill/>
-          <a:ln w="9525">
-            <a:noFill/>
-            <a:miter lim="800000"/>
-          </a:ln>
         </p:spPr>
         <p:txBody>
-          <a:bodyPr wrap="square">
+          <a:bodyPr wrap="square" rtlCol="0">
             <a:spAutoFit/>
           </a:bodyPr>
           <a:lstStyle/>
@@ -4305,14 +5303,14 @@
             <a:r>
               <a:rPr lang="en-US" sz="4800" b="1" dirty="0">
                 <a:solidFill>
-                  <a:srgbClr val="002060"/>
-                </a:solidFill>
-              </a:rPr>
-              <a:t>2</a:t>
-            </a:r>
-            <a:endParaRPr lang="en-US" sz="4800" b="1" dirty="0">
+                  <a:srgbClr val="660033"/>
+                </a:solidFill>
+              </a:rPr>
+              <a:t>( 1 / 4 )</a:t>
+            </a:r>
+            <a:endParaRPr lang="vi-VN" sz="4800" b="1" dirty="0">
               <a:solidFill>
-                <a:srgbClr val="002060"/>
+                <a:srgbClr val="660033"/>
               </a:solidFill>
             </a:endParaRPr>
           </a:p>
@@ -4321,13 +5319,20 @@
     </p:spTree>
     <p:extLst>
       <p:ext uri="{BB962C8B-B14F-4D97-AF65-F5344CB8AC3E}">
-        <p14:creationId xmlns:p14="http://schemas.microsoft.com/office/powerpoint/2010/main" val="3334864545"/>
+        <p14:creationId xmlns:p14="http://schemas.microsoft.com/office/powerpoint/2010/main" val="1724298962"/>
       </p:ext>
     </p:extLst>
   </p:cSld>
   <p:clrMapOvr>
     <a:masterClrMapping/>
   </p:clrMapOvr>
+  <p:timing>
+    <p:tnLst>
+      <p:par>
+        <p:cTn id="1" dur="indefinite" restart="never" nodeType="tmRoot"/>
+      </p:par>
+    </p:tnLst>
+  </p:timing>
 </p:sld>
 </file>
 
@@ -4350,152 +5355,52 @@
       </p:grpSpPr>
       <p:sp>
         <p:nvSpPr>
-          <p:cNvPr id="4" name="Title 3"/>
-          <p:cNvSpPr>
-            <a:spLocks noGrp="1"/>
-          </p:cNvSpPr>
-          <p:nvPr>
-            <p:ph type="title"/>
-          </p:nvPr>
-        </p:nvSpPr>
-        <p:spPr/>
-        <p:txBody>
-          <a:bodyPr>
+          <p:cNvPr id="5" name="內容版面配置區 4"/>
+          <p:cNvSpPr>
+            <a:spLocks noGrp="1"/>
+          </p:cNvSpPr>
+          <p:nvPr>
+            <p:ph idx="1"/>
+          </p:nvPr>
+        </p:nvSpPr>
+        <p:spPr>
+          <a:xfrm>
+            <a:off x="0" y="2084851"/>
+            <a:ext cx="12192000" cy="2404863"/>
+          </a:xfrm>
+        </p:spPr>
+        <p:txBody>
+          <a:bodyPr anchor="ctr">
             <a:normAutofit/>
           </a:bodyPr>
           <a:lstStyle/>
           <a:p>
-            <a:r>
-              <a:rPr lang="en-US" altLang="zh-CN" sz="4800" b="1" dirty="0">
-                <a:solidFill>
-                  <a:srgbClr val="002060"/>
+            <a:pPr marL="0" indent="0" algn="ctr">
+              <a:buNone/>
+            </a:pPr>
+            <a:r>
+              <a:rPr lang="zh-TW" altLang="en-US" sz="6400" b="1" dirty="0">
+                <a:solidFill>
+                  <a:srgbClr val="660033"/>
                 </a:solidFill>
                 <a:latin typeface="Microsoft JhengHei" panose="020B0604030504040204" pitchFamily="34" charset="-120"/>
                 <a:ea typeface="Microsoft JhengHei" panose="020B0604030504040204" pitchFamily="34" charset="-120"/>
               </a:rPr>
-              <a:t>【</a:t>
-            </a:r>
-            <a:r>
-              <a:rPr lang="zh-CN" altLang="en-US" sz="4800" b="1" dirty="0">
-                <a:solidFill>
-                  <a:srgbClr val="002060"/>
+              <a:t>懇求屈尊居我心</a:t>
+            </a:r>
+            <a:r>
+              <a:rPr lang="zh-TW" altLang="en-US" sz="6400" b="1" dirty="0">
+                <a:solidFill>
+                  <a:srgbClr val="660033"/>
                 </a:solidFill>
                 <a:latin typeface="Microsoft JhengHei" panose="020B0604030504040204" pitchFamily="34" charset="-120"/>
                 <a:ea typeface="Microsoft JhengHei" panose="020B0604030504040204" pitchFamily="34" charset="-120"/>
               </a:rPr>
-              <a:t>神聖純愛</a:t>
-            </a:r>
-            <a:r>
-              <a:rPr lang="en-US" altLang="zh-CN" sz="4800" b="1" dirty="0">
-                <a:solidFill>
-                  <a:srgbClr val="002060"/>
-                </a:solidFill>
-                <a:latin typeface="Microsoft JhengHei" panose="020B0604030504040204" pitchFamily="34" charset="-120"/>
-                <a:ea typeface="Microsoft JhengHei" panose="020B0604030504040204" pitchFamily="34" charset="-120"/>
-              </a:rPr>
-              <a:t>】</a:t>
-            </a:r>
-          </a:p>
-        </p:txBody>
-      </p:sp>
-      <p:sp>
-        <p:nvSpPr>
-          <p:cNvPr id="5" name="Content Placeholder 4"/>
-          <p:cNvSpPr>
-            <a:spLocks noGrp="1"/>
-          </p:cNvSpPr>
-          <p:nvPr>
-            <p:ph idx="1"/>
-          </p:nvPr>
-        </p:nvSpPr>
-        <p:spPr/>
-        <p:txBody>
-          <a:bodyPr>
-            <a:normAutofit/>
-          </a:bodyPr>
-          <a:lstStyle/>
-          <a:p>
-            <a:pPr marL="0" indent="0" algn="ctr">
-              <a:buNone/>
-            </a:pPr>
-            <a:r>
-              <a:rPr lang="zh-TW" altLang="en-US" sz="5400" b="1" dirty="0">
-                <a:solidFill>
-                  <a:srgbClr val="002060"/>
-                </a:solidFill>
-                <a:latin typeface="Microsoft JhengHei" panose="020B0604030504040204" pitchFamily="34" charset="-120"/>
-                <a:ea typeface="Microsoft JhengHei" panose="020B0604030504040204" pitchFamily="34" charset="-120"/>
-              </a:rPr>
-              <a:t>全能神阿求來救</a:t>
-            </a:r>
-            <a:r>
-              <a:rPr lang="zh-TW" altLang="en-US" sz="5400" b="1" dirty="0">
-                <a:solidFill>
-                  <a:srgbClr val="002060"/>
-                </a:solidFill>
-                <a:latin typeface="Microsoft JhengHei" panose="020B0604030504040204" pitchFamily="34" charset="-120"/>
-                <a:ea typeface="Microsoft JhengHei" panose="020B0604030504040204" pitchFamily="34" charset="-120"/>
-              </a:rPr>
-              <a:t>拯  容</a:t>
-            </a:r>
-            <a:r>
-              <a:rPr lang="zh-TW" altLang="en-US" sz="5400" b="1" dirty="0">
-                <a:solidFill>
-                  <a:srgbClr val="002060"/>
-                </a:solidFill>
-                <a:latin typeface="Microsoft JhengHei" panose="020B0604030504040204" pitchFamily="34" charset="-120"/>
-                <a:ea typeface="Microsoft JhengHei" panose="020B0604030504040204" pitchFamily="34" charset="-120"/>
-              </a:rPr>
-              <a:t>我接受主生命</a:t>
-            </a:r>
-          </a:p>
-          <a:p>
-            <a:pPr marL="0" indent="0" algn="ctr">
-              <a:buNone/>
-            </a:pPr>
-            <a:r>
-              <a:rPr lang="zh-TW" altLang="en-US" sz="5400" b="1" dirty="0">
-                <a:solidFill>
-                  <a:srgbClr val="002060"/>
-                </a:solidFill>
-                <a:latin typeface="Microsoft JhengHei" panose="020B0604030504040204" pitchFamily="34" charset="-120"/>
-                <a:ea typeface="Microsoft JhengHei" panose="020B0604030504040204" pitchFamily="34" charset="-120"/>
-              </a:rPr>
-              <a:t>我心主殿願主忽</a:t>
-            </a:r>
-            <a:r>
-              <a:rPr lang="zh-TW" altLang="en-US" sz="5400" b="1" dirty="0">
-                <a:solidFill>
-                  <a:srgbClr val="002060"/>
-                </a:solidFill>
-                <a:latin typeface="Microsoft JhengHei" panose="020B0604030504040204" pitchFamily="34" charset="-120"/>
-                <a:ea typeface="Microsoft JhengHei" panose="020B0604030504040204" pitchFamily="34" charset="-120"/>
-              </a:rPr>
-              <a:t>臨  永</a:t>
-            </a:r>
-            <a:r>
-              <a:rPr lang="zh-TW" altLang="en-US" sz="5400" b="1" dirty="0">
-                <a:solidFill>
-                  <a:srgbClr val="002060"/>
-                </a:solidFill>
-                <a:latin typeface="Microsoft JhengHei" panose="020B0604030504040204" pitchFamily="34" charset="-120"/>
-                <a:ea typeface="Microsoft JhengHei" panose="020B0604030504040204" pitchFamily="34" charset="-120"/>
-              </a:rPr>
-              <a:t>不永不離我</a:t>
-            </a:r>
-            <a:r>
-              <a:rPr lang="zh-TW" altLang="en-US" sz="5400" b="1" dirty="0">
-                <a:solidFill>
-                  <a:srgbClr val="002060"/>
-                </a:solidFill>
-                <a:latin typeface="Microsoft JhengHei" panose="020B0604030504040204" pitchFamily="34" charset="-120"/>
-                <a:ea typeface="Microsoft JhengHei" panose="020B0604030504040204" pitchFamily="34" charset="-120"/>
-              </a:rPr>
-              <a:t>心</a:t>
-            </a:r>
-            <a:endParaRPr lang="en-US" altLang="zh-TW" sz="5400" b="1" dirty="0">
+              <a:t>中</a:t>
+            </a:r>
+            <a:endParaRPr lang="en-US" altLang="zh-TW" sz="6400" b="1" dirty="0">
               <a:solidFill>
-                <a:srgbClr val="002060"/>
+                <a:srgbClr val="660033"/>
               </a:solidFill>
               <a:latin typeface="Microsoft JhengHei" panose="020B0604030504040204" pitchFamily="34" charset="-120"/>
               <a:ea typeface="Microsoft JhengHei" panose="020B0604030504040204" pitchFamily="34" charset="-120"/>
@@ -4506,103 +5411,28 @@
               <a:buNone/>
             </a:pPr>
             <a:r>
-              <a:rPr lang="zh-TW" altLang="en-US" sz="5400" b="1" dirty="0">
-                <a:solidFill>
-                  <a:srgbClr val="002060"/>
+              <a:rPr lang="zh-TW" altLang="en-US" sz="6400" b="1" dirty="0">
+                <a:solidFill>
+                  <a:srgbClr val="660033"/>
                 </a:solidFill>
                 <a:latin typeface="Microsoft JhengHei" panose="020B0604030504040204" pitchFamily="34" charset="-120"/>
                 <a:ea typeface="Microsoft JhengHei" panose="020B0604030504040204" pitchFamily="34" charset="-120"/>
               </a:rPr>
-              <a:t>但願時常頌主事</a:t>
-            </a:r>
-            <a:r>
-              <a:rPr lang="zh-TW" altLang="en-US" sz="5400" b="1" dirty="0">
-                <a:solidFill>
-                  <a:srgbClr val="002060"/>
+              <a:t>超</a:t>
+            </a:r>
+            <a:r>
+              <a:rPr lang="zh-TW" altLang="en-US" sz="6400" b="1" dirty="0">
+                <a:solidFill>
+                  <a:srgbClr val="660033"/>
                 </a:solidFill>
                 <a:latin typeface="Microsoft JhengHei" panose="020B0604030504040204" pitchFamily="34" charset="-120"/>
                 <a:ea typeface="Microsoft JhengHei" panose="020B0604030504040204" pitchFamily="34" charset="-120"/>
               </a:rPr>
-              <a:t>主  猶</a:t>
-            </a:r>
-            <a:r>
-              <a:rPr lang="zh-TW" altLang="en-US" sz="5400" b="1" dirty="0">
-                <a:solidFill>
-                  <a:srgbClr val="002060"/>
-                </a:solidFill>
-                <a:latin typeface="Microsoft JhengHei" panose="020B0604030504040204" pitchFamily="34" charset="-120"/>
-                <a:ea typeface="Microsoft JhengHei" panose="020B0604030504040204" pitchFamily="34" charset="-120"/>
-              </a:rPr>
-              <a:t>如天上眾天軍</a:t>
-            </a:r>
-          </a:p>
-          <a:p>
-            <a:pPr marL="0" indent="0" algn="ctr">
-              <a:buNone/>
-            </a:pPr>
-            <a:r>
-              <a:rPr lang="zh-TW" altLang="en-US" sz="5400" b="1" dirty="0">
-                <a:solidFill>
-                  <a:srgbClr val="002060"/>
-                </a:solidFill>
-                <a:latin typeface="Microsoft JhengHei" panose="020B0604030504040204" pitchFamily="34" charset="-120"/>
-                <a:ea typeface="Microsoft JhengHei" panose="020B0604030504040204" pitchFamily="34" charset="-120"/>
-              </a:rPr>
-              <a:t>祈禱</a:t>
-            </a:r>
-            <a:r>
-              <a:rPr lang="zh-CN" altLang="zh-TW" sz="5400" b="1" dirty="0">
-                <a:solidFill>
-                  <a:srgbClr val="002060"/>
-                </a:solidFill>
-                <a:latin typeface="Microsoft JhengHei" panose="020B0604030504040204" pitchFamily="34" charset="-120"/>
-                <a:ea typeface="Microsoft JhengHei" panose="020B0604030504040204" pitchFamily="34" charset="-120"/>
-              </a:rPr>
-              <a:t>讚</a:t>
-            </a:r>
-            <a:r>
-              <a:rPr lang="zh-TW" altLang="en-US" sz="5400" b="1" dirty="0">
-                <a:solidFill>
-                  <a:srgbClr val="002060"/>
-                </a:solidFill>
-                <a:latin typeface="Microsoft JhengHei" panose="020B0604030504040204" pitchFamily="34" charset="-120"/>
-                <a:ea typeface="Microsoft JhengHei" panose="020B0604030504040204" pitchFamily="34" charset="-120"/>
-              </a:rPr>
-              <a:t>揚永無停</a:t>
-            </a:r>
-            <a:r>
-              <a:rPr lang="zh-TW" altLang="en-US" sz="5400" b="1" dirty="0">
-                <a:solidFill>
-                  <a:srgbClr val="002060"/>
-                </a:solidFill>
-                <a:latin typeface="Microsoft JhengHei" panose="020B0604030504040204" pitchFamily="34" charset="-120"/>
-                <a:ea typeface="Microsoft JhengHei" panose="020B0604030504040204" pitchFamily="34" charset="-120"/>
-              </a:rPr>
-              <a:t>止  完</a:t>
-            </a:r>
-            <a:r>
-              <a:rPr lang="zh-TW" altLang="en-US" sz="5400" b="1" dirty="0">
-                <a:solidFill>
-                  <a:srgbClr val="002060"/>
-                </a:solidFill>
-                <a:latin typeface="Microsoft JhengHei" panose="020B0604030504040204" pitchFamily="34" charset="-120"/>
-                <a:ea typeface="Microsoft JhengHei" panose="020B0604030504040204" pitchFamily="34" charset="-120"/>
-              </a:rPr>
-              <a:t>全愛裏永歡</a:t>
-            </a:r>
-            <a:r>
-              <a:rPr lang="zh-TW" altLang="en-US" sz="5400" b="1" dirty="0">
-                <a:solidFill>
-                  <a:srgbClr val="002060"/>
-                </a:solidFill>
-                <a:latin typeface="Microsoft JhengHei" panose="020B0604030504040204" pitchFamily="34" charset="-120"/>
-                <a:ea typeface="Microsoft JhengHei" panose="020B0604030504040204" pitchFamily="34" charset="-120"/>
-              </a:rPr>
-              <a:t>欣</a:t>
-            </a:r>
-            <a:endParaRPr lang="zh-TW" altLang="en-US" sz="5400" b="1" dirty="0">
+              <a:t>過尋常恩萬般</a:t>
+            </a:r>
+            <a:endParaRPr lang="en-US" altLang="zh-TW" sz="6400" b="1" dirty="0">
               <a:solidFill>
-                <a:srgbClr val="002060"/>
+                <a:srgbClr val="660033"/>
               </a:solidFill>
               <a:latin typeface="Microsoft JhengHei" panose="020B0604030504040204" pitchFamily="34" charset="-120"/>
               <a:ea typeface="Microsoft JhengHei" panose="020B0604030504040204" pitchFamily="34" charset="-120"/>
@@ -4612,42 +5442,38 @@
       </p:sp>
       <p:sp>
         <p:nvSpPr>
-          <p:cNvPr id="6" name="Text Box 1"/>
+          <p:cNvPr id="3" name="TextBox 2"/>
           <p:cNvSpPr txBox="1"/>
           <p:nvPr/>
         </p:nvSpPr>
         <p:spPr>
           <a:xfrm>
-            <a:off x="0" y="15142"/>
-            <a:ext cx="1019552" cy="830997"/>
+            <a:off x="0" y="5061182"/>
+            <a:ext cx="12192000" cy="830997"/>
           </a:xfrm>
           <a:prstGeom prst="rect">
             <a:avLst/>
           </a:prstGeom>
           <a:noFill/>
-          <a:ln w="9525">
-            <a:noFill/>
-            <a:miter lim="800000"/>
-          </a:ln>
         </p:spPr>
         <p:txBody>
-          <a:bodyPr wrap="square">
+          <a:bodyPr wrap="square" rtlCol="0">
             <a:spAutoFit/>
           </a:bodyPr>
           <a:lstStyle/>
           <a:p>
             <a:pPr algn="ctr"/>
             <a:r>
-              <a:rPr lang="en-US" sz="4800" b="1" dirty="0" smtClean="0">
-                <a:solidFill>
-                  <a:srgbClr val="002060"/>
-                </a:solidFill>
-              </a:rPr>
-              <a:t>3</a:t>
-            </a:r>
-            <a:endParaRPr lang="en-US" sz="4800" b="1" dirty="0">
+              <a:rPr lang="en-US" sz="4800" b="1" dirty="0">
+                <a:solidFill>
+                  <a:srgbClr val="660033"/>
+                </a:solidFill>
+              </a:rPr>
+              <a:t>( 1 / 4 )</a:t>
+            </a:r>
+            <a:endParaRPr lang="vi-VN" sz="4800" b="1" dirty="0">
               <a:solidFill>
-                <a:srgbClr val="002060"/>
+                <a:srgbClr val="660033"/>
               </a:solidFill>
             </a:endParaRPr>
           </a:p>
@@ -4656,13 +5482,20 @@
     </p:spTree>
     <p:extLst>
       <p:ext uri="{BB962C8B-B14F-4D97-AF65-F5344CB8AC3E}">
-        <p14:creationId xmlns:p14="http://schemas.microsoft.com/office/powerpoint/2010/main" val="2549159921"/>
+        <p14:creationId xmlns:p14="http://schemas.microsoft.com/office/powerpoint/2010/main" val="2478520663"/>
       </p:ext>
     </p:extLst>
   </p:cSld>
   <p:clrMapOvr>
     <a:masterClrMapping/>
   </p:clrMapOvr>
+  <p:timing>
+    <p:tnLst>
+      <p:par>
+        <p:cTn id="1" dur="indefinite" restart="never" nodeType="tmRoot"/>
+      </p:par>
+    </p:tnLst>
+  </p:timing>
 </p:sld>
 </file>
 
@@ -4685,172 +5518,52 @@
       </p:grpSpPr>
       <p:sp>
         <p:nvSpPr>
-          <p:cNvPr id="4" name="Title 3"/>
-          <p:cNvSpPr>
-            <a:spLocks noGrp="1"/>
-          </p:cNvSpPr>
-          <p:nvPr>
-            <p:ph type="title"/>
-          </p:nvPr>
-        </p:nvSpPr>
-        <p:spPr/>
-        <p:txBody>
-          <a:bodyPr>
+          <p:cNvPr id="5" name="內容版面配置區 4"/>
+          <p:cNvSpPr>
+            <a:spLocks noGrp="1"/>
+          </p:cNvSpPr>
+          <p:nvPr>
+            <p:ph idx="1"/>
+          </p:nvPr>
+        </p:nvSpPr>
+        <p:spPr>
+          <a:xfrm>
+            <a:off x="0" y="2084851"/>
+            <a:ext cx="12192000" cy="2404863"/>
+          </a:xfrm>
+        </p:spPr>
+        <p:txBody>
+          <a:bodyPr anchor="ctr">
             <a:normAutofit/>
           </a:bodyPr>
           <a:lstStyle/>
           <a:p>
-            <a:r>
-              <a:rPr lang="en-US" altLang="zh-CN" sz="4800" b="1" dirty="0">
-                <a:solidFill>
-                  <a:srgbClr val="002060"/>
+            <a:pPr marL="0" indent="0" algn="ctr">
+              <a:buNone/>
+            </a:pPr>
+            <a:r>
+              <a:rPr lang="zh-TW" altLang="en-US" sz="6400" b="1" dirty="0">
+                <a:solidFill>
+                  <a:srgbClr val="660033"/>
                 </a:solidFill>
                 <a:latin typeface="Microsoft JhengHei" panose="020B0604030504040204" pitchFamily="34" charset="-120"/>
                 <a:ea typeface="Microsoft JhengHei" panose="020B0604030504040204" pitchFamily="34" charset="-120"/>
               </a:rPr>
-              <a:t>【</a:t>
-            </a:r>
-            <a:r>
-              <a:rPr lang="zh-CN" altLang="en-US" sz="4800" b="1" dirty="0">
-                <a:solidFill>
-                  <a:srgbClr val="002060"/>
+              <a:t>耶穌主是萬愛結</a:t>
+            </a:r>
+            <a:r>
+              <a:rPr lang="zh-TW" altLang="en-US" sz="6400" b="1" dirty="0">
+                <a:solidFill>
+                  <a:srgbClr val="660033"/>
                 </a:solidFill>
                 <a:latin typeface="Microsoft JhengHei" panose="020B0604030504040204" pitchFamily="34" charset="-120"/>
                 <a:ea typeface="Microsoft JhengHei" panose="020B0604030504040204" pitchFamily="34" charset="-120"/>
               </a:rPr>
-              <a:t>神聖純愛</a:t>
-            </a:r>
-            <a:r>
-              <a:rPr lang="en-US" altLang="zh-CN" sz="4800" b="1" dirty="0">
-                <a:solidFill>
-                  <a:srgbClr val="002060"/>
-                </a:solidFill>
-                <a:latin typeface="Microsoft JhengHei" panose="020B0604030504040204" pitchFamily="34" charset="-120"/>
-                <a:ea typeface="Microsoft JhengHei" panose="020B0604030504040204" pitchFamily="34" charset="-120"/>
-              </a:rPr>
-              <a:t>】</a:t>
-            </a:r>
-          </a:p>
-        </p:txBody>
-      </p:sp>
-      <p:sp>
-        <p:nvSpPr>
-          <p:cNvPr id="5" name="Content Placeholder 4"/>
-          <p:cNvSpPr>
-            <a:spLocks noGrp="1"/>
-          </p:cNvSpPr>
-          <p:nvPr>
-            <p:ph idx="1"/>
-          </p:nvPr>
-        </p:nvSpPr>
-        <p:spPr/>
-        <p:txBody>
-          <a:bodyPr>
-            <a:normAutofit/>
-          </a:bodyPr>
-          <a:lstStyle/>
-          <a:p>
-            <a:pPr marL="0" indent="0" algn="ctr">
-              <a:buNone/>
-            </a:pPr>
-            <a:r>
-              <a:rPr lang="zh-TW" altLang="en-US" sz="5400" b="1" dirty="0">
-                <a:solidFill>
-                  <a:srgbClr val="002060"/>
-                </a:solidFill>
-                <a:latin typeface="Microsoft JhengHei" panose="020B0604030504040204" pitchFamily="34" charset="-120"/>
-                <a:ea typeface="Microsoft JhengHei" panose="020B0604030504040204" pitchFamily="34" charset="-120"/>
-              </a:rPr>
-              <a:t>求主完成再造深</a:t>
-            </a:r>
-            <a:r>
-              <a:rPr lang="zh-TW" altLang="en-US" sz="5400" b="1" dirty="0">
-                <a:solidFill>
-                  <a:srgbClr val="002060"/>
-                </a:solidFill>
-                <a:latin typeface="Microsoft JhengHei" panose="020B0604030504040204" pitchFamily="34" charset="-120"/>
-                <a:ea typeface="Microsoft JhengHei" panose="020B0604030504040204" pitchFamily="34" charset="-120"/>
-              </a:rPr>
-              <a:t>恩  使</a:t>
-            </a:r>
-            <a:r>
-              <a:rPr lang="zh-TW" altLang="en-US" sz="5400" b="1" dirty="0">
-                <a:solidFill>
-                  <a:srgbClr val="002060"/>
-                </a:solidFill>
-                <a:latin typeface="Microsoft JhengHei" panose="020B0604030504040204" pitchFamily="34" charset="-120"/>
-                <a:ea typeface="Microsoft JhengHei" panose="020B0604030504040204" pitchFamily="34" charset="-120"/>
-              </a:rPr>
-              <a:t>我潔清無瑕疵</a:t>
-            </a:r>
-          </a:p>
-          <a:p>
-            <a:pPr marL="0" indent="0" algn="ctr">
-              <a:buNone/>
-            </a:pPr>
-            <a:r>
-              <a:rPr lang="zh-TW" altLang="en-US" sz="5400" b="1" dirty="0">
-                <a:solidFill>
-                  <a:srgbClr val="002060"/>
-                </a:solidFill>
-                <a:latin typeface="Microsoft JhengHei" panose="020B0604030504040204" pitchFamily="34" charset="-120"/>
-                <a:ea typeface="Microsoft JhengHei" panose="020B0604030504040204" pitchFamily="34" charset="-120"/>
-              </a:rPr>
-              <a:t>使我能見宏大救</a:t>
-            </a:r>
-            <a:r>
-              <a:rPr lang="zh-TW" altLang="en-US" sz="5400" b="1" dirty="0">
-                <a:solidFill>
-                  <a:srgbClr val="002060"/>
-                </a:solidFill>
-                <a:latin typeface="Microsoft JhengHei" panose="020B0604030504040204" pitchFamily="34" charset="-120"/>
-                <a:ea typeface="Microsoft JhengHei" panose="020B0604030504040204" pitchFamily="34" charset="-120"/>
-              </a:rPr>
-              <a:t>恩  再</a:t>
-            </a:r>
-            <a:r>
-              <a:rPr lang="zh-TW" altLang="en-US" sz="5400" b="1" dirty="0">
-                <a:solidFill>
-                  <a:srgbClr val="002060"/>
-                </a:solidFill>
-                <a:latin typeface="Microsoft JhengHei" panose="020B0604030504040204" pitchFamily="34" charset="-120"/>
-                <a:ea typeface="Microsoft JhengHei" panose="020B0604030504040204" pitchFamily="34" charset="-120"/>
-              </a:rPr>
-              <a:t>得歸</a:t>
-            </a:r>
-            <a:r>
-              <a:rPr lang="zh-CN" altLang="zh-TW" sz="5400" b="1" dirty="0">
-                <a:solidFill>
-                  <a:srgbClr val="002060"/>
-                </a:solidFill>
-                <a:latin typeface="Microsoft JhengHei" panose="020B0604030504040204" pitchFamily="34" charset="-120"/>
-                <a:ea typeface="Microsoft JhengHei" panose="020B0604030504040204" pitchFamily="34" charset="-120"/>
-              </a:rPr>
-              <a:t>回</a:t>
-            </a:r>
-            <a:r>
-              <a:rPr lang="zh-TW" altLang="en-US" sz="5400" b="1" dirty="0">
-                <a:solidFill>
-                  <a:srgbClr val="002060"/>
-                </a:solidFill>
-                <a:latin typeface="Microsoft JhengHei" panose="020B0604030504040204" pitchFamily="34" charset="-120"/>
-                <a:ea typeface="Microsoft JhengHei" panose="020B0604030504040204" pitchFamily="34" charset="-120"/>
-              </a:rPr>
-              <a:t>主愛</a:t>
-            </a:r>
-            <a:r>
-              <a:rPr lang="zh-TW" altLang="en-US" sz="5400" b="1" dirty="0">
-                <a:solidFill>
-                  <a:srgbClr val="002060"/>
-                </a:solidFill>
-                <a:latin typeface="Microsoft JhengHei" panose="020B0604030504040204" pitchFamily="34" charset="-120"/>
-                <a:ea typeface="Microsoft JhengHei" panose="020B0604030504040204" pitchFamily="34" charset="-120"/>
-              </a:rPr>
-              <a:t>裏</a:t>
-            </a:r>
-            <a:endParaRPr lang="en-US" altLang="zh-TW" sz="5400" b="1" dirty="0">
+              <a:t>晶</a:t>
+            </a:r>
+            <a:endParaRPr lang="en-US" altLang="zh-TW" sz="6400" b="1" dirty="0">
               <a:solidFill>
-                <a:srgbClr val="002060"/>
+                <a:srgbClr val="660033"/>
               </a:solidFill>
               <a:latin typeface="Microsoft JhengHei" panose="020B0604030504040204" pitchFamily="34" charset="-120"/>
               <a:ea typeface="Microsoft JhengHei" panose="020B0604030504040204" pitchFamily="34" charset="-120"/>
@@ -4861,112 +5574,46 @@
               <a:buNone/>
             </a:pPr>
             <a:r>
-              <a:rPr lang="zh-TW" altLang="en-US" sz="5400" b="1" dirty="0">
-                <a:solidFill>
-                  <a:srgbClr val="002060"/>
+              <a:rPr lang="zh-TW" altLang="en-US" sz="6400" b="1" dirty="0">
+                <a:solidFill>
+                  <a:srgbClr val="660033"/>
                 </a:solidFill>
                 <a:latin typeface="Microsoft JhengHei" panose="020B0604030504040204" pitchFamily="34" charset="-120"/>
                 <a:ea typeface="Microsoft JhengHei" panose="020B0604030504040204" pitchFamily="34" charset="-120"/>
               </a:rPr>
-              <a:t>願從光榮再進光</a:t>
-            </a:r>
-            <a:r>
-              <a:rPr lang="zh-TW" altLang="en-US" sz="5400" b="1" dirty="0">
-                <a:solidFill>
-                  <a:srgbClr val="002060"/>
+              <a:t>憐</a:t>
+            </a:r>
+            <a:r>
+              <a:rPr lang="zh-TW" altLang="en-US" sz="6400" b="1" dirty="0">
+                <a:solidFill>
+                  <a:srgbClr val="660033"/>
                 </a:solidFill>
                 <a:latin typeface="Microsoft JhengHei" panose="020B0604030504040204" pitchFamily="34" charset="-120"/>
                 <a:ea typeface="Microsoft JhengHei" panose="020B0604030504040204" pitchFamily="34" charset="-120"/>
               </a:rPr>
-              <a:t>榮  身</a:t>
-            </a:r>
-            <a:r>
-              <a:rPr lang="zh-TW" altLang="en-US" sz="5400" b="1" dirty="0">
-                <a:solidFill>
-                  <a:srgbClr val="002060"/>
-                </a:solidFill>
-                <a:latin typeface="Microsoft JhengHei" panose="020B0604030504040204" pitchFamily="34" charset="-120"/>
-                <a:ea typeface="Microsoft JhengHei" panose="020B0604030504040204" pitchFamily="34" charset="-120"/>
-              </a:rPr>
-              <a:t>列天班長供奉</a:t>
-            </a:r>
-          </a:p>
-          <a:p>
-            <a:pPr marL="0" indent="0" algn="ctr">
-              <a:buNone/>
-            </a:pPr>
-            <a:r>
-              <a:rPr lang="zh-TW" altLang="en-US" sz="5400" b="1" dirty="0">
-                <a:solidFill>
-                  <a:srgbClr val="002060"/>
-                </a:solidFill>
-                <a:latin typeface="Microsoft JhengHei" panose="020B0604030504040204" pitchFamily="34" charset="-120"/>
-                <a:ea typeface="Microsoft JhengHei" panose="020B0604030504040204" pitchFamily="34" charset="-120"/>
-              </a:rPr>
-              <a:t>到時冠冕主前拋</a:t>
-            </a:r>
-            <a:r>
-              <a:rPr lang="zh-TW" altLang="en-US" sz="5400" b="1" dirty="0">
-                <a:solidFill>
-                  <a:srgbClr val="002060"/>
-                </a:solidFill>
-                <a:latin typeface="Microsoft JhengHei" panose="020B0604030504040204" pitchFamily="34" charset="-120"/>
-                <a:ea typeface="Microsoft JhengHei" panose="020B0604030504040204" pitchFamily="34" charset="-120"/>
-              </a:rPr>
-              <a:t>擲  忘</a:t>
-            </a:r>
-            <a:r>
-              <a:rPr lang="zh-TW" altLang="en-US" sz="5400" b="1" dirty="0">
-                <a:solidFill>
-                  <a:srgbClr val="002060"/>
-                </a:solidFill>
-                <a:latin typeface="Microsoft JhengHei" panose="020B0604030504040204" pitchFamily="34" charset="-120"/>
-                <a:ea typeface="Microsoft JhengHei" panose="020B0604030504040204" pitchFamily="34" charset="-120"/>
-              </a:rPr>
-              <a:t>形愛頌驚奇</a:t>
-            </a:r>
-            <a:r>
-              <a:rPr lang="zh-TW" altLang="en-US" sz="5400" b="1" dirty="0">
-                <a:solidFill>
-                  <a:srgbClr val="002060"/>
-                </a:solidFill>
-                <a:latin typeface="Microsoft JhengHei" panose="020B0604030504040204" pitchFamily="34" charset="-120"/>
-                <a:ea typeface="Microsoft JhengHei" panose="020B0604030504040204" pitchFamily="34" charset="-120"/>
-              </a:rPr>
-              <a:t>中</a:t>
-            </a:r>
-            <a:endParaRPr lang="zh-TW" altLang="en-US" sz="5400" b="1" dirty="0">
-              <a:solidFill>
-                <a:srgbClr val="002060"/>
-              </a:solidFill>
-              <a:latin typeface="Microsoft JhengHei" panose="020B0604030504040204" pitchFamily="34" charset="-120"/>
-              <a:ea typeface="Microsoft JhengHei" panose="020B0604030504040204" pitchFamily="34" charset="-120"/>
-            </a:endParaRPr>
-          </a:p>
-        </p:txBody>
-      </p:sp>
-      <p:sp>
-        <p:nvSpPr>
-          <p:cNvPr id="6" name="Text Box 1"/>
+              <a:t>憫慈悲集大成</a:t>
+            </a:r>
+          </a:p>
+        </p:txBody>
+      </p:sp>
+      <p:sp>
+        <p:nvSpPr>
+          <p:cNvPr id="3" name="TextBox 2"/>
           <p:cNvSpPr txBox="1"/>
           <p:nvPr/>
         </p:nvSpPr>
         <p:spPr>
           <a:xfrm>
-            <a:off x="0" y="15142"/>
-            <a:ext cx="1019552" cy="830997"/>
+            <a:off x="0" y="5061182"/>
+            <a:ext cx="12192000" cy="830997"/>
           </a:xfrm>
           <a:prstGeom prst="rect">
             <a:avLst/>
           </a:prstGeom>
           <a:noFill/>
-          <a:ln w="9525">
-            <a:noFill/>
-            <a:miter lim="800000"/>
-          </a:ln>
         </p:spPr>
         <p:txBody>
-          <a:bodyPr wrap="square">
+          <a:bodyPr wrap="square" rtlCol="0">
             <a:spAutoFit/>
           </a:bodyPr>
           <a:lstStyle/>
@@ -4975,14 +5622,14 @@
             <a:r>
               <a:rPr lang="en-US" sz="4800" b="1" dirty="0">
                 <a:solidFill>
-                  <a:srgbClr val="002060"/>
-                </a:solidFill>
-              </a:rPr>
-              <a:t>4</a:t>
-            </a:r>
-            <a:endParaRPr lang="en-US" sz="4800" b="1" dirty="0">
+                  <a:srgbClr val="660033"/>
+                </a:solidFill>
+              </a:rPr>
+              <a:t>( 1 / 4 )</a:t>
+            </a:r>
+            <a:endParaRPr lang="vi-VN" sz="4800" b="1" dirty="0">
               <a:solidFill>
-                <a:srgbClr val="002060"/>
+                <a:srgbClr val="660033"/>
               </a:solidFill>
             </a:endParaRPr>
           </a:p>
@@ -4991,13 +5638,807 @@
     </p:spTree>
     <p:extLst>
       <p:ext uri="{BB962C8B-B14F-4D97-AF65-F5344CB8AC3E}">
-        <p14:creationId xmlns:p14="http://schemas.microsoft.com/office/powerpoint/2010/main" val="3629996773"/>
+        <p14:creationId xmlns:p14="http://schemas.microsoft.com/office/powerpoint/2010/main" val="3304471407"/>
       </p:ext>
     </p:extLst>
   </p:cSld>
   <p:clrMapOvr>
     <a:masterClrMapping/>
   </p:clrMapOvr>
+  <p:timing>
+    <p:tnLst>
+      <p:par>
+        <p:cTn id="1" dur="indefinite" restart="never" nodeType="tmRoot"/>
+      </p:par>
+    </p:tnLst>
+  </p:timing>
+</p:sld>
+</file>
+
+<file path=ppt/slides/slide5.xml><?xml version="1.0" encoding="utf-8"?>
+<p:sld xmlns:a="http://schemas.openxmlformats.org/drawingml/2006/main" xmlns:r="http://schemas.openxmlformats.org/officeDocument/2006/relationships" xmlns:p="http://schemas.openxmlformats.org/presentationml/2006/main">
+  <p:cSld>
+    <p:spTree>
+      <p:nvGrpSpPr>
+        <p:cNvPr id="1" name=""/>
+        <p:cNvGrpSpPr/>
+        <p:nvPr/>
+      </p:nvGrpSpPr>
+      <p:grpSpPr>
+        <a:xfrm>
+          <a:off x="0" y="0"/>
+          <a:ext cx="0" cy="0"/>
+          <a:chOff x="0" y="0"/>
+          <a:chExt cx="0" cy="0"/>
+        </a:xfrm>
+      </p:grpSpPr>
+      <p:sp>
+        <p:nvSpPr>
+          <p:cNvPr id="5" name="內容版面配置區 4"/>
+          <p:cNvSpPr>
+            <a:spLocks noGrp="1"/>
+          </p:cNvSpPr>
+          <p:nvPr>
+            <p:ph idx="1"/>
+          </p:nvPr>
+        </p:nvSpPr>
+        <p:spPr>
+          <a:xfrm>
+            <a:off x="0" y="2084851"/>
+            <a:ext cx="12192000" cy="2404863"/>
+          </a:xfrm>
+        </p:spPr>
+        <p:txBody>
+          <a:bodyPr anchor="ctr">
+            <a:normAutofit/>
+          </a:bodyPr>
+          <a:lstStyle/>
+          <a:p>
+            <a:pPr marL="0" indent="0" algn="ctr">
+              <a:buNone/>
+            </a:pPr>
+            <a:r>
+              <a:rPr lang="zh-TW" altLang="en-US" sz="6400" b="1" dirty="0">
+                <a:solidFill>
+                  <a:srgbClr val="660033"/>
+                </a:solidFill>
+                <a:latin typeface="Microsoft JhengHei" panose="020B0604030504040204" pitchFamily="34" charset="-120"/>
+                <a:ea typeface="Microsoft JhengHei" panose="020B0604030504040204" pitchFamily="34" charset="-120"/>
+              </a:rPr>
+              <a:t>救攜救恩惠然來</a:t>
+            </a:r>
+            <a:r>
+              <a:rPr lang="zh-TW" altLang="en-US" sz="6400" b="1" dirty="0">
+                <a:solidFill>
+                  <a:srgbClr val="660033"/>
+                </a:solidFill>
+                <a:latin typeface="Microsoft JhengHei" panose="020B0604030504040204" pitchFamily="34" charset="-120"/>
+                <a:ea typeface="Microsoft JhengHei" panose="020B0604030504040204" pitchFamily="34" charset="-120"/>
+              </a:rPr>
+              <a:t>臨</a:t>
+            </a:r>
+            <a:endParaRPr lang="en-US" altLang="zh-TW" sz="6400" b="1" dirty="0">
+              <a:solidFill>
+                <a:srgbClr val="660033"/>
+              </a:solidFill>
+              <a:latin typeface="Microsoft JhengHei" panose="020B0604030504040204" pitchFamily="34" charset="-120"/>
+              <a:ea typeface="Microsoft JhengHei" panose="020B0604030504040204" pitchFamily="34" charset="-120"/>
+            </a:endParaRPr>
+          </a:p>
+          <a:p>
+            <a:pPr marL="0" indent="0" algn="ctr">
+              <a:buNone/>
+            </a:pPr>
+            <a:r>
+              <a:rPr lang="zh-TW" altLang="en-US" sz="6400" b="1" dirty="0">
+                <a:solidFill>
+                  <a:srgbClr val="660033"/>
+                </a:solidFill>
+                <a:latin typeface="Microsoft JhengHei" panose="020B0604030504040204" pitchFamily="34" charset="-120"/>
+                <a:ea typeface="Microsoft JhengHei" panose="020B0604030504040204" pitchFamily="34" charset="-120"/>
+              </a:rPr>
+              <a:t>進</a:t>
+            </a:r>
+            <a:r>
+              <a:rPr lang="zh-TW" altLang="en-US" sz="6400" b="1" dirty="0">
+                <a:solidFill>
+                  <a:srgbClr val="660033"/>
+                </a:solidFill>
+                <a:latin typeface="Microsoft JhengHei" panose="020B0604030504040204" pitchFamily="34" charset="-120"/>
+                <a:ea typeface="Microsoft JhengHei" panose="020B0604030504040204" pitchFamily="34" charset="-120"/>
+              </a:rPr>
+              <a:t>入顆顆戰慄心</a:t>
+            </a:r>
+          </a:p>
+        </p:txBody>
+      </p:sp>
+      <p:sp>
+        <p:nvSpPr>
+          <p:cNvPr id="3" name="TextBox 2"/>
+          <p:cNvSpPr txBox="1"/>
+          <p:nvPr/>
+        </p:nvSpPr>
+        <p:spPr>
+          <a:xfrm>
+            <a:off x="0" y="5061182"/>
+            <a:ext cx="12192000" cy="830997"/>
+          </a:xfrm>
+          <a:prstGeom prst="rect">
+            <a:avLst/>
+          </a:prstGeom>
+          <a:noFill/>
+        </p:spPr>
+        <p:txBody>
+          <a:bodyPr wrap="square" rtlCol="0">
+            <a:spAutoFit/>
+          </a:bodyPr>
+          <a:lstStyle/>
+          <a:p>
+            <a:pPr algn="ctr"/>
+            <a:r>
+              <a:rPr lang="en-US" sz="4800" b="1" dirty="0">
+                <a:solidFill>
+                  <a:srgbClr val="660033"/>
+                </a:solidFill>
+              </a:rPr>
+              <a:t>( 1 / 4 )</a:t>
+            </a:r>
+            <a:endParaRPr lang="vi-VN" sz="4800" b="1" dirty="0">
+              <a:solidFill>
+                <a:srgbClr val="660033"/>
+              </a:solidFill>
+            </a:endParaRPr>
+          </a:p>
+        </p:txBody>
+      </p:sp>
+    </p:spTree>
+    <p:extLst>
+      <p:ext uri="{BB962C8B-B14F-4D97-AF65-F5344CB8AC3E}">
+        <p14:creationId xmlns:p14="http://schemas.microsoft.com/office/powerpoint/2010/main" val="3258336004"/>
+      </p:ext>
+    </p:extLst>
+  </p:cSld>
+  <p:clrMapOvr>
+    <a:masterClrMapping/>
+  </p:clrMapOvr>
+  <p:timing>
+    <p:tnLst>
+      <p:par>
+        <p:cTn id="1" dur="indefinite" restart="never" nodeType="tmRoot"/>
+      </p:par>
+    </p:tnLst>
+  </p:timing>
+</p:sld>
+</file>
+
+<file path=ppt/slides/slide6.xml><?xml version="1.0" encoding="utf-8"?>
+<p:sld xmlns:a="http://schemas.openxmlformats.org/drawingml/2006/main" xmlns:r="http://schemas.openxmlformats.org/officeDocument/2006/relationships" xmlns:p="http://schemas.openxmlformats.org/presentationml/2006/main">
+  <p:cSld>
+    <p:spTree>
+      <p:nvGrpSpPr>
+        <p:cNvPr id="1" name=""/>
+        <p:cNvGrpSpPr/>
+        <p:nvPr/>
+      </p:nvGrpSpPr>
+      <p:grpSpPr>
+        <a:xfrm>
+          <a:off x="0" y="0"/>
+          <a:ext cx="0" cy="0"/>
+          <a:chOff x="0" y="0"/>
+          <a:chExt cx="0" cy="0"/>
+        </a:xfrm>
+      </p:grpSpPr>
+      <p:sp>
+        <p:nvSpPr>
+          <p:cNvPr id="5" name="內容版面配置區 4"/>
+          <p:cNvSpPr>
+            <a:spLocks noGrp="1"/>
+          </p:cNvSpPr>
+          <p:nvPr>
+            <p:ph idx="1"/>
+          </p:nvPr>
+        </p:nvSpPr>
+        <p:spPr>
+          <a:xfrm>
+            <a:off x="0" y="2084851"/>
+            <a:ext cx="12192000" cy="2404863"/>
+          </a:xfrm>
+        </p:spPr>
+        <p:txBody>
+          <a:bodyPr anchor="ctr">
+            <a:normAutofit/>
+          </a:bodyPr>
+          <a:lstStyle/>
+          <a:p>
+            <a:pPr marL="0" indent="0" algn="ctr">
+              <a:buNone/>
+            </a:pPr>
+            <a:r>
+              <a:rPr lang="zh-TW" altLang="en-US" sz="6400" b="1" dirty="0">
+                <a:solidFill>
+                  <a:srgbClr val="660033"/>
+                </a:solidFill>
+                <a:latin typeface="Microsoft JhengHei" panose="020B0604030504040204" pitchFamily="34" charset="-120"/>
+                <a:ea typeface="Microsoft JhengHei" panose="020B0604030504040204" pitchFamily="34" charset="-120"/>
+              </a:rPr>
+              <a:t>懇求主將愛的精</a:t>
+            </a:r>
+            <a:r>
+              <a:rPr lang="zh-TW" altLang="en-US" sz="6400" b="1" dirty="0">
+                <a:solidFill>
+                  <a:srgbClr val="660033"/>
+                </a:solidFill>
+                <a:latin typeface="Microsoft JhengHei" panose="020B0604030504040204" pitchFamily="34" charset="-120"/>
+                <a:ea typeface="Microsoft JhengHei" panose="020B0604030504040204" pitchFamily="34" charset="-120"/>
+              </a:rPr>
+              <a:t>神</a:t>
+            </a:r>
+            <a:endParaRPr lang="en-US" altLang="zh-TW" sz="6400" b="1" dirty="0">
+              <a:solidFill>
+                <a:srgbClr val="660033"/>
+              </a:solidFill>
+              <a:latin typeface="Microsoft JhengHei" panose="020B0604030504040204" pitchFamily="34" charset="-120"/>
+              <a:ea typeface="Microsoft JhengHei" panose="020B0604030504040204" pitchFamily="34" charset="-120"/>
+            </a:endParaRPr>
+          </a:p>
+          <a:p>
+            <a:pPr marL="0" indent="0" algn="ctr">
+              <a:buNone/>
+            </a:pPr>
+            <a:r>
+              <a:rPr lang="zh-TW" altLang="en-US" sz="6400" b="1" dirty="0">
+                <a:solidFill>
+                  <a:srgbClr val="660033"/>
+                </a:solidFill>
+                <a:latin typeface="Microsoft JhengHei" panose="020B0604030504040204" pitchFamily="34" charset="-120"/>
+                <a:ea typeface="Microsoft JhengHei" panose="020B0604030504040204" pitchFamily="34" charset="-120"/>
+              </a:rPr>
+              <a:t>吹</a:t>
+            </a:r>
+            <a:r>
+              <a:rPr lang="zh-TW" altLang="en-US" sz="6400" b="1" dirty="0">
+                <a:solidFill>
+                  <a:srgbClr val="660033"/>
+                </a:solidFill>
+                <a:latin typeface="Microsoft JhengHei" panose="020B0604030504040204" pitchFamily="34" charset="-120"/>
+                <a:ea typeface="Microsoft JhengHei" panose="020B0604030504040204" pitchFamily="34" charset="-120"/>
+              </a:rPr>
+              <a:t>入每顆煩惱心</a:t>
+            </a:r>
+          </a:p>
+        </p:txBody>
+      </p:sp>
+      <p:sp>
+        <p:nvSpPr>
+          <p:cNvPr id="3" name="TextBox 2"/>
+          <p:cNvSpPr txBox="1"/>
+          <p:nvPr/>
+        </p:nvSpPr>
+        <p:spPr>
+          <a:xfrm>
+            <a:off x="0" y="5061182"/>
+            <a:ext cx="12192000" cy="830997"/>
+          </a:xfrm>
+          <a:prstGeom prst="rect">
+            <a:avLst/>
+          </a:prstGeom>
+          <a:noFill/>
+        </p:spPr>
+        <p:txBody>
+          <a:bodyPr wrap="square" rtlCol="0">
+            <a:spAutoFit/>
+          </a:bodyPr>
+          <a:lstStyle/>
+          <a:p>
+            <a:pPr algn="ctr"/>
+            <a:r>
+              <a:rPr lang="en-US" sz="4800" b="1" dirty="0">
+                <a:solidFill>
+                  <a:srgbClr val="660033"/>
+                </a:solidFill>
+              </a:rPr>
+              <a:t>( 2 / 4 )</a:t>
+            </a:r>
+            <a:endParaRPr lang="vi-VN" sz="4800" b="1" dirty="0">
+              <a:solidFill>
+                <a:srgbClr val="660033"/>
+              </a:solidFill>
+            </a:endParaRPr>
+          </a:p>
+        </p:txBody>
+      </p:sp>
+    </p:spTree>
+    <p:extLst>
+      <p:ext uri="{BB962C8B-B14F-4D97-AF65-F5344CB8AC3E}">
+        <p14:creationId xmlns:p14="http://schemas.microsoft.com/office/powerpoint/2010/main" val="3967975229"/>
+      </p:ext>
+    </p:extLst>
+  </p:cSld>
+  <p:clrMapOvr>
+    <a:masterClrMapping/>
+  </p:clrMapOvr>
+  <p:timing>
+    <p:tnLst>
+      <p:par>
+        <p:cTn id="1" dur="indefinite" restart="never" nodeType="tmRoot"/>
+      </p:par>
+    </p:tnLst>
+  </p:timing>
+</p:sld>
+</file>
+
+<file path=ppt/slides/slide7.xml><?xml version="1.0" encoding="utf-8"?>
+<p:sld xmlns:a="http://schemas.openxmlformats.org/drawingml/2006/main" xmlns:r="http://schemas.openxmlformats.org/officeDocument/2006/relationships" xmlns:p="http://schemas.openxmlformats.org/presentationml/2006/main">
+  <p:cSld>
+    <p:spTree>
+      <p:nvGrpSpPr>
+        <p:cNvPr id="1" name=""/>
+        <p:cNvGrpSpPr/>
+        <p:nvPr/>
+      </p:nvGrpSpPr>
+      <p:grpSpPr>
+        <a:xfrm>
+          <a:off x="0" y="0"/>
+          <a:ext cx="0" cy="0"/>
+          <a:chOff x="0" y="0"/>
+          <a:chExt cx="0" cy="0"/>
+        </a:xfrm>
+      </p:grpSpPr>
+      <p:sp>
+        <p:nvSpPr>
+          <p:cNvPr id="5" name="內容版面配置區 4"/>
+          <p:cNvSpPr>
+            <a:spLocks noGrp="1"/>
+          </p:cNvSpPr>
+          <p:nvPr>
+            <p:ph idx="1"/>
+          </p:nvPr>
+        </p:nvSpPr>
+        <p:spPr>
+          <a:xfrm>
+            <a:off x="0" y="2084851"/>
+            <a:ext cx="12192000" cy="2404863"/>
+          </a:xfrm>
+        </p:spPr>
+        <p:txBody>
+          <a:bodyPr anchor="ctr">
+            <a:normAutofit/>
+          </a:bodyPr>
+          <a:lstStyle/>
+          <a:p>
+            <a:pPr marL="0" indent="0" algn="ctr">
+              <a:buNone/>
+            </a:pPr>
+            <a:r>
+              <a:rPr lang="zh-TW" altLang="en-US" sz="6400" b="1" dirty="0">
+                <a:solidFill>
+                  <a:srgbClr val="660033"/>
+                </a:solidFill>
+                <a:latin typeface="Microsoft JhengHei" panose="020B0604030504040204" pitchFamily="34" charset="-120"/>
+                <a:ea typeface="Microsoft JhengHei" panose="020B0604030504040204" pitchFamily="34" charset="-120"/>
+              </a:rPr>
+              <a:t>主所應許甜蜜安</a:t>
+            </a:r>
+            <a:r>
+              <a:rPr lang="zh-TW" altLang="en-US" sz="6400" b="1" dirty="0">
+                <a:solidFill>
+                  <a:srgbClr val="660033"/>
+                </a:solidFill>
+                <a:latin typeface="Microsoft JhengHei" panose="020B0604030504040204" pitchFamily="34" charset="-120"/>
+                <a:ea typeface="Microsoft JhengHei" panose="020B0604030504040204" pitchFamily="34" charset="-120"/>
+              </a:rPr>
+              <a:t>息</a:t>
+            </a:r>
+            <a:endParaRPr lang="en-US" altLang="zh-TW" sz="6400" b="1" dirty="0">
+              <a:solidFill>
+                <a:srgbClr val="660033"/>
+              </a:solidFill>
+              <a:latin typeface="Microsoft JhengHei" panose="020B0604030504040204" pitchFamily="34" charset="-120"/>
+              <a:ea typeface="Microsoft JhengHei" panose="020B0604030504040204" pitchFamily="34" charset="-120"/>
+            </a:endParaRPr>
+          </a:p>
+          <a:p>
+            <a:pPr marL="0" indent="0" algn="ctr">
+              <a:buNone/>
+            </a:pPr>
+            <a:r>
+              <a:rPr lang="zh-TW" altLang="en-US" sz="6400" b="1" dirty="0">
+                <a:solidFill>
+                  <a:srgbClr val="660033"/>
+                </a:solidFill>
+                <a:latin typeface="Microsoft JhengHei" panose="020B0604030504040204" pitchFamily="34" charset="-120"/>
+                <a:ea typeface="Microsoft JhengHei" panose="020B0604030504040204" pitchFamily="34" charset="-120"/>
+              </a:rPr>
+              <a:t>但</a:t>
+            </a:r>
+            <a:r>
+              <a:rPr lang="zh-TW" altLang="en-US" sz="6400" b="1" dirty="0">
+                <a:solidFill>
+                  <a:srgbClr val="660033"/>
+                </a:solidFill>
+                <a:latin typeface="Microsoft JhengHei" panose="020B0604030504040204" pitchFamily="34" charset="-120"/>
+                <a:ea typeface="Microsoft JhengHei" panose="020B0604030504040204" pitchFamily="34" charset="-120"/>
+              </a:rPr>
+              <a:t>願人人得繼承</a:t>
+            </a:r>
+            <a:endParaRPr lang="en-US" altLang="zh-TW" sz="6400" b="1" dirty="0">
+              <a:solidFill>
+                <a:srgbClr val="660033"/>
+              </a:solidFill>
+              <a:latin typeface="Microsoft JhengHei" panose="020B0604030504040204" pitchFamily="34" charset="-120"/>
+              <a:ea typeface="Microsoft JhengHei" panose="020B0604030504040204" pitchFamily="34" charset="-120"/>
+            </a:endParaRPr>
+          </a:p>
+        </p:txBody>
+      </p:sp>
+      <p:sp>
+        <p:nvSpPr>
+          <p:cNvPr id="3" name="TextBox 2"/>
+          <p:cNvSpPr txBox="1"/>
+          <p:nvPr/>
+        </p:nvSpPr>
+        <p:spPr>
+          <a:xfrm>
+            <a:off x="0" y="5061182"/>
+            <a:ext cx="12192000" cy="830997"/>
+          </a:xfrm>
+          <a:prstGeom prst="rect">
+            <a:avLst/>
+          </a:prstGeom>
+          <a:noFill/>
+        </p:spPr>
+        <p:txBody>
+          <a:bodyPr wrap="square" rtlCol="0">
+            <a:spAutoFit/>
+          </a:bodyPr>
+          <a:lstStyle/>
+          <a:p>
+            <a:pPr algn="ctr"/>
+            <a:r>
+              <a:rPr lang="en-US" sz="4800" b="1" dirty="0">
+                <a:solidFill>
+                  <a:srgbClr val="660033"/>
+                </a:solidFill>
+              </a:rPr>
+              <a:t>( 2 / 4 )</a:t>
+            </a:r>
+            <a:endParaRPr lang="vi-VN" sz="4800" b="1" dirty="0">
+              <a:solidFill>
+                <a:srgbClr val="660033"/>
+              </a:solidFill>
+            </a:endParaRPr>
+          </a:p>
+        </p:txBody>
+      </p:sp>
+    </p:spTree>
+    <p:extLst>
+      <p:ext uri="{BB962C8B-B14F-4D97-AF65-F5344CB8AC3E}">
+        <p14:creationId xmlns:p14="http://schemas.microsoft.com/office/powerpoint/2010/main" val="879235465"/>
+      </p:ext>
+    </p:extLst>
+  </p:cSld>
+  <p:clrMapOvr>
+    <a:masterClrMapping/>
+  </p:clrMapOvr>
+  <p:timing>
+    <p:tnLst>
+      <p:par>
+        <p:cTn id="1" dur="indefinite" restart="never" nodeType="tmRoot"/>
+      </p:par>
+    </p:tnLst>
+  </p:timing>
+</p:sld>
+</file>
+
+<file path=ppt/slides/slide8.xml><?xml version="1.0" encoding="utf-8"?>
+<p:sld xmlns:a="http://schemas.openxmlformats.org/drawingml/2006/main" xmlns:r="http://schemas.openxmlformats.org/officeDocument/2006/relationships" xmlns:p="http://schemas.openxmlformats.org/presentationml/2006/main">
+  <p:cSld>
+    <p:spTree>
+      <p:nvGrpSpPr>
+        <p:cNvPr id="1" name=""/>
+        <p:cNvGrpSpPr/>
+        <p:nvPr/>
+      </p:nvGrpSpPr>
+      <p:grpSpPr>
+        <a:xfrm>
+          <a:off x="0" y="0"/>
+          <a:ext cx="0" cy="0"/>
+          <a:chOff x="0" y="0"/>
+          <a:chExt cx="0" cy="0"/>
+        </a:xfrm>
+      </p:grpSpPr>
+      <p:sp>
+        <p:nvSpPr>
+          <p:cNvPr id="5" name="內容版面配置區 4"/>
+          <p:cNvSpPr>
+            <a:spLocks noGrp="1"/>
+          </p:cNvSpPr>
+          <p:nvPr>
+            <p:ph idx="1"/>
+          </p:nvPr>
+        </p:nvSpPr>
+        <p:spPr>
+          <a:xfrm>
+            <a:off x="0" y="2084851"/>
+            <a:ext cx="12192000" cy="2404863"/>
+          </a:xfrm>
+        </p:spPr>
+        <p:txBody>
+          <a:bodyPr anchor="ctr">
+            <a:normAutofit/>
+          </a:bodyPr>
+          <a:lstStyle/>
+          <a:p>
+            <a:pPr marL="0" indent="0" algn="ctr">
+              <a:buNone/>
+            </a:pPr>
+            <a:r>
+              <a:rPr lang="zh-TW" altLang="en-US" sz="6400" b="1" dirty="0">
+                <a:solidFill>
+                  <a:srgbClr val="660033"/>
+                </a:solidFill>
+                <a:latin typeface="Microsoft JhengHei" panose="020B0604030504040204" pitchFamily="34" charset="-120"/>
+                <a:ea typeface="Microsoft JhengHei" panose="020B0604030504040204" pitchFamily="34" charset="-120"/>
+              </a:rPr>
+              <a:t>懇求去掉愛罪心</a:t>
+            </a:r>
+            <a:r>
+              <a:rPr lang="zh-TW" altLang="en-US" sz="6400" b="1" dirty="0">
+                <a:solidFill>
+                  <a:srgbClr val="660033"/>
+                </a:solidFill>
+                <a:latin typeface="Microsoft JhengHei" panose="020B0604030504040204" pitchFamily="34" charset="-120"/>
+                <a:ea typeface="Microsoft JhengHei" panose="020B0604030504040204" pitchFamily="34" charset="-120"/>
+              </a:rPr>
+              <a:t>懷</a:t>
+            </a:r>
+            <a:endParaRPr lang="en-US" altLang="zh-TW" sz="6400" b="1" dirty="0">
+              <a:solidFill>
+                <a:srgbClr val="660033"/>
+              </a:solidFill>
+              <a:latin typeface="Microsoft JhengHei" panose="020B0604030504040204" pitchFamily="34" charset="-120"/>
+              <a:ea typeface="Microsoft JhengHei" panose="020B0604030504040204" pitchFamily="34" charset="-120"/>
+            </a:endParaRPr>
+          </a:p>
+          <a:p>
+            <a:pPr marL="0" indent="0" algn="ctr">
+              <a:buNone/>
+            </a:pPr>
+            <a:r>
+              <a:rPr lang="zh-TW" altLang="en-US" sz="6400" b="1" dirty="0">
+                <a:solidFill>
+                  <a:srgbClr val="660033"/>
+                </a:solidFill>
+                <a:latin typeface="Microsoft JhengHei" panose="020B0604030504040204" pitchFamily="34" charset="-120"/>
+                <a:ea typeface="Microsoft JhengHei" panose="020B0604030504040204" pitchFamily="34" charset="-120"/>
+              </a:rPr>
+              <a:t>成</a:t>
+            </a:r>
+            <a:r>
+              <a:rPr lang="zh-TW" altLang="en-US" sz="6400" b="1" dirty="0">
+                <a:solidFill>
+                  <a:srgbClr val="660033"/>
+                </a:solidFill>
+                <a:latin typeface="Microsoft JhengHei" panose="020B0604030504040204" pitchFamily="34" charset="-120"/>
+                <a:ea typeface="Microsoft JhengHei" panose="020B0604030504040204" pitchFamily="34" charset="-120"/>
+              </a:rPr>
+              <a:t>全我靈始與終</a:t>
+            </a:r>
+          </a:p>
+        </p:txBody>
+      </p:sp>
+      <p:sp>
+        <p:nvSpPr>
+          <p:cNvPr id="3" name="TextBox 2"/>
+          <p:cNvSpPr txBox="1"/>
+          <p:nvPr/>
+        </p:nvSpPr>
+        <p:spPr>
+          <a:xfrm>
+            <a:off x="0" y="5061182"/>
+            <a:ext cx="12192000" cy="830997"/>
+          </a:xfrm>
+          <a:prstGeom prst="rect">
+            <a:avLst/>
+          </a:prstGeom>
+          <a:noFill/>
+        </p:spPr>
+        <p:txBody>
+          <a:bodyPr wrap="square" rtlCol="0">
+            <a:spAutoFit/>
+          </a:bodyPr>
+          <a:lstStyle/>
+          <a:p>
+            <a:pPr algn="ctr"/>
+            <a:r>
+              <a:rPr lang="en-US" sz="4800" b="1" dirty="0">
+                <a:solidFill>
+                  <a:srgbClr val="660033"/>
+                </a:solidFill>
+              </a:rPr>
+              <a:t>( 2 / 4 )</a:t>
+            </a:r>
+            <a:endParaRPr lang="vi-VN" sz="4800" b="1" dirty="0">
+              <a:solidFill>
+                <a:srgbClr val="660033"/>
+              </a:solidFill>
+            </a:endParaRPr>
+          </a:p>
+        </p:txBody>
+      </p:sp>
+    </p:spTree>
+    <p:extLst>
+      <p:ext uri="{BB962C8B-B14F-4D97-AF65-F5344CB8AC3E}">
+        <p14:creationId xmlns:p14="http://schemas.microsoft.com/office/powerpoint/2010/main" val="2438681808"/>
+      </p:ext>
+    </p:extLst>
+  </p:cSld>
+  <p:clrMapOvr>
+    <a:masterClrMapping/>
+  </p:clrMapOvr>
+  <p:timing>
+    <p:tnLst>
+      <p:par>
+        <p:cTn id="1" dur="indefinite" restart="never" nodeType="tmRoot"/>
+      </p:par>
+    </p:tnLst>
+  </p:timing>
+</p:sld>
+</file>
+
+<file path=ppt/slides/slide9.xml><?xml version="1.0" encoding="utf-8"?>
+<p:sld xmlns:a="http://schemas.openxmlformats.org/drawingml/2006/main" xmlns:r="http://schemas.openxmlformats.org/officeDocument/2006/relationships" xmlns:p="http://schemas.openxmlformats.org/presentationml/2006/main">
+  <p:cSld>
+    <p:spTree>
+      <p:nvGrpSpPr>
+        <p:cNvPr id="1" name=""/>
+        <p:cNvGrpSpPr/>
+        <p:nvPr/>
+      </p:nvGrpSpPr>
+      <p:grpSpPr>
+        <a:xfrm>
+          <a:off x="0" y="0"/>
+          <a:ext cx="0" cy="0"/>
+          <a:chOff x="0" y="0"/>
+          <a:chExt cx="0" cy="0"/>
+        </a:xfrm>
+      </p:grpSpPr>
+      <p:sp>
+        <p:nvSpPr>
+          <p:cNvPr id="5" name="內容版面配置區 4"/>
+          <p:cNvSpPr>
+            <a:spLocks noGrp="1"/>
+          </p:cNvSpPr>
+          <p:nvPr>
+            <p:ph idx="1"/>
+          </p:nvPr>
+        </p:nvSpPr>
+        <p:spPr>
+          <a:xfrm>
+            <a:off x="0" y="2084851"/>
+            <a:ext cx="12192000" cy="2404863"/>
+          </a:xfrm>
+        </p:spPr>
+        <p:txBody>
+          <a:bodyPr anchor="ctr">
+            <a:normAutofit/>
+          </a:bodyPr>
+          <a:lstStyle/>
+          <a:p>
+            <a:pPr marL="0" indent="0" algn="ctr">
+              <a:buNone/>
+            </a:pPr>
+            <a:r>
+              <a:rPr lang="zh-TW" altLang="en-US" sz="6400" b="1" dirty="0">
+                <a:solidFill>
+                  <a:srgbClr val="660033"/>
+                </a:solidFill>
+                <a:latin typeface="Microsoft JhengHei" panose="020B0604030504040204" pitchFamily="34" charset="-120"/>
+                <a:ea typeface="Microsoft JhengHei" panose="020B0604030504040204" pitchFamily="34" charset="-120"/>
+              </a:rPr>
+              <a:t>信的結果美如開</a:t>
+            </a:r>
+            <a:r>
+              <a:rPr lang="zh-TW" altLang="en-US" sz="6400" b="1" dirty="0">
+                <a:solidFill>
+                  <a:srgbClr val="660033"/>
+                </a:solidFill>
+                <a:latin typeface="Microsoft JhengHei" panose="020B0604030504040204" pitchFamily="34" charset="-120"/>
+                <a:ea typeface="Microsoft JhengHei" panose="020B0604030504040204" pitchFamily="34" charset="-120"/>
+              </a:rPr>
+              <a:t>端</a:t>
+            </a:r>
+            <a:endParaRPr lang="en-US" altLang="zh-TW" sz="6400" b="1" dirty="0">
+              <a:solidFill>
+                <a:srgbClr val="660033"/>
+              </a:solidFill>
+              <a:latin typeface="Microsoft JhengHei" panose="020B0604030504040204" pitchFamily="34" charset="-120"/>
+              <a:ea typeface="Microsoft JhengHei" panose="020B0604030504040204" pitchFamily="34" charset="-120"/>
+            </a:endParaRPr>
+          </a:p>
+          <a:p>
+            <a:pPr marL="0" indent="0" algn="ctr">
+              <a:buNone/>
+            </a:pPr>
+            <a:r>
+              <a:rPr lang="zh-TW" altLang="en-US" sz="6400" b="1" dirty="0">
+                <a:solidFill>
+                  <a:srgbClr val="660033"/>
+                </a:solidFill>
+                <a:latin typeface="Microsoft JhengHei" panose="020B0604030504040204" pitchFamily="34" charset="-120"/>
+                <a:ea typeface="Microsoft JhengHei" panose="020B0604030504040204" pitchFamily="34" charset="-120"/>
+              </a:rPr>
+              <a:t>自</a:t>
+            </a:r>
+            <a:r>
+              <a:rPr lang="zh-TW" altLang="en-US" sz="6400" b="1" dirty="0">
+                <a:solidFill>
+                  <a:srgbClr val="660033"/>
+                </a:solidFill>
+                <a:latin typeface="Microsoft JhengHei" panose="020B0604030504040204" pitchFamily="34" charset="-120"/>
+                <a:ea typeface="Microsoft JhengHei" panose="020B0604030504040204" pitchFamily="34" charset="-120"/>
+              </a:rPr>
+              <a:t>由釋放我心衷</a:t>
+            </a:r>
+          </a:p>
+        </p:txBody>
+      </p:sp>
+      <p:sp>
+        <p:nvSpPr>
+          <p:cNvPr id="3" name="TextBox 2"/>
+          <p:cNvSpPr txBox="1"/>
+          <p:nvPr/>
+        </p:nvSpPr>
+        <p:spPr>
+          <a:xfrm>
+            <a:off x="0" y="5061182"/>
+            <a:ext cx="12192000" cy="830997"/>
+          </a:xfrm>
+          <a:prstGeom prst="rect">
+            <a:avLst/>
+          </a:prstGeom>
+          <a:noFill/>
+        </p:spPr>
+        <p:txBody>
+          <a:bodyPr wrap="square" rtlCol="0">
+            <a:spAutoFit/>
+          </a:bodyPr>
+          <a:lstStyle/>
+          <a:p>
+            <a:pPr algn="ctr"/>
+            <a:r>
+              <a:rPr lang="en-US" sz="4800" b="1" dirty="0">
+                <a:solidFill>
+                  <a:srgbClr val="660033"/>
+                </a:solidFill>
+              </a:rPr>
+              <a:t>( 2 / 4 )</a:t>
+            </a:r>
+            <a:endParaRPr lang="vi-VN" sz="4800" b="1" dirty="0">
+              <a:solidFill>
+                <a:srgbClr val="660033"/>
+              </a:solidFill>
+            </a:endParaRPr>
+          </a:p>
+        </p:txBody>
+      </p:sp>
+    </p:spTree>
+    <p:extLst>
+      <p:ext uri="{BB962C8B-B14F-4D97-AF65-F5344CB8AC3E}">
+        <p14:creationId xmlns:p14="http://schemas.microsoft.com/office/powerpoint/2010/main" val="3788039569"/>
+      </p:ext>
+    </p:extLst>
+  </p:cSld>
+  <p:clrMapOvr>
+    <a:masterClrMapping/>
+  </p:clrMapOvr>
+  <p:timing>
+    <p:tnLst>
+      <p:par>
+        <p:cTn id="1" dur="indefinite" restart="never" nodeType="tmRoot"/>
+      </p:par>
+    </p:tnLst>
+  </p:timing>
 </p:sld>
 </file>
 

--- a/宣道詩/(宣道詩211B)神聖純愛.pptx
+++ b/宣道詩/(宣道詩211B)神聖純愛.pptx
@@ -3835,24 +3835,7 @@
                 <a:latin typeface="微軟正黑體" pitchFamily="34" charset="-120"/>
                 <a:ea typeface="微軟正黑體" pitchFamily="34" charset="-120"/>
               </a:rPr>
-              <a:t>神</a:t>
-            </a:r>
-            <a:r>
-              <a:rPr lang="zh-CN" altLang="en-US" sz="8000" b="1" dirty="0">
-                <a:solidFill>
-                  <a:srgbClr val="660033"/>
-                </a:solidFill>
-                <a:effectLst>
-                  <a:outerShdw blurRad="38100" dist="38100" dir="2700000" algn="tl">
-                    <a:srgbClr val="000000">
-                      <a:alpha val="43137"/>
-                    </a:srgbClr>
-                  </a:outerShdw>
-                </a:effectLst>
-                <a:latin typeface="微軟正黑體" pitchFamily="34" charset="-120"/>
-                <a:ea typeface="微軟正黑體" pitchFamily="34" charset="-120"/>
-              </a:rPr>
-              <a:t>聖純愛</a:t>
+              <a:t>神聖純愛</a:t>
             </a:r>
             <a:endParaRPr lang="zh-TW" altLang="en-US" sz="8000" b="1" dirty="0">
               <a:solidFill>
@@ -3941,17 +3924,7 @@
                 <a:latin typeface="Microsoft JhengHei" panose="020B0604030504040204" pitchFamily="34" charset="-120"/>
                 <a:ea typeface="Microsoft JhengHei" panose="020B0604030504040204" pitchFamily="34" charset="-120"/>
               </a:rPr>
-              <a:t>全能神阿求來救</a:t>
-            </a:r>
-            <a:r>
-              <a:rPr lang="zh-TW" altLang="en-US" sz="6400" b="1" dirty="0">
-                <a:solidFill>
-                  <a:srgbClr val="660033"/>
-                </a:solidFill>
-                <a:latin typeface="Microsoft JhengHei" panose="020B0604030504040204" pitchFamily="34" charset="-120"/>
-                <a:ea typeface="Microsoft JhengHei" panose="020B0604030504040204" pitchFamily="34" charset="-120"/>
-              </a:rPr>
-              <a:t>拯</a:t>
+              <a:t>全能神阿求來救拯</a:t>
             </a:r>
             <a:endParaRPr lang="en-US" altLang="zh-TW" sz="6400" b="1" dirty="0">
               <a:solidFill>
@@ -3973,17 +3946,7 @@
                 <a:latin typeface="Microsoft JhengHei" panose="020B0604030504040204" pitchFamily="34" charset="-120"/>
                 <a:ea typeface="Microsoft JhengHei" panose="020B0604030504040204" pitchFamily="34" charset="-120"/>
               </a:rPr>
-              <a:t>容</a:t>
-            </a:r>
-            <a:r>
-              <a:rPr lang="zh-TW" altLang="en-US" sz="6400" b="1" dirty="0">
-                <a:solidFill>
-                  <a:srgbClr val="660033"/>
-                </a:solidFill>
-                <a:latin typeface="Microsoft JhengHei" panose="020B0604030504040204" pitchFamily="34" charset="-120"/>
-                <a:ea typeface="Microsoft JhengHei" panose="020B0604030504040204" pitchFamily="34" charset="-120"/>
-              </a:rPr>
-              <a:t>我接受主生命</a:t>
+              <a:t>容我接受主生命</a:t>
             </a:r>
           </a:p>
         </p:txBody>
@@ -3997,7 +3960,7 @@
         <p:spPr>
           <a:xfrm>
             <a:off x="0" y="5061182"/>
-            <a:ext cx="12192000" cy="830997"/>
+            <a:ext cx="12192000" cy="584775"/>
           </a:xfrm>
           <a:prstGeom prst="rect">
             <a:avLst/>
@@ -4012,17 +3975,19 @@
           <a:p>
             <a:pPr algn="ctr"/>
             <a:r>
-              <a:rPr lang="en-US" sz="4800" b="1" dirty="0">
+              <a:rPr lang="en-US" sz="3200" b="1" dirty="0">
                 <a:solidFill>
                   <a:srgbClr val="660033"/>
                 </a:solidFill>
+                <a:latin typeface="+mn-lt"/>
               </a:rPr>
               <a:t>( 3 / 4 )</a:t>
             </a:r>
-            <a:endParaRPr lang="vi-VN" sz="4800" b="1" dirty="0">
+            <a:endParaRPr lang="vi-VN" sz="3200" b="1" dirty="0">
               <a:solidFill>
                 <a:srgbClr val="660033"/>
               </a:solidFill>
+              <a:latin typeface="+mn-lt"/>
             </a:endParaRPr>
           </a:p>
         </p:txBody>
@@ -4097,17 +4062,7 @@
                 <a:latin typeface="Microsoft JhengHei" panose="020B0604030504040204" pitchFamily="34" charset="-120"/>
                 <a:ea typeface="Microsoft JhengHei" panose="020B0604030504040204" pitchFamily="34" charset="-120"/>
               </a:rPr>
-              <a:t>我心主殿願主忽</a:t>
-            </a:r>
-            <a:r>
-              <a:rPr lang="zh-TW" altLang="en-US" sz="6400" b="1" dirty="0">
-                <a:solidFill>
-                  <a:srgbClr val="660033"/>
-                </a:solidFill>
-                <a:latin typeface="Microsoft JhengHei" panose="020B0604030504040204" pitchFamily="34" charset="-120"/>
-                <a:ea typeface="Microsoft JhengHei" panose="020B0604030504040204" pitchFamily="34" charset="-120"/>
-              </a:rPr>
-              <a:t>臨</a:t>
+              <a:t>我心主殿願主忽臨</a:t>
             </a:r>
             <a:endParaRPr lang="en-US" altLang="zh-TW" sz="6400" b="1" dirty="0">
               <a:solidFill>
@@ -4129,17 +4084,7 @@
                 <a:latin typeface="Microsoft JhengHei" panose="020B0604030504040204" pitchFamily="34" charset="-120"/>
                 <a:ea typeface="Microsoft JhengHei" panose="020B0604030504040204" pitchFamily="34" charset="-120"/>
               </a:rPr>
-              <a:t>永</a:t>
-            </a:r>
-            <a:r>
-              <a:rPr lang="zh-TW" altLang="en-US" sz="6400" b="1" dirty="0">
-                <a:solidFill>
-                  <a:srgbClr val="660033"/>
-                </a:solidFill>
-                <a:latin typeface="Microsoft JhengHei" panose="020B0604030504040204" pitchFamily="34" charset="-120"/>
-                <a:ea typeface="Microsoft JhengHei" panose="020B0604030504040204" pitchFamily="34" charset="-120"/>
-              </a:rPr>
-              <a:t>不永不離我心</a:t>
+              <a:t>永不永不離我心</a:t>
             </a:r>
             <a:endParaRPr lang="en-US" altLang="zh-TW" sz="6400" b="1" dirty="0">
               <a:solidFill>
@@ -4160,7 +4105,7 @@
         <p:spPr>
           <a:xfrm>
             <a:off x="0" y="5061182"/>
-            <a:ext cx="12192000" cy="830997"/>
+            <a:ext cx="12192000" cy="584775"/>
           </a:xfrm>
           <a:prstGeom prst="rect">
             <a:avLst/>
@@ -4175,17 +4120,19 @@
           <a:p>
             <a:pPr algn="ctr"/>
             <a:r>
-              <a:rPr lang="en-US" sz="4800" b="1" dirty="0">
+              <a:rPr lang="en-US" sz="3200" b="1" dirty="0">
                 <a:solidFill>
                   <a:srgbClr val="660033"/>
                 </a:solidFill>
+                <a:latin typeface="+mn-lt"/>
               </a:rPr>
               <a:t>( 3 / 4 )</a:t>
             </a:r>
-            <a:endParaRPr lang="vi-VN" sz="4800" b="1" dirty="0">
+            <a:endParaRPr lang="vi-VN" sz="3200" b="1" dirty="0">
               <a:solidFill>
                 <a:srgbClr val="660033"/>
               </a:solidFill>
+              <a:latin typeface="+mn-lt"/>
             </a:endParaRPr>
           </a:p>
         </p:txBody>
@@ -4260,17 +4207,7 @@
                 <a:latin typeface="Microsoft JhengHei" panose="020B0604030504040204" pitchFamily="34" charset="-120"/>
                 <a:ea typeface="Microsoft JhengHei" panose="020B0604030504040204" pitchFamily="34" charset="-120"/>
               </a:rPr>
-              <a:t>但願時常頌主事</a:t>
-            </a:r>
-            <a:r>
-              <a:rPr lang="zh-TW" altLang="en-US" sz="6400" b="1" dirty="0">
-                <a:solidFill>
-                  <a:srgbClr val="660033"/>
-                </a:solidFill>
-                <a:latin typeface="Microsoft JhengHei" panose="020B0604030504040204" pitchFamily="34" charset="-120"/>
-                <a:ea typeface="Microsoft JhengHei" panose="020B0604030504040204" pitchFamily="34" charset="-120"/>
-              </a:rPr>
-              <a:t>主</a:t>
+              <a:t>但願時常頌主事主</a:t>
             </a:r>
             <a:endParaRPr lang="en-US" altLang="zh-TW" sz="6400" b="1" dirty="0">
               <a:solidFill>
@@ -4292,17 +4229,7 @@
                 <a:latin typeface="Microsoft JhengHei" panose="020B0604030504040204" pitchFamily="34" charset="-120"/>
                 <a:ea typeface="Microsoft JhengHei" panose="020B0604030504040204" pitchFamily="34" charset="-120"/>
               </a:rPr>
-              <a:t>猶</a:t>
-            </a:r>
-            <a:r>
-              <a:rPr lang="zh-TW" altLang="en-US" sz="6400" b="1" dirty="0">
-                <a:solidFill>
-                  <a:srgbClr val="660033"/>
-                </a:solidFill>
-                <a:latin typeface="Microsoft JhengHei" panose="020B0604030504040204" pitchFamily="34" charset="-120"/>
-                <a:ea typeface="Microsoft JhengHei" panose="020B0604030504040204" pitchFamily="34" charset="-120"/>
-              </a:rPr>
-              <a:t>如天上眾天軍</a:t>
+              <a:t>猶如天上眾天軍</a:t>
             </a:r>
           </a:p>
         </p:txBody>
@@ -4316,7 +4243,7 @@
         <p:spPr>
           <a:xfrm>
             <a:off x="0" y="5061182"/>
-            <a:ext cx="12192000" cy="830997"/>
+            <a:ext cx="12192000" cy="584775"/>
           </a:xfrm>
           <a:prstGeom prst="rect">
             <a:avLst/>
@@ -4331,17 +4258,19 @@
           <a:p>
             <a:pPr algn="ctr"/>
             <a:r>
-              <a:rPr lang="en-US" sz="4800" b="1" dirty="0">
+              <a:rPr lang="en-US" sz="3200" b="1" dirty="0">
                 <a:solidFill>
                   <a:srgbClr val="660033"/>
                 </a:solidFill>
+                <a:latin typeface="+mn-lt"/>
               </a:rPr>
               <a:t>( 3 / 4 )</a:t>
             </a:r>
-            <a:endParaRPr lang="vi-VN" sz="4800" b="1" dirty="0">
+            <a:endParaRPr lang="vi-VN" sz="3200" b="1" dirty="0">
               <a:solidFill>
                 <a:srgbClr val="660033"/>
               </a:solidFill>
+              <a:latin typeface="+mn-lt"/>
             </a:endParaRPr>
           </a:p>
         </p:txBody>
@@ -4436,17 +4365,7 @@
                 <a:latin typeface="Microsoft JhengHei" panose="020B0604030504040204" pitchFamily="34" charset="-120"/>
                 <a:ea typeface="Microsoft JhengHei" panose="020B0604030504040204" pitchFamily="34" charset="-120"/>
               </a:rPr>
-              <a:t>揚永無停</a:t>
-            </a:r>
-            <a:r>
-              <a:rPr lang="zh-TW" altLang="en-US" sz="6400" b="1" dirty="0">
-                <a:solidFill>
-                  <a:srgbClr val="660033"/>
-                </a:solidFill>
-                <a:latin typeface="Microsoft JhengHei" panose="020B0604030504040204" pitchFamily="34" charset="-120"/>
-                <a:ea typeface="Microsoft JhengHei" panose="020B0604030504040204" pitchFamily="34" charset="-120"/>
-              </a:rPr>
-              <a:t>止</a:t>
+              <a:t>揚永無停止</a:t>
             </a:r>
             <a:endParaRPr lang="en-US" altLang="zh-TW" sz="6400" b="1" dirty="0">
               <a:solidFill>
@@ -4468,17 +4387,7 @@
                 <a:latin typeface="Microsoft JhengHei" panose="020B0604030504040204" pitchFamily="34" charset="-120"/>
                 <a:ea typeface="Microsoft JhengHei" panose="020B0604030504040204" pitchFamily="34" charset="-120"/>
               </a:rPr>
-              <a:t>完</a:t>
-            </a:r>
-            <a:r>
-              <a:rPr lang="zh-TW" altLang="en-US" sz="6400" b="1" dirty="0">
-                <a:solidFill>
-                  <a:srgbClr val="660033"/>
-                </a:solidFill>
-                <a:latin typeface="Microsoft JhengHei" panose="020B0604030504040204" pitchFamily="34" charset="-120"/>
-                <a:ea typeface="Microsoft JhengHei" panose="020B0604030504040204" pitchFamily="34" charset="-120"/>
-              </a:rPr>
-              <a:t>全愛裏永歡欣</a:t>
+              <a:t>完全愛裏永歡欣</a:t>
             </a:r>
           </a:p>
         </p:txBody>
@@ -4492,7 +4401,7 @@
         <p:spPr>
           <a:xfrm>
             <a:off x="0" y="5061182"/>
-            <a:ext cx="12192000" cy="830997"/>
+            <a:ext cx="12192000" cy="584775"/>
           </a:xfrm>
           <a:prstGeom prst="rect">
             <a:avLst/>
@@ -4507,17 +4416,19 @@
           <a:p>
             <a:pPr algn="ctr"/>
             <a:r>
-              <a:rPr lang="en-US" sz="4800" b="1" dirty="0">
+              <a:rPr lang="en-US" sz="3200" b="1" dirty="0">
                 <a:solidFill>
                   <a:srgbClr val="660033"/>
                 </a:solidFill>
+                <a:latin typeface="+mn-lt"/>
               </a:rPr>
               <a:t>( 3 / 4 )</a:t>
             </a:r>
-            <a:endParaRPr lang="vi-VN" sz="4800" b="1" dirty="0">
+            <a:endParaRPr lang="vi-VN" sz="3200" b="1" dirty="0">
               <a:solidFill>
                 <a:srgbClr val="660033"/>
               </a:solidFill>
+              <a:latin typeface="+mn-lt"/>
             </a:endParaRPr>
           </a:p>
         </p:txBody>
@@ -4592,17 +4503,7 @@
                 <a:latin typeface="Microsoft JhengHei" panose="020B0604030504040204" pitchFamily="34" charset="-120"/>
                 <a:ea typeface="Microsoft JhengHei" panose="020B0604030504040204" pitchFamily="34" charset="-120"/>
               </a:rPr>
-              <a:t>求主完成再造深</a:t>
-            </a:r>
-            <a:r>
-              <a:rPr lang="zh-TW" altLang="en-US" sz="6400" b="1" dirty="0">
-                <a:solidFill>
-                  <a:srgbClr val="660033"/>
-                </a:solidFill>
-                <a:latin typeface="Microsoft JhengHei" panose="020B0604030504040204" pitchFamily="34" charset="-120"/>
-                <a:ea typeface="Microsoft JhengHei" panose="020B0604030504040204" pitchFamily="34" charset="-120"/>
-              </a:rPr>
-              <a:t>恩</a:t>
+              <a:t>求主完成再造深恩</a:t>
             </a:r>
             <a:endParaRPr lang="en-US" altLang="zh-TW" sz="6400" b="1" dirty="0">
               <a:solidFill>
@@ -4624,17 +4525,7 @@
                 <a:latin typeface="Microsoft JhengHei" panose="020B0604030504040204" pitchFamily="34" charset="-120"/>
                 <a:ea typeface="Microsoft JhengHei" panose="020B0604030504040204" pitchFamily="34" charset="-120"/>
               </a:rPr>
-              <a:t>使</a:t>
-            </a:r>
-            <a:r>
-              <a:rPr lang="zh-TW" altLang="en-US" sz="6400" b="1" dirty="0">
-                <a:solidFill>
-                  <a:srgbClr val="660033"/>
-                </a:solidFill>
-                <a:latin typeface="Microsoft JhengHei" panose="020B0604030504040204" pitchFamily="34" charset="-120"/>
-                <a:ea typeface="Microsoft JhengHei" panose="020B0604030504040204" pitchFamily="34" charset="-120"/>
-              </a:rPr>
-              <a:t>我潔清無瑕疵</a:t>
+              <a:t>使我潔清無瑕疵</a:t>
             </a:r>
           </a:p>
         </p:txBody>
@@ -4648,7 +4539,7 @@
         <p:spPr>
           <a:xfrm>
             <a:off x="0" y="5061182"/>
-            <a:ext cx="12192000" cy="830997"/>
+            <a:ext cx="12192000" cy="584775"/>
           </a:xfrm>
           <a:prstGeom prst="rect">
             <a:avLst/>
@@ -4663,17 +4554,19 @@
           <a:p>
             <a:pPr algn="ctr"/>
             <a:r>
-              <a:rPr lang="en-US" sz="4800" b="1" dirty="0">
+              <a:rPr lang="en-US" sz="3200" b="1" dirty="0">
                 <a:solidFill>
                   <a:srgbClr val="660033"/>
                 </a:solidFill>
+                <a:latin typeface="+mn-lt"/>
               </a:rPr>
               <a:t>( 4 / 4 )</a:t>
             </a:r>
-            <a:endParaRPr lang="vi-VN" sz="4800" b="1" dirty="0">
+            <a:endParaRPr lang="vi-VN" sz="3200" b="1" dirty="0">
               <a:solidFill>
                 <a:srgbClr val="660033"/>
               </a:solidFill>
+              <a:latin typeface="+mn-lt"/>
             </a:endParaRPr>
           </a:p>
         </p:txBody>
@@ -4748,17 +4641,7 @@
                 <a:latin typeface="Microsoft JhengHei" panose="020B0604030504040204" pitchFamily="34" charset="-120"/>
                 <a:ea typeface="Microsoft JhengHei" panose="020B0604030504040204" pitchFamily="34" charset="-120"/>
               </a:rPr>
-              <a:t>使我能見宏大救</a:t>
-            </a:r>
-            <a:r>
-              <a:rPr lang="zh-TW" altLang="en-US" sz="6400" b="1" dirty="0">
-                <a:solidFill>
-                  <a:srgbClr val="660033"/>
-                </a:solidFill>
-                <a:latin typeface="Microsoft JhengHei" panose="020B0604030504040204" pitchFamily="34" charset="-120"/>
-                <a:ea typeface="Microsoft JhengHei" panose="020B0604030504040204" pitchFamily="34" charset="-120"/>
-              </a:rPr>
-              <a:t>恩</a:t>
+              <a:t>使我能見宏大救恩</a:t>
             </a:r>
             <a:endParaRPr lang="en-US" altLang="zh-TW" sz="6400" b="1" dirty="0">
               <a:solidFill>
@@ -4780,17 +4663,7 @@
                 <a:latin typeface="Microsoft JhengHei" panose="020B0604030504040204" pitchFamily="34" charset="-120"/>
                 <a:ea typeface="Microsoft JhengHei" panose="020B0604030504040204" pitchFamily="34" charset="-120"/>
               </a:rPr>
-              <a:t>再</a:t>
-            </a:r>
-            <a:r>
-              <a:rPr lang="zh-TW" altLang="en-US" sz="6400" b="1" dirty="0">
-                <a:solidFill>
-                  <a:srgbClr val="660033"/>
-                </a:solidFill>
-                <a:latin typeface="Microsoft JhengHei" panose="020B0604030504040204" pitchFamily="34" charset="-120"/>
-                <a:ea typeface="Microsoft JhengHei" panose="020B0604030504040204" pitchFamily="34" charset="-120"/>
-              </a:rPr>
-              <a:t>得歸</a:t>
+              <a:t>再得歸</a:t>
             </a:r>
             <a:r>
               <a:rPr lang="zh-CN" altLang="zh-TW" sz="6400" b="1" dirty="0">
@@ -4831,7 +4704,7 @@
         <p:spPr>
           <a:xfrm>
             <a:off x="0" y="5061182"/>
-            <a:ext cx="12192000" cy="830997"/>
+            <a:ext cx="12192000" cy="584775"/>
           </a:xfrm>
           <a:prstGeom prst="rect">
             <a:avLst/>
@@ -4846,17 +4719,19 @@
           <a:p>
             <a:pPr algn="ctr"/>
             <a:r>
-              <a:rPr lang="en-US" sz="4800" b="1" dirty="0">
+              <a:rPr lang="en-US" sz="3200" b="1" dirty="0">
                 <a:solidFill>
                   <a:srgbClr val="660033"/>
                 </a:solidFill>
+                <a:latin typeface="+mn-lt"/>
               </a:rPr>
               <a:t>( 4 / 4 )</a:t>
             </a:r>
-            <a:endParaRPr lang="vi-VN" sz="4800" b="1" dirty="0">
+            <a:endParaRPr lang="vi-VN" sz="3200" b="1" dirty="0">
               <a:solidFill>
                 <a:srgbClr val="660033"/>
               </a:solidFill>
+              <a:latin typeface="+mn-lt"/>
             </a:endParaRPr>
           </a:p>
         </p:txBody>
@@ -4931,17 +4806,7 @@
                 <a:latin typeface="Microsoft JhengHei" panose="020B0604030504040204" pitchFamily="34" charset="-120"/>
                 <a:ea typeface="Microsoft JhengHei" panose="020B0604030504040204" pitchFamily="34" charset="-120"/>
               </a:rPr>
-              <a:t>願從光榮再進光</a:t>
-            </a:r>
-            <a:r>
-              <a:rPr lang="zh-TW" altLang="en-US" sz="6400" b="1" dirty="0">
-                <a:solidFill>
-                  <a:srgbClr val="660033"/>
-                </a:solidFill>
-                <a:latin typeface="Microsoft JhengHei" panose="020B0604030504040204" pitchFamily="34" charset="-120"/>
-                <a:ea typeface="Microsoft JhengHei" panose="020B0604030504040204" pitchFamily="34" charset="-120"/>
-              </a:rPr>
-              <a:t>榮</a:t>
+              <a:t>願從光榮再進光榮</a:t>
             </a:r>
             <a:endParaRPr lang="en-US" altLang="zh-TW" sz="6400" b="1" dirty="0">
               <a:solidFill>
@@ -4963,17 +4828,7 @@
                 <a:latin typeface="Microsoft JhengHei" panose="020B0604030504040204" pitchFamily="34" charset="-120"/>
                 <a:ea typeface="Microsoft JhengHei" panose="020B0604030504040204" pitchFamily="34" charset="-120"/>
               </a:rPr>
-              <a:t>身</a:t>
-            </a:r>
-            <a:r>
-              <a:rPr lang="zh-TW" altLang="en-US" sz="6400" b="1" dirty="0">
-                <a:solidFill>
-                  <a:srgbClr val="660033"/>
-                </a:solidFill>
-                <a:latin typeface="Microsoft JhengHei" panose="020B0604030504040204" pitchFamily="34" charset="-120"/>
-                <a:ea typeface="Microsoft JhengHei" panose="020B0604030504040204" pitchFamily="34" charset="-120"/>
-              </a:rPr>
-              <a:t>列天班長供奉</a:t>
+              <a:t>身列天班長供奉</a:t>
             </a:r>
           </a:p>
         </p:txBody>
@@ -4987,7 +4842,7 @@
         <p:spPr>
           <a:xfrm>
             <a:off x="0" y="5061182"/>
-            <a:ext cx="12192000" cy="830997"/>
+            <a:ext cx="12192000" cy="584775"/>
           </a:xfrm>
           <a:prstGeom prst="rect">
             <a:avLst/>
@@ -5002,17 +4857,19 @@
           <a:p>
             <a:pPr algn="ctr"/>
             <a:r>
-              <a:rPr lang="en-US" sz="4800" b="1" dirty="0">
+              <a:rPr lang="en-US" sz="3200" b="1" dirty="0">
                 <a:solidFill>
                   <a:srgbClr val="660033"/>
                 </a:solidFill>
+                <a:latin typeface="+mn-lt"/>
               </a:rPr>
               <a:t>( 4 / 4 )</a:t>
             </a:r>
-            <a:endParaRPr lang="vi-VN" sz="4800" b="1" dirty="0">
+            <a:endParaRPr lang="vi-VN" sz="3200" b="1" dirty="0">
               <a:solidFill>
                 <a:srgbClr val="660033"/>
               </a:solidFill>
+              <a:latin typeface="+mn-lt"/>
             </a:endParaRPr>
           </a:p>
         </p:txBody>
@@ -5087,17 +4944,7 @@
                 <a:latin typeface="Microsoft JhengHei" panose="020B0604030504040204" pitchFamily="34" charset="-120"/>
                 <a:ea typeface="Microsoft JhengHei" panose="020B0604030504040204" pitchFamily="34" charset="-120"/>
               </a:rPr>
-              <a:t>到時冠冕主前拋</a:t>
-            </a:r>
-            <a:r>
-              <a:rPr lang="zh-TW" altLang="en-US" sz="6400" b="1" dirty="0">
-                <a:solidFill>
-                  <a:srgbClr val="660033"/>
-                </a:solidFill>
-                <a:latin typeface="Microsoft JhengHei" panose="020B0604030504040204" pitchFamily="34" charset="-120"/>
-                <a:ea typeface="Microsoft JhengHei" panose="020B0604030504040204" pitchFamily="34" charset="-120"/>
-              </a:rPr>
-              <a:t>擲</a:t>
+              <a:t>到時冠冕主前拋擲</a:t>
             </a:r>
             <a:endParaRPr lang="en-US" altLang="zh-TW" sz="6400" b="1" dirty="0">
               <a:solidFill>
@@ -5119,17 +4966,7 @@
                 <a:latin typeface="Microsoft JhengHei" panose="020B0604030504040204" pitchFamily="34" charset="-120"/>
                 <a:ea typeface="Microsoft JhengHei" panose="020B0604030504040204" pitchFamily="34" charset="-120"/>
               </a:rPr>
-              <a:t>忘</a:t>
-            </a:r>
-            <a:r>
-              <a:rPr lang="zh-TW" altLang="en-US" sz="6400" b="1" dirty="0">
-                <a:solidFill>
-                  <a:srgbClr val="660033"/>
-                </a:solidFill>
-                <a:latin typeface="Microsoft JhengHei" panose="020B0604030504040204" pitchFamily="34" charset="-120"/>
-                <a:ea typeface="Microsoft JhengHei" panose="020B0604030504040204" pitchFamily="34" charset="-120"/>
-              </a:rPr>
-              <a:t>形愛頌驚奇中</a:t>
+              <a:t>忘形愛頌驚奇中</a:t>
             </a:r>
           </a:p>
         </p:txBody>
@@ -5143,7 +4980,7 @@
         <p:spPr>
           <a:xfrm>
             <a:off x="0" y="5061182"/>
-            <a:ext cx="12192000" cy="830997"/>
+            <a:ext cx="12192000" cy="584775"/>
           </a:xfrm>
           <a:prstGeom prst="rect">
             <a:avLst/>
@@ -5158,17 +4995,19 @@
           <a:p>
             <a:pPr algn="ctr"/>
             <a:r>
-              <a:rPr lang="en-US" sz="4800" b="1" dirty="0">
+              <a:rPr lang="en-US" sz="3200" b="1" dirty="0">
                 <a:solidFill>
                   <a:srgbClr val="660033"/>
                 </a:solidFill>
+                <a:latin typeface="+mn-lt"/>
               </a:rPr>
               <a:t>( 4 / 4 )</a:t>
             </a:r>
-            <a:endParaRPr lang="vi-VN" sz="4800" b="1" dirty="0">
+            <a:endParaRPr lang="vi-VN" sz="3200" b="1" dirty="0">
               <a:solidFill>
                 <a:srgbClr val="660033"/>
               </a:solidFill>
+              <a:latin typeface="+mn-lt"/>
             </a:endParaRPr>
           </a:p>
         </p:txBody>
@@ -5267,13 +5106,6 @@
               </a:rPr>
               <a:t>天上歡樂降人間</a:t>
             </a:r>
-            <a:endParaRPr lang="zh-TW" altLang="en-US" sz="6400" b="1" dirty="0">
-              <a:solidFill>
-                <a:srgbClr val="660033"/>
-              </a:solidFill>
-              <a:latin typeface="Microsoft JhengHei" panose="020B0604030504040204" pitchFamily="34" charset="-120"/>
-              <a:ea typeface="Microsoft JhengHei" panose="020B0604030504040204" pitchFamily="34" charset="-120"/>
-            </a:endParaRPr>
           </a:p>
         </p:txBody>
       </p:sp>
@@ -5286,7 +5118,7 @@
         <p:spPr>
           <a:xfrm>
             <a:off x="0" y="5061182"/>
-            <a:ext cx="12192000" cy="830997"/>
+            <a:ext cx="12192000" cy="584775"/>
           </a:xfrm>
           <a:prstGeom prst="rect">
             <a:avLst/>
@@ -5301,17 +5133,19 @@
           <a:p>
             <a:pPr algn="ctr"/>
             <a:r>
-              <a:rPr lang="en-US" sz="4800" b="1" dirty="0">
+              <a:rPr lang="en-US" sz="3200" b="1" dirty="0">
                 <a:solidFill>
                   <a:srgbClr val="660033"/>
                 </a:solidFill>
+                <a:latin typeface="+mn-lt"/>
               </a:rPr>
               <a:t>( 1 / 4 )</a:t>
             </a:r>
-            <a:endParaRPr lang="vi-VN" sz="4800" b="1" dirty="0">
+            <a:endParaRPr lang="vi-VN" sz="3200" b="1" dirty="0">
               <a:solidFill>
                 <a:srgbClr val="660033"/>
               </a:solidFill>
+              <a:latin typeface="+mn-lt"/>
             </a:endParaRPr>
           </a:p>
         </p:txBody>
@@ -5386,17 +5220,7 @@
                 <a:latin typeface="Microsoft JhengHei" panose="020B0604030504040204" pitchFamily="34" charset="-120"/>
                 <a:ea typeface="Microsoft JhengHei" panose="020B0604030504040204" pitchFamily="34" charset="-120"/>
               </a:rPr>
-              <a:t>懇求屈尊居我心</a:t>
-            </a:r>
-            <a:r>
-              <a:rPr lang="zh-TW" altLang="en-US" sz="6400" b="1" dirty="0">
-                <a:solidFill>
-                  <a:srgbClr val="660033"/>
-                </a:solidFill>
-                <a:latin typeface="Microsoft JhengHei" panose="020B0604030504040204" pitchFamily="34" charset="-120"/>
-                <a:ea typeface="Microsoft JhengHei" panose="020B0604030504040204" pitchFamily="34" charset="-120"/>
-              </a:rPr>
-              <a:t>中</a:t>
+              <a:t>懇求屈尊居我心中</a:t>
             </a:r>
             <a:endParaRPr lang="en-US" altLang="zh-TW" sz="6400" b="1" dirty="0">
               <a:solidFill>
@@ -5418,17 +5242,7 @@
                 <a:latin typeface="Microsoft JhengHei" panose="020B0604030504040204" pitchFamily="34" charset="-120"/>
                 <a:ea typeface="Microsoft JhengHei" panose="020B0604030504040204" pitchFamily="34" charset="-120"/>
               </a:rPr>
-              <a:t>超</a:t>
-            </a:r>
-            <a:r>
-              <a:rPr lang="zh-TW" altLang="en-US" sz="6400" b="1" dirty="0">
-                <a:solidFill>
-                  <a:srgbClr val="660033"/>
-                </a:solidFill>
-                <a:latin typeface="Microsoft JhengHei" panose="020B0604030504040204" pitchFamily="34" charset="-120"/>
-                <a:ea typeface="Microsoft JhengHei" panose="020B0604030504040204" pitchFamily="34" charset="-120"/>
-              </a:rPr>
-              <a:t>過尋常恩萬般</a:t>
+              <a:t>超過尋常恩萬般</a:t>
             </a:r>
             <a:endParaRPr lang="en-US" altLang="zh-TW" sz="6400" b="1" dirty="0">
               <a:solidFill>
@@ -5449,7 +5263,7 @@
         <p:spPr>
           <a:xfrm>
             <a:off x="0" y="5061182"/>
-            <a:ext cx="12192000" cy="830997"/>
+            <a:ext cx="12192000" cy="584775"/>
           </a:xfrm>
           <a:prstGeom prst="rect">
             <a:avLst/>
@@ -5464,17 +5278,19 @@
           <a:p>
             <a:pPr algn="ctr"/>
             <a:r>
-              <a:rPr lang="en-US" sz="4800" b="1" dirty="0">
+              <a:rPr lang="en-US" sz="3200" b="1" dirty="0">
                 <a:solidFill>
                   <a:srgbClr val="660033"/>
                 </a:solidFill>
+                <a:latin typeface="+mn-lt"/>
               </a:rPr>
               <a:t>( 1 / 4 )</a:t>
             </a:r>
-            <a:endParaRPr lang="vi-VN" sz="4800" b="1" dirty="0">
+            <a:endParaRPr lang="vi-VN" sz="3200" b="1" dirty="0">
               <a:solidFill>
                 <a:srgbClr val="660033"/>
               </a:solidFill>
+              <a:latin typeface="+mn-lt"/>
             </a:endParaRPr>
           </a:p>
         </p:txBody>
@@ -5549,17 +5365,7 @@
                 <a:latin typeface="Microsoft JhengHei" panose="020B0604030504040204" pitchFamily="34" charset="-120"/>
                 <a:ea typeface="Microsoft JhengHei" panose="020B0604030504040204" pitchFamily="34" charset="-120"/>
               </a:rPr>
-              <a:t>耶穌主是萬愛結</a:t>
-            </a:r>
-            <a:r>
-              <a:rPr lang="zh-TW" altLang="en-US" sz="6400" b="1" dirty="0">
-                <a:solidFill>
-                  <a:srgbClr val="660033"/>
-                </a:solidFill>
-                <a:latin typeface="Microsoft JhengHei" panose="020B0604030504040204" pitchFamily="34" charset="-120"/>
-                <a:ea typeface="Microsoft JhengHei" panose="020B0604030504040204" pitchFamily="34" charset="-120"/>
-              </a:rPr>
-              <a:t>晶</a:t>
+              <a:t>耶穌主是萬愛結晶</a:t>
             </a:r>
             <a:endParaRPr lang="en-US" altLang="zh-TW" sz="6400" b="1" dirty="0">
               <a:solidFill>
@@ -5581,17 +5387,7 @@
                 <a:latin typeface="Microsoft JhengHei" panose="020B0604030504040204" pitchFamily="34" charset="-120"/>
                 <a:ea typeface="Microsoft JhengHei" panose="020B0604030504040204" pitchFamily="34" charset="-120"/>
               </a:rPr>
-              <a:t>憐</a:t>
-            </a:r>
-            <a:r>
-              <a:rPr lang="zh-TW" altLang="en-US" sz="6400" b="1" dirty="0">
-                <a:solidFill>
-                  <a:srgbClr val="660033"/>
-                </a:solidFill>
-                <a:latin typeface="Microsoft JhengHei" panose="020B0604030504040204" pitchFamily="34" charset="-120"/>
-                <a:ea typeface="Microsoft JhengHei" panose="020B0604030504040204" pitchFamily="34" charset="-120"/>
-              </a:rPr>
-              <a:t>憫慈悲集大成</a:t>
+              <a:t>憐憫慈悲集大成</a:t>
             </a:r>
           </a:p>
         </p:txBody>
@@ -5605,7 +5401,7 @@
         <p:spPr>
           <a:xfrm>
             <a:off x="0" y="5061182"/>
-            <a:ext cx="12192000" cy="830997"/>
+            <a:ext cx="12192000" cy="584775"/>
           </a:xfrm>
           <a:prstGeom prst="rect">
             <a:avLst/>
@@ -5620,17 +5416,19 @@
           <a:p>
             <a:pPr algn="ctr"/>
             <a:r>
-              <a:rPr lang="en-US" sz="4800" b="1" dirty="0">
+              <a:rPr lang="en-US" sz="3200" b="1" dirty="0">
                 <a:solidFill>
                   <a:srgbClr val="660033"/>
                 </a:solidFill>
+                <a:latin typeface="+mn-lt"/>
               </a:rPr>
               <a:t>( 1 / 4 )</a:t>
             </a:r>
-            <a:endParaRPr lang="vi-VN" sz="4800" b="1" dirty="0">
+            <a:endParaRPr lang="vi-VN" sz="3200" b="1" dirty="0">
               <a:solidFill>
                 <a:srgbClr val="660033"/>
               </a:solidFill>
+              <a:latin typeface="+mn-lt"/>
             </a:endParaRPr>
           </a:p>
         </p:txBody>
@@ -5705,17 +5503,7 @@
                 <a:latin typeface="Microsoft JhengHei" panose="020B0604030504040204" pitchFamily="34" charset="-120"/>
                 <a:ea typeface="Microsoft JhengHei" panose="020B0604030504040204" pitchFamily="34" charset="-120"/>
               </a:rPr>
-              <a:t>救攜救恩惠然來</a:t>
-            </a:r>
-            <a:r>
-              <a:rPr lang="zh-TW" altLang="en-US" sz="6400" b="1" dirty="0">
-                <a:solidFill>
-                  <a:srgbClr val="660033"/>
-                </a:solidFill>
-                <a:latin typeface="Microsoft JhengHei" panose="020B0604030504040204" pitchFamily="34" charset="-120"/>
-                <a:ea typeface="Microsoft JhengHei" panose="020B0604030504040204" pitchFamily="34" charset="-120"/>
-              </a:rPr>
-              <a:t>臨</a:t>
+              <a:t>救攜救恩惠然來臨</a:t>
             </a:r>
             <a:endParaRPr lang="en-US" altLang="zh-TW" sz="6400" b="1" dirty="0">
               <a:solidFill>
@@ -5737,17 +5525,7 @@
                 <a:latin typeface="Microsoft JhengHei" panose="020B0604030504040204" pitchFamily="34" charset="-120"/>
                 <a:ea typeface="Microsoft JhengHei" panose="020B0604030504040204" pitchFamily="34" charset="-120"/>
               </a:rPr>
-              <a:t>進</a:t>
-            </a:r>
-            <a:r>
-              <a:rPr lang="zh-TW" altLang="en-US" sz="6400" b="1" dirty="0">
-                <a:solidFill>
-                  <a:srgbClr val="660033"/>
-                </a:solidFill>
-                <a:latin typeface="Microsoft JhengHei" panose="020B0604030504040204" pitchFamily="34" charset="-120"/>
-                <a:ea typeface="Microsoft JhengHei" panose="020B0604030504040204" pitchFamily="34" charset="-120"/>
-              </a:rPr>
-              <a:t>入顆顆戰慄心</a:t>
+              <a:t>進入顆顆戰慄心</a:t>
             </a:r>
           </a:p>
         </p:txBody>
@@ -5761,7 +5539,7 @@
         <p:spPr>
           <a:xfrm>
             <a:off x="0" y="5061182"/>
-            <a:ext cx="12192000" cy="830997"/>
+            <a:ext cx="12192000" cy="584775"/>
           </a:xfrm>
           <a:prstGeom prst="rect">
             <a:avLst/>
@@ -5776,17 +5554,19 @@
           <a:p>
             <a:pPr algn="ctr"/>
             <a:r>
-              <a:rPr lang="en-US" sz="4800" b="1" dirty="0">
+              <a:rPr lang="en-US" sz="3200" b="1" dirty="0">
                 <a:solidFill>
                   <a:srgbClr val="660033"/>
                 </a:solidFill>
+                <a:latin typeface="+mn-lt"/>
               </a:rPr>
               <a:t>( 1 / 4 )</a:t>
             </a:r>
-            <a:endParaRPr lang="vi-VN" sz="4800" b="1" dirty="0">
+            <a:endParaRPr lang="vi-VN" sz="3200" b="1" dirty="0">
               <a:solidFill>
                 <a:srgbClr val="660033"/>
               </a:solidFill>
+              <a:latin typeface="+mn-lt"/>
             </a:endParaRPr>
           </a:p>
         </p:txBody>
@@ -5861,17 +5641,7 @@
                 <a:latin typeface="Microsoft JhengHei" panose="020B0604030504040204" pitchFamily="34" charset="-120"/>
                 <a:ea typeface="Microsoft JhengHei" panose="020B0604030504040204" pitchFamily="34" charset="-120"/>
               </a:rPr>
-              <a:t>懇求主將愛的精</a:t>
-            </a:r>
-            <a:r>
-              <a:rPr lang="zh-TW" altLang="en-US" sz="6400" b="1" dirty="0">
-                <a:solidFill>
-                  <a:srgbClr val="660033"/>
-                </a:solidFill>
-                <a:latin typeface="Microsoft JhengHei" panose="020B0604030504040204" pitchFamily="34" charset="-120"/>
-                <a:ea typeface="Microsoft JhengHei" panose="020B0604030504040204" pitchFamily="34" charset="-120"/>
-              </a:rPr>
-              <a:t>神</a:t>
+              <a:t>懇求主將愛的精神</a:t>
             </a:r>
             <a:endParaRPr lang="en-US" altLang="zh-TW" sz="6400" b="1" dirty="0">
               <a:solidFill>
@@ -5893,17 +5663,7 @@
                 <a:latin typeface="Microsoft JhengHei" panose="020B0604030504040204" pitchFamily="34" charset="-120"/>
                 <a:ea typeface="Microsoft JhengHei" panose="020B0604030504040204" pitchFamily="34" charset="-120"/>
               </a:rPr>
-              <a:t>吹</a:t>
-            </a:r>
-            <a:r>
-              <a:rPr lang="zh-TW" altLang="en-US" sz="6400" b="1" dirty="0">
-                <a:solidFill>
-                  <a:srgbClr val="660033"/>
-                </a:solidFill>
-                <a:latin typeface="Microsoft JhengHei" panose="020B0604030504040204" pitchFamily="34" charset="-120"/>
-                <a:ea typeface="Microsoft JhengHei" panose="020B0604030504040204" pitchFamily="34" charset="-120"/>
-              </a:rPr>
-              <a:t>入每顆煩惱心</a:t>
+              <a:t>吹入每顆煩惱心</a:t>
             </a:r>
           </a:p>
         </p:txBody>
@@ -5917,7 +5677,7 @@
         <p:spPr>
           <a:xfrm>
             <a:off x="0" y="5061182"/>
-            <a:ext cx="12192000" cy="830997"/>
+            <a:ext cx="12192000" cy="584775"/>
           </a:xfrm>
           <a:prstGeom prst="rect">
             <a:avLst/>
@@ -5932,17 +5692,19 @@
           <a:p>
             <a:pPr algn="ctr"/>
             <a:r>
-              <a:rPr lang="en-US" sz="4800" b="1" dirty="0">
+              <a:rPr lang="en-US" sz="3200" b="1" dirty="0">
                 <a:solidFill>
                   <a:srgbClr val="660033"/>
                 </a:solidFill>
+                <a:latin typeface="+mn-lt"/>
               </a:rPr>
               <a:t>( 2 / 4 )</a:t>
             </a:r>
-            <a:endParaRPr lang="vi-VN" sz="4800" b="1" dirty="0">
+            <a:endParaRPr lang="vi-VN" sz="3200" b="1" dirty="0">
               <a:solidFill>
                 <a:srgbClr val="660033"/>
               </a:solidFill>
+              <a:latin typeface="+mn-lt"/>
             </a:endParaRPr>
           </a:p>
         </p:txBody>
@@ -6017,17 +5779,7 @@
                 <a:latin typeface="Microsoft JhengHei" panose="020B0604030504040204" pitchFamily="34" charset="-120"/>
                 <a:ea typeface="Microsoft JhengHei" panose="020B0604030504040204" pitchFamily="34" charset="-120"/>
               </a:rPr>
-              <a:t>主所應許甜蜜安</a:t>
-            </a:r>
-            <a:r>
-              <a:rPr lang="zh-TW" altLang="en-US" sz="6400" b="1" dirty="0">
-                <a:solidFill>
-                  <a:srgbClr val="660033"/>
-                </a:solidFill>
-                <a:latin typeface="Microsoft JhengHei" panose="020B0604030504040204" pitchFamily="34" charset="-120"/>
-                <a:ea typeface="Microsoft JhengHei" panose="020B0604030504040204" pitchFamily="34" charset="-120"/>
-              </a:rPr>
-              <a:t>息</a:t>
+              <a:t>主所應許甜蜜安息</a:t>
             </a:r>
             <a:endParaRPr lang="en-US" altLang="zh-TW" sz="6400" b="1" dirty="0">
               <a:solidFill>
@@ -6049,17 +5801,7 @@
                 <a:latin typeface="Microsoft JhengHei" panose="020B0604030504040204" pitchFamily="34" charset="-120"/>
                 <a:ea typeface="Microsoft JhengHei" panose="020B0604030504040204" pitchFamily="34" charset="-120"/>
               </a:rPr>
-              <a:t>但</a:t>
-            </a:r>
-            <a:r>
-              <a:rPr lang="zh-TW" altLang="en-US" sz="6400" b="1" dirty="0">
-                <a:solidFill>
-                  <a:srgbClr val="660033"/>
-                </a:solidFill>
-                <a:latin typeface="Microsoft JhengHei" panose="020B0604030504040204" pitchFamily="34" charset="-120"/>
-                <a:ea typeface="Microsoft JhengHei" panose="020B0604030504040204" pitchFamily="34" charset="-120"/>
-              </a:rPr>
-              <a:t>願人人得繼承</a:t>
+              <a:t>但願人人得繼承</a:t>
             </a:r>
             <a:endParaRPr lang="en-US" altLang="zh-TW" sz="6400" b="1" dirty="0">
               <a:solidFill>
@@ -6080,7 +5822,7 @@
         <p:spPr>
           <a:xfrm>
             <a:off x="0" y="5061182"/>
-            <a:ext cx="12192000" cy="830997"/>
+            <a:ext cx="12192000" cy="584775"/>
           </a:xfrm>
           <a:prstGeom prst="rect">
             <a:avLst/>
@@ -6095,17 +5837,19 @@
           <a:p>
             <a:pPr algn="ctr"/>
             <a:r>
-              <a:rPr lang="en-US" sz="4800" b="1" dirty="0">
+              <a:rPr lang="en-US" sz="3200" b="1" dirty="0">
                 <a:solidFill>
                   <a:srgbClr val="660033"/>
                 </a:solidFill>
+                <a:latin typeface="+mn-lt"/>
               </a:rPr>
               <a:t>( 2 / 4 )</a:t>
             </a:r>
-            <a:endParaRPr lang="vi-VN" sz="4800" b="1" dirty="0">
+            <a:endParaRPr lang="vi-VN" sz="3200" b="1" dirty="0">
               <a:solidFill>
                 <a:srgbClr val="660033"/>
               </a:solidFill>
+              <a:latin typeface="+mn-lt"/>
             </a:endParaRPr>
           </a:p>
         </p:txBody>
@@ -6180,17 +5924,7 @@
                 <a:latin typeface="Microsoft JhengHei" panose="020B0604030504040204" pitchFamily="34" charset="-120"/>
                 <a:ea typeface="Microsoft JhengHei" panose="020B0604030504040204" pitchFamily="34" charset="-120"/>
               </a:rPr>
-              <a:t>懇求去掉愛罪心</a:t>
-            </a:r>
-            <a:r>
-              <a:rPr lang="zh-TW" altLang="en-US" sz="6400" b="1" dirty="0">
-                <a:solidFill>
-                  <a:srgbClr val="660033"/>
-                </a:solidFill>
-                <a:latin typeface="Microsoft JhengHei" panose="020B0604030504040204" pitchFamily="34" charset="-120"/>
-                <a:ea typeface="Microsoft JhengHei" panose="020B0604030504040204" pitchFamily="34" charset="-120"/>
-              </a:rPr>
-              <a:t>懷</a:t>
+              <a:t>懇求去掉愛罪心懷</a:t>
             </a:r>
             <a:endParaRPr lang="en-US" altLang="zh-TW" sz="6400" b="1" dirty="0">
               <a:solidFill>
@@ -6212,17 +5946,7 @@
                 <a:latin typeface="Microsoft JhengHei" panose="020B0604030504040204" pitchFamily="34" charset="-120"/>
                 <a:ea typeface="Microsoft JhengHei" panose="020B0604030504040204" pitchFamily="34" charset="-120"/>
               </a:rPr>
-              <a:t>成</a:t>
-            </a:r>
-            <a:r>
-              <a:rPr lang="zh-TW" altLang="en-US" sz="6400" b="1" dirty="0">
-                <a:solidFill>
-                  <a:srgbClr val="660033"/>
-                </a:solidFill>
-                <a:latin typeface="Microsoft JhengHei" panose="020B0604030504040204" pitchFamily="34" charset="-120"/>
-                <a:ea typeface="Microsoft JhengHei" panose="020B0604030504040204" pitchFamily="34" charset="-120"/>
-              </a:rPr>
-              <a:t>全我靈始與終</a:t>
+              <a:t>成全我靈始與終</a:t>
             </a:r>
           </a:p>
         </p:txBody>
@@ -6236,7 +5960,7 @@
         <p:spPr>
           <a:xfrm>
             <a:off x="0" y="5061182"/>
-            <a:ext cx="12192000" cy="830997"/>
+            <a:ext cx="12192000" cy="584775"/>
           </a:xfrm>
           <a:prstGeom prst="rect">
             <a:avLst/>
@@ -6251,17 +5975,19 @@
           <a:p>
             <a:pPr algn="ctr"/>
             <a:r>
-              <a:rPr lang="en-US" sz="4800" b="1" dirty="0">
+              <a:rPr lang="en-US" sz="3200" b="1" dirty="0">
                 <a:solidFill>
                   <a:srgbClr val="660033"/>
                 </a:solidFill>
+                <a:latin typeface="+mn-lt"/>
               </a:rPr>
               <a:t>( 2 / 4 )</a:t>
             </a:r>
-            <a:endParaRPr lang="vi-VN" sz="4800" b="1" dirty="0">
+            <a:endParaRPr lang="vi-VN" sz="3200" b="1" dirty="0">
               <a:solidFill>
                 <a:srgbClr val="660033"/>
               </a:solidFill>
+              <a:latin typeface="+mn-lt"/>
             </a:endParaRPr>
           </a:p>
         </p:txBody>
@@ -6336,17 +6062,7 @@
                 <a:latin typeface="Microsoft JhengHei" panose="020B0604030504040204" pitchFamily="34" charset="-120"/>
                 <a:ea typeface="Microsoft JhengHei" panose="020B0604030504040204" pitchFamily="34" charset="-120"/>
               </a:rPr>
-              <a:t>信的結果美如開</a:t>
-            </a:r>
-            <a:r>
-              <a:rPr lang="zh-TW" altLang="en-US" sz="6400" b="1" dirty="0">
-                <a:solidFill>
-                  <a:srgbClr val="660033"/>
-                </a:solidFill>
-                <a:latin typeface="Microsoft JhengHei" panose="020B0604030504040204" pitchFamily="34" charset="-120"/>
-                <a:ea typeface="Microsoft JhengHei" panose="020B0604030504040204" pitchFamily="34" charset="-120"/>
-              </a:rPr>
-              <a:t>端</a:t>
+              <a:t>信的結果美如開端</a:t>
             </a:r>
             <a:endParaRPr lang="en-US" altLang="zh-TW" sz="6400" b="1" dirty="0">
               <a:solidFill>
@@ -6368,17 +6084,7 @@
                 <a:latin typeface="Microsoft JhengHei" panose="020B0604030504040204" pitchFamily="34" charset="-120"/>
                 <a:ea typeface="Microsoft JhengHei" panose="020B0604030504040204" pitchFamily="34" charset="-120"/>
               </a:rPr>
-              <a:t>自</a:t>
-            </a:r>
-            <a:r>
-              <a:rPr lang="zh-TW" altLang="en-US" sz="6400" b="1" dirty="0">
-                <a:solidFill>
-                  <a:srgbClr val="660033"/>
-                </a:solidFill>
-                <a:latin typeface="Microsoft JhengHei" panose="020B0604030504040204" pitchFamily="34" charset="-120"/>
-                <a:ea typeface="Microsoft JhengHei" panose="020B0604030504040204" pitchFamily="34" charset="-120"/>
-              </a:rPr>
-              <a:t>由釋放我心衷</a:t>
+              <a:t>自由釋放我心衷</a:t>
             </a:r>
           </a:p>
         </p:txBody>
@@ -6392,7 +6098,7 @@
         <p:spPr>
           <a:xfrm>
             <a:off x="0" y="5061182"/>
-            <a:ext cx="12192000" cy="830997"/>
+            <a:ext cx="12192000" cy="584775"/>
           </a:xfrm>
           <a:prstGeom prst="rect">
             <a:avLst/>
@@ -6407,17 +6113,19 @@
           <a:p>
             <a:pPr algn="ctr"/>
             <a:r>
-              <a:rPr lang="en-US" sz="4800" b="1" dirty="0">
+              <a:rPr lang="en-US" sz="3200" b="1" dirty="0">
                 <a:solidFill>
                   <a:srgbClr val="660033"/>
                 </a:solidFill>
+                <a:latin typeface="+mn-lt"/>
               </a:rPr>
               <a:t>( 2 / 4 )</a:t>
             </a:r>
-            <a:endParaRPr lang="vi-VN" sz="4800" b="1" dirty="0">
+            <a:endParaRPr lang="vi-VN" sz="3200" b="1" dirty="0">
               <a:solidFill>
                 <a:srgbClr val="660033"/>
               </a:solidFill>
+              <a:latin typeface="+mn-lt"/>
             </a:endParaRPr>
           </a:p>
         </p:txBody>
